--- a/Exjobbspresentation.pptx
+++ b/Exjobbspresentation.pptx
@@ -232,7 +232,2750 @@
       </a:defRPr>
     </a:lvl9pPr>
   </p:defaultTextStyle>
+  <p:extLst>
+    <p:ext uri="{EFAFB233-063F-42B5-8137-9DF3F51BA10A}">
+      <p15:sldGuideLst xmlns:p15="http://schemas.microsoft.com/office/powerpoint/2012/main"/>
+    </p:ext>
+  </p:extLst>
 </p:presentation>
+</file>
+
+<file path=ppt/revisionInfo.xml><?xml version="1.0" encoding="utf-8"?>
+<p1510:revInfo xmlns:a="http://schemas.openxmlformats.org/drawingml/2006/main" xmlns:r="http://schemas.openxmlformats.org/officeDocument/2006/relationships" xmlns:p1510="http://schemas.microsoft.com/office/powerpoint/2015/10/main"/>
+</file>
+
+<file path=ppt/diagrams/colors1.xml><?xml version="1.0" encoding="utf-8"?>
+<dgm:colorsDef xmlns:dgm="http://schemas.openxmlformats.org/drawingml/2006/diagram" xmlns:a="http://schemas.openxmlformats.org/drawingml/2006/main" uniqueId="urn:microsoft.com/office/officeart/2005/8/colors/accent1_2">
+  <dgm:title val=""/>
+  <dgm:desc val=""/>
+  <dgm:catLst>
+    <dgm:cat type="accent1" pri="11200"/>
+  </dgm:catLst>
+  <dgm:styleLbl name="node0">
+    <dgm:fillClrLst meth="repeat">
+      <a:schemeClr val="accent1"/>
+    </dgm:fillClrLst>
+    <dgm:linClrLst meth="repeat">
+      <a:schemeClr val="lt1"/>
+    </dgm:linClrLst>
+    <dgm:effectClrLst/>
+    <dgm:txLinClrLst/>
+    <dgm:txFillClrLst/>
+    <dgm:txEffectClrLst/>
+  </dgm:styleLbl>
+  <dgm:styleLbl name="alignNode1">
+    <dgm:fillClrLst meth="repeat">
+      <a:schemeClr val="accent1"/>
+    </dgm:fillClrLst>
+    <dgm:linClrLst meth="repeat">
+      <a:schemeClr val="accent1"/>
+    </dgm:linClrLst>
+    <dgm:effectClrLst/>
+    <dgm:txLinClrLst/>
+    <dgm:txFillClrLst/>
+    <dgm:txEffectClrLst/>
+  </dgm:styleLbl>
+  <dgm:styleLbl name="node1">
+    <dgm:fillClrLst meth="repeat">
+      <a:schemeClr val="accent1"/>
+    </dgm:fillClrLst>
+    <dgm:linClrLst meth="repeat">
+      <a:schemeClr val="lt1"/>
+    </dgm:linClrLst>
+    <dgm:effectClrLst/>
+    <dgm:txLinClrLst/>
+    <dgm:txFillClrLst/>
+    <dgm:txEffectClrLst/>
+  </dgm:styleLbl>
+  <dgm:styleLbl name="lnNode1">
+    <dgm:fillClrLst meth="repeat">
+      <a:schemeClr val="accent1"/>
+    </dgm:fillClrLst>
+    <dgm:linClrLst meth="repeat">
+      <a:schemeClr val="lt1"/>
+    </dgm:linClrLst>
+    <dgm:effectClrLst/>
+    <dgm:txLinClrLst/>
+    <dgm:txFillClrLst/>
+    <dgm:txEffectClrLst/>
+  </dgm:styleLbl>
+  <dgm:styleLbl name="vennNode1">
+    <dgm:fillClrLst meth="repeat">
+      <a:schemeClr val="accent1">
+        <a:alpha val="50000"/>
+      </a:schemeClr>
+    </dgm:fillClrLst>
+    <dgm:linClrLst meth="repeat">
+      <a:schemeClr val="lt1"/>
+    </dgm:linClrLst>
+    <dgm:effectClrLst/>
+    <dgm:txLinClrLst/>
+    <dgm:txFillClrLst/>
+    <dgm:txEffectClrLst/>
+  </dgm:styleLbl>
+  <dgm:styleLbl name="node2">
+    <dgm:fillClrLst meth="repeat">
+      <a:schemeClr val="accent1"/>
+    </dgm:fillClrLst>
+    <dgm:linClrLst meth="repeat">
+      <a:schemeClr val="lt1"/>
+    </dgm:linClrLst>
+    <dgm:effectClrLst/>
+    <dgm:txLinClrLst/>
+    <dgm:txFillClrLst/>
+    <dgm:txEffectClrLst/>
+  </dgm:styleLbl>
+  <dgm:styleLbl name="node3">
+    <dgm:fillClrLst meth="repeat">
+      <a:schemeClr val="accent1"/>
+    </dgm:fillClrLst>
+    <dgm:linClrLst meth="repeat">
+      <a:schemeClr val="lt1"/>
+    </dgm:linClrLst>
+    <dgm:effectClrLst/>
+    <dgm:txLinClrLst/>
+    <dgm:txFillClrLst/>
+    <dgm:txEffectClrLst/>
+  </dgm:styleLbl>
+  <dgm:styleLbl name="node4">
+    <dgm:fillClrLst meth="repeat">
+      <a:schemeClr val="accent1"/>
+    </dgm:fillClrLst>
+    <dgm:linClrLst meth="repeat">
+      <a:schemeClr val="lt1"/>
+    </dgm:linClrLst>
+    <dgm:effectClrLst/>
+    <dgm:txLinClrLst/>
+    <dgm:txFillClrLst/>
+    <dgm:txEffectClrLst/>
+  </dgm:styleLbl>
+  <dgm:styleLbl name="fgImgPlace1">
+    <dgm:fillClrLst meth="repeat">
+      <a:schemeClr val="accent1">
+        <a:tint val="50000"/>
+      </a:schemeClr>
+    </dgm:fillClrLst>
+    <dgm:linClrLst meth="repeat">
+      <a:schemeClr val="lt1"/>
+    </dgm:linClrLst>
+    <dgm:effectClrLst/>
+    <dgm:txLinClrLst/>
+    <dgm:txFillClrLst meth="repeat">
+      <a:schemeClr val="lt1"/>
+    </dgm:txFillClrLst>
+    <dgm:txEffectClrLst/>
+  </dgm:styleLbl>
+  <dgm:styleLbl name="alignImgPlace1">
+    <dgm:fillClrLst meth="repeat">
+      <a:schemeClr val="accent1">
+        <a:tint val="50000"/>
+      </a:schemeClr>
+    </dgm:fillClrLst>
+    <dgm:linClrLst meth="repeat">
+      <a:schemeClr val="lt1"/>
+    </dgm:linClrLst>
+    <dgm:effectClrLst/>
+    <dgm:txLinClrLst/>
+    <dgm:txFillClrLst meth="repeat">
+      <a:schemeClr val="lt1"/>
+    </dgm:txFillClrLst>
+    <dgm:txEffectClrLst/>
+  </dgm:styleLbl>
+  <dgm:styleLbl name="bgImgPlace1">
+    <dgm:fillClrLst meth="repeat">
+      <a:schemeClr val="accent1">
+        <a:tint val="50000"/>
+      </a:schemeClr>
+    </dgm:fillClrLst>
+    <dgm:linClrLst meth="repeat">
+      <a:schemeClr val="lt1"/>
+    </dgm:linClrLst>
+    <dgm:effectClrLst/>
+    <dgm:txLinClrLst/>
+    <dgm:txFillClrLst meth="repeat">
+      <a:schemeClr val="lt1"/>
+    </dgm:txFillClrLst>
+    <dgm:txEffectClrLst/>
+  </dgm:styleLbl>
+  <dgm:styleLbl name="sibTrans2D1">
+    <dgm:fillClrLst meth="repeat">
+      <a:schemeClr val="accent1">
+        <a:tint val="60000"/>
+      </a:schemeClr>
+    </dgm:fillClrLst>
+    <dgm:linClrLst meth="repeat">
+      <a:schemeClr val="accent1">
+        <a:tint val="60000"/>
+      </a:schemeClr>
+    </dgm:linClrLst>
+    <dgm:effectClrLst/>
+    <dgm:txLinClrLst/>
+    <dgm:txFillClrLst/>
+    <dgm:txEffectClrLst/>
+  </dgm:styleLbl>
+  <dgm:styleLbl name="fgSibTrans2D1">
+    <dgm:fillClrLst meth="repeat">
+      <a:schemeClr val="accent1">
+        <a:tint val="60000"/>
+      </a:schemeClr>
+    </dgm:fillClrLst>
+    <dgm:linClrLst meth="repeat">
+      <a:schemeClr val="accent1">
+        <a:tint val="60000"/>
+      </a:schemeClr>
+    </dgm:linClrLst>
+    <dgm:effectClrLst/>
+    <dgm:txLinClrLst/>
+    <dgm:txFillClrLst/>
+    <dgm:txEffectClrLst/>
+  </dgm:styleLbl>
+  <dgm:styleLbl name="bgSibTrans2D1">
+    <dgm:fillClrLst meth="repeat">
+      <a:schemeClr val="accent1">
+        <a:tint val="60000"/>
+      </a:schemeClr>
+    </dgm:fillClrLst>
+    <dgm:linClrLst meth="repeat">
+      <a:schemeClr val="accent1">
+        <a:tint val="60000"/>
+      </a:schemeClr>
+    </dgm:linClrLst>
+    <dgm:effectClrLst/>
+    <dgm:txLinClrLst/>
+    <dgm:txFillClrLst/>
+    <dgm:txEffectClrLst/>
+  </dgm:styleLbl>
+  <dgm:styleLbl name="sibTrans1D1">
+    <dgm:fillClrLst meth="repeat">
+      <a:schemeClr val="accent1"/>
+    </dgm:fillClrLst>
+    <dgm:linClrLst meth="repeat">
+      <a:schemeClr val="accent1"/>
+    </dgm:linClrLst>
+    <dgm:effectClrLst/>
+    <dgm:txLinClrLst/>
+    <dgm:txFillClrLst meth="repeat">
+      <a:schemeClr val="tx1"/>
+    </dgm:txFillClrLst>
+    <dgm:txEffectClrLst/>
+  </dgm:styleLbl>
+  <dgm:styleLbl name="callout">
+    <dgm:fillClrLst meth="repeat">
+      <a:schemeClr val="accent1"/>
+    </dgm:fillClrLst>
+    <dgm:linClrLst meth="repeat">
+      <a:schemeClr val="accent1">
+        <a:tint val="50000"/>
+      </a:schemeClr>
+    </dgm:linClrLst>
+    <dgm:effectClrLst/>
+    <dgm:txLinClrLst/>
+    <dgm:txFillClrLst meth="repeat">
+      <a:schemeClr val="tx1"/>
+    </dgm:txFillClrLst>
+    <dgm:txEffectClrLst/>
+  </dgm:styleLbl>
+  <dgm:styleLbl name="asst0">
+    <dgm:fillClrLst meth="repeat">
+      <a:schemeClr val="accent1"/>
+    </dgm:fillClrLst>
+    <dgm:linClrLst meth="repeat">
+      <a:schemeClr val="lt1"/>
+    </dgm:linClrLst>
+    <dgm:effectClrLst/>
+    <dgm:txLinClrLst/>
+    <dgm:txFillClrLst/>
+    <dgm:txEffectClrLst/>
+  </dgm:styleLbl>
+  <dgm:styleLbl name="asst1">
+    <dgm:fillClrLst meth="repeat">
+      <a:schemeClr val="accent1"/>
+    </dgm:fillClrLst>
+    <dgm:linClrLst meth="repeat">
+      <a:schemeClr val="lt1"/>
+    </dgm:linClrLst>
+    <dgm:effectClrLst/>
+    <dgm:txLinClrLst/>
+    <dgm:txFillClrLst/>
+    <dgm:txEffectClrLst/>
+  </dgm:styleLbl>
+  <dgm:styleLbl name="asst2">
+    <dgm:fillClrLst meth="repeat">
+      <a:schemeClr val="accent1"/>
+    </dgm:fillClrLst>
+    <dgm:linClrLst meth="repeat">
+      <a:schemeClr val="lt1"/>
+    </dgm:linClrLst>
+    <dgm:effectClrLst/>
+    <dgm:txLinClrLst/>
+    <dgm:txFillClrLst/>
+    <dgm:txEffectClrLst/>
+  </dgm:styleLbl>
+  <dgm:styleLbl name="asst3">
+    <dgm:fillClrLst meth="repeat">
+      <a:schemeClr val="accent1"/>
+    </dgm:fillClrLst>
+    <dgm:linClrLst meth="repeat">
+      <a:schemeClr val="lt1"/>
+    </dgm:linClrLst>
+    <dgm:effectClrLst/>
+    <dgm:txLinClrLst/>
+    <dgm:txFillClrLst/>
+    <dgm:txEffectClrLst/>
+  </dgm:styleLbl>
+  <dgm:styleLbl name="asst4">
+    <dgm:fillClrLst meth="repeat">
+      <a:schemeClr val="accent1"/>
+    </dgm:fillClrLst>
+    <dgm:linClrLst meth="repeat">
+      <a:schemeClr val="lt1"/>
+    </dgm:linClrLst>
+    <dgm:effectClrLst/>
+    <dgm:txLinClrLst/>
+    <dgm:txFillClrLst/>
+    <dgm:txEffectClrLst/>
+  </dgm:styleLbl>
+  <dgm:styleLbl name="parChTrans2D1">
+    <dgm:fillClrLst meth="repeat">
+      <a:schemeClr val="accent1">
+        <a:tint val="60000"/>
+      </a:schemeClr>
+    </dgm:fillClrLst>
+    <dgm:linClrLst meth="repeat">
+      <a:schemeClr val="accent1">
+        <a:tint val="60000"/>
+      </a:schemeClr>
+    </dgm:linClrLst>
+    <dgm:effectClrLst/>
+    <dgm:txLinClrLst/>
+    <dgm:txFillClrLst meth="repeat">
+      <a:schemeClr val="lt1"/>
+    </dgm:txFillClrLst>
+    <dgm:txEffectClrLst/>
+  </dgm:styleLbl>
+  <dgm:styleLbl name="parChTrans2D2">
+    <dgm:fillClrLst meth="repeat">
+      <a:schemeClr val="accent1"/>
+    </dgm:fillClrLst>
+    <dgm:linClrLst meth="repeat">
+      <a:schemeClr val="accent1"/>
+    </dgm:linClrLst>
+    <dgm:effectClrLst/>
+    <dgm:txLinClrLst/>
+    <dgm:txFillClrLst meth="repeat">
+      <a:schemeClr val="lt1"/>
+    </dgm:txFillClrLst>
+    <dgm:txEffectClrLst/>
+  </dgm:styleLbl>
+  <dgm:styleLbl name="parChTrans2D3">
+    <dgm:fillClrLst meth="repeat">
+      <a:schemeClr val="accent1"/>
+    </dgm:fillClrLst>
+    <dgm:linClrLst meth="repeat">
+      <a:schemeClr val="accent1"/>
+    </dgm:linClrLst>
+    <dgm:effectClrLst/>
+    <dgm:txLinClrLst/>
+    <dgm:txFillClrLst meth="repeat">
+      <a:schemeClr val="lt1"/>
+    </dgm:txFillClrLst>
+    <dgm:txEffectClrLst/>
+  </dgm:styleLbl>
+  <dgm:styleLbl name="parChTrans2D4">
+    <dgm:fillClrLst meth="repeat">
+      <a:schemeClr val="accent1"/>
+    </dgm:fillClrLst>
+    <dgm:linClrLst meth="repeat">
+      <a:schemeClr val="accent1"/>
+    </dgm:linClrLst>
+    <dgm:effectClrLst/>
+    <dgm:txLinClrLst/>
+    <dgm:txFillClrLst meth="repeat">
+      <a:schemeClr val="lt1"/>
+    </dgm:txFillClrLst>
+    <dgm:txEffectClrLst/>
+  </dgm:styleLbl>
+  <dgm:styleLbl name="parChTrans1D1">
+    <dgm:fillClrLst meth="repeat">
+      <a:schemeClr val="accent1"/>
+    </dgm:fillClrLst>
+    <dgm:linClrLst meth="repeat">
+      <a:schemeClr val="accent1">
+        <a:shade val="60000"/>
+      </a:schemeClr>
+    </dgm:linClrLst>
+    <dgm:effectClrLst/>
+    <dgm:txLinClrLst/>
+    <dgm:txFillClrLst meth="repeat">
+      <a:schemeClr val="tx1"/>
+    </dgm:txFillClrLst>
+    <dgm:txEffectClrLst/>
+  </dgm:styleLbl>
+  <dgm:styleLbl name="parChTrans1D2">
+    <dgm:fillClrLst meth="repeat">
+      <a:schemeClr val="accent1"/>
+    </dgm:fillClrLst>
+    <dgm:linClrLst meth="repeat">
+      <a:schemeClr val="accent1">
+        <a:shade val="60000"/>
+      </a:schemeClr>
+    </dgm:linClrLst>
+    <dgm:effectClrLst/>
+    <dgm:txLinClrLst/>
+    <dgm:txFillClrLst meth="repeat">
+      <a:schemeClr val="tx1"/>
+    </dgm:txFillClrLst>
+    <dgm:txEffectClrLst/>
+  </dgm:styleLbl>
+  <dgm:styleLbl name="parChTrans1D3">
+    <dgm:fillClrLst meth="repeat">
+      <a:schemeClr val="accent1"/>
+    </dgm:fillClrLst>
+    <dgm:linClrLst meth="repeat">
+      <a:schemeClr val="accent1">
+        <a:shade val="80000"/>
+      </a:schemeClr>
+    </dgm:linClrLst>
+    <dgm:effectClrLst/>
+    <dgm:txLinClrLst/>
+    <dgm:txFillClrLst meth="repeat">
+      <a:schemeClr val="tx1"/>
+    </dgm:txFillClrLst>
+    <dgm:txEffectClrLst/>
+  </dgm:styleLbl>
+  <dgm:styleLbl name="parChTrans1D4">
+    <dgm:fillClrLst meth="repeat">
+      <a:schemeClr val="accent1"/>
+    </dgm:fillClrLst>
+    <dgm:linClrLst meth="repeat">
+      <a:schemeClr val="accent1">
+        <a:shade val="80000"/>
+      </a:schemeClr>
+    </dgm:linClrLst>
+    <dgm:effectClrLst/>
+    <dgm:txLinClrLst/>
+    <dgm:txFillClrLst meth="repeat">
+      <a:schemeClr val="tx1"/>
+    </dgm:txFillClrLst>
+    <dgm:txEffectClrLst/>
+  </dgm:styleLbl>
+  <dgm:styleLbl name="fgAcc1">
+    <dgm:fillClrLst meth="repeat">
+      <a:schemeClr val="lt1">
+        <a:alpha val="90000"/>
+      </a:schemeClr>
+    </dgm:fillClrLst>
+    <dgm:linClrLst meth="repeat">
+      <a:schemeClr val="accent1"/>
+    </dgm:linClrLst>
+    <dgm:effectClrLst/>
+    <dgm:txLinClrLst/>
+    <dgm:txFillClrLst meth="repeat">
+      <a:schemeClr val="dk1"/>
+    </dgm:txFillClrLst>
+    <dgm:txEffectClrLst/>
+  </dgm:styleLbl>
+  <dgm:styleLbl name="conFgAcc1">
+    <dgm:fillClrLst meth="repeat">
+      <a:schemeClr val="lt1">
+        <a:alpha val="90000"/>
+      </a:schemeClr>
+    </dgm:fillClrLst>
+    <dgm:linClrLst meth="repeat">
+      <a:schemeClr val="accent1"/>
+    </dgm:linClrLst>
+    <dgm:effectClrLst/>
+    <dgm:txLinClrLst/>
+    <dgm:txFillClrLst meth="repeat">
+      <a:schemeClr val="dk1"/>
+    </dgm:txFillClrLst>
+    <dgm:txEffectClrLst/>
+  </dgm:styleLbl>
+  <dgm:styleLbl name="alignAcc1">
+    <dgm:fillClrLst meth="repeat">
+      <a:schemeClr val="lt1">
+        <a:alpha val="90000"/>
+      </a:schemeClr>
+    </dgm:fillClrLst>
+    <dgm:linClrLst meth="repeat">
+      <a:schemeClr val="accent1"/>
+    </dgm:linClrLst>
+    <dgm:effectClrLst/>
+    <dgm:txLinClrLst/>
+    <dgm:txFillClrLst meth="repeat">
+      <a:schemeClr val="dk1"/>
+    </dgm:txFillClrLst>
+    <dgm:txEffectClrLst/>
+  </dgm:styleLbl>
+  <dgm:styleLbl name="trAlignAcc1">
+    <dgm:fillClrLst meth="repeat">
+      <a:schemeClr val="lt1">
+        <a:alpha val="40000"/>
+      </a:schemeClr>
+    </dgm:fillClrLst>
+    <dgm:linClrLst meth="repeat">
+      <a:schemeClr val="accent1"/>
+    </dgm:linClrLst>
+    <dgm:effectClrLst/>
+    <dgm:txLinClrLst/>
+    <dgm:txFillClrLst meth="repeat">
+      <a:schemeClr val="dk1"/>
+    </dgm:txFillClrLst>
+    <dgm:txEffectClrLst/>
+  </dgm:styleLbl>
+  <dgm:styleLbl name="bgAcc1">
+    <dgm:fillClrLst meth="repeat">
+      <a:schemeClr val="lt1">
+        <a:alpha val="90000"/>
+      </a:schemeClr>
+    </dgm:fillClrLst>
+    <dgm:linClrLst meth="repeat">
+      <a:schemeClr val="accent1"/>
+    </dgm:linClrLst>
+    <dgm:effectClrLst/>
+    <dgm:txLinClrLst/>
+    <dgm:txFillClrLst meth="repeat">
+      <a:schemeClr val="dk1"/>
+    </dgm:txFillClrLst>
+    <dgm:txEffectClrLst/>
+  </dgm:styleLbl>
+  <dgm:styleLbl name="solidFgAcc1">
+    <dgm:fillClrLst meth="repeat">
+      <a:schemeClr val="lt1"/>
+    </dgm:fillClrLst>
+    <dgm:linClrLst meth="repeat">
+      <a:schemeClr val="accent1"/>
+    </dgm:linClrLst>
+    <dgm:effectClrLst/>
+    <dgm:txLinClrLst/>
+    <dgm:txFillClrLst meth="repeat">
+      <a:schemeClr val="dk1"/>
+    </dgm:txFillClrLst>
+    <dgm:txEffectClrLst/>
+  </dgm:styleLbl>
+  <dgm:styleLbl name="solidAlignAcc1">
+    <dgm:fillClrLst meth="repeat">
+      <a:schemeClr val="lt1"/>
+    </dgm:fillClrLst>
+    <dgm:linClrLst meth="repeat">
+      <a:schemeClr val="accent1"/>
+    </dgm:linClrLst>
+    <dgm:effectClrLst/>
+    <dgm:txLinClrLst/>
+    <dgm:txFillClrLst meth="repeat">
+      <a:schemeClr val="dk1"/>
+    </dgm:txFillClrLst>
+    <dgm:txEffectClrLst/>
+  </dgm:styleLbl>
+  <dgm:styleLbl name="solidBgAcc1">
+    <dgm:fillClrLst meth="repeat">
+      <a:schemeClr val="lt1"/>
+    </dgm:fillClrLst>
+    <dgm:linClrLst meth="repeat">
+      <a:schemeClr val="accent1"/>
+    </dgm:linClrLst>
+    <dgm:effectClrLst/>
+    <dgm:txLinClrLst/>
+    <dgm:txFillClrLst meth="repeat">
+      <a:schemeClr val="dk1"/>
+    </dgm:txFillClrLst>
+    <dgm:txEffectClrLst/>
+  </dgm:styleLbl>
+  <dgm:styleLbl name="fgAccFollowNode1">
+    <dgm:fillClrLst meth="repeat">
+      <a:schemeClr val="accent1">
+        <a:alpha val="90000"/>
+        <a:tint val="40000"/>
+      </a:schemeClr>
+    </dgm:fillClrLst>
+    <dgm:linClrLst meth="repeat">
+      <a:schemeClr val="accent1">
+        <a:alpha val="90000"/>
+        <a:tint val="40000"/>
+      </a:schemeClr>
+    </dgm:linClrLst>
+    <dgm:effectClrLst/>
+    <dgm:txLinClrLst/>
+    <dgm:txFillClrLst meth="repeat">
+      <a:schemeClr val="dk1"/>
+    </dgm:txFillClrLst>
+    <dgm:txEffectClrLst/>
+  </dgm:styleLbl>
+  <dgm:styleLbl name="alignAccFollowNode1">
+    <dgm:fillClrLst meth="repeat">
+      <a:schemeClr val="accent1">
+        <a:alpha val="90000"/>
+        <a:tint val="40000"/>
+      </a:schemeClr>
+    </dgm:fillClrLst>
+    <dgm:linClrLst meth="repeat">
+      <a:schemeClr val="accent1">
+        <a:alpha val="90000"/>
+        <a:tint val="40000"/>
+      </a:schemeClr>
+    </dgm:linClrLst>
+    <dgm:effectClrLst/>
+    <dgm:txLinClrLst/>
+    <dgm:txFillClrLst meth="repeat">
+      <a:schemeClr val="dk1"/>
+    </dgm:txFillClrLst>
+    <dgm:txEffectClrLst/>
+  </dgm:styleLbl>
+  <dgm:styleLbl name="bgAccFollowNode1">
+    <dgm:fillClrLst meth="repeat">
+      <a:schemeClr val="accent1">
+        <a:alpha val="90000"/>
+        <a:tint val="40000"/>
+      </a:schemeClr>
+    </dgm:fillClrLst>
+    <dgm:linClrLst meth="repeat">
+      <a:schemeClr val="accent1">
+        <a:alpha val="90000"/>
+        <a:tint val="40000"/>
+      </a:schemeClr>
+    </dgm:linClrLst>
+    <dgm:effectClrLst/>
+    <dgm:txLinClrLst/>
+    <dgm:txFillClrLst meth="repeat">
+      <a:schemeClr val="dk1"/>
+    </dgm:txFillClrLst>
+    <dgm:txEffectClrLst/>
+  </dgm:styleLbl>
+  <dgm:styleLbl name="fgAcc0">
+    <dgm:fillClrLst meth="repeat">
+      <a:schemeClr val="lt1">
+        <a:alpha val="90000"/>
+      </a:schemeClr>
+    </dgm:fillClrLst>
+    <dgm:linClrLst meth="repeat">
+      <a:schemeClr val="accent1"/>
+    </dgm:linClrLst>
+    <dgm:effectClrLst/>
+    <dgm:txLinClrLst/>
+    <dgm:txFillClrLst meth="repeat">
+      <a:schemeClr val="dk1"/>
+    </dgm:txFillClrLst>
+    <dgm:txEffectClrLst/>
+  </dgm:styleLbl>
+  <dgm:styleLbl name="fgAcc2">
+    <dgm:fillClrLst meth="repeat">
+      <a:schemeClr val="lt1">
+        <a:alpha val="90000"/>
+      </a:schemeClr>
+    </dgm:fillClrLst>
+    <dgm:linClrLst meth="repeat">
+      <a:schemeClr val="accent1"/>
+    </dgm:linClrLst>
+    <dgm:effectClrLst/>
+    <dgm:txLinClrLst/>
+    <dgm:txFillClrLst meth="repeat">
+      <a:schemeClr val="dk1"/>
+    </dgm:txFillClrLst>
+    <dgm:txEffectClrLst/>
+  </dgm:styleLbl>
+  <dgm:styleLbl name="fgAcc3">
+    <dgm:fillClrLst meth="repeat">
+      <a:schemeClr val="lt1">
+        <a:alpha val="90000"/>
+      </a:schemeClr>
+    </dgm:fillClrLst>
+    <dgm:linClrLst meth="repeat">
+      <a:schemeClr val="accent1"/>
+    </dgm:linClrLst>
+    <dgm:effectClrLst/>
+    <dgm:txLinClrLst/>
+    <dgm:txFillClrLst meth="repeat">
+      <a:schemeClr val="dk1"/>
+    </dgm:txFillClrLst>
+    <dgm:txEffectClrLst/>
+  </dgm:styleLbl>
+  <dgm:styleLbl name="fgAcc4">
+    <dgm:fillClrLst meth="repeat">
+      <a:schemeClr val="lt1">
+        <a:alpha val="90000"/>
+      </a:schemeClr>
+    </dgm:fillClrLst>
+    <dgm:linClrLst meth="repeat">
+      <a:schemeClr val="accent1"/>
+    </dgm:linClrLst>
+    <dgm:effectClrLst/>
+    <dgm:txLinClrLst/>
+    <dgm:txFillClrLst meth="repeat">
+      <a:schemeClr val="dk1"/>
+    </dgm:txFillClrLst>
+    <dgm:txEffectClrLst/>
+  </dgm:styleLbl>
+  <dgm:styleLbl name="bgShp">
+    <dgm:fillClrLst meth="repeat">
+      <a:schemeClr val="accent1">
+        <a:tint val="40000"/>
+      </a:schemeClr>
+    </dgm:fillClrLst>
+    <dgm:linClrLst meth="repeat">
+      <a:schemeClr val="accent1"/>
+    </dgm:linClrLst>
+    <dgm:effectClrLst/>
+    <dgm:txLinClrLst/>
+    <dgm:txFillClrLst meth="repeat">
+      <a:schemeClr val="dk1"/>
+    </dgm:txFillClrLst>
+    <dgm:txEffectClrLst/>
+  </dgm:styleLbl>
+  <dgm:styleLbl name="dkBgShp">
+    <dgm:fillClrLst meth="repeat">
+      <a:schemeClr val="accent1">
+        <a:shade val="80000"/>
+      </a:schemeClr>
+    </dgm:fillClrLst>
+    <dgm:linClrLst meth="repeat">
+      <a:schemeClr val="accent1"/>
+    </dgm:linClrLst>
+    <dgm:effectClrLst/>
+    <dgm:txLinClrLst/>
+    <dgm:txFillClrLst meth="repeat">
+      <a:schemeClr val="lt1"/>
+    </dgm:txFillClrLst>
+    <dgm:txEffectClrLst/>
+  </dgm:styleLbl>
+  <dgm:styleLbl name="trBgShp">
+    <dgm:fillClrLst meth="repeat">
+      <a:schemeClr val="accent1">
+        <a:tint val="50000"/>
+        <a:alpha val="40000"/>
+      </a:schemeClr>
+    </dgm:fillClrLst>
+    <dgm:linClrLst meth="repeat">
+      <a:schemeClr val="accent1"/>
+    </dgm:linClrLst>
+    <dgm:effectClrLst/>
+    <dgm:txLinClrLst/>
+    <dgm:txFillClrLst meth="repeat">
+      <a:schemeClr val="lt1"/>
+    </dgm:txFillClrLst>
+    <dgm:txEffectClrLst/>
+  </dgm:styleLbl>
+  <dgm:styleLbl name="fgShp">
+    <dgm:fillClrLst meth="repeat">
+      <a:schemeClr val="accent1">
+        <a:tint val="60000"/>
+      </a:schemeClr>
+    </dgm:fillClrLst>
+    <dgm:linClrLst meth="repeat">
+      <a:schemeClr val="lt1"/>
+    </dgm:linClrLst>
+    <dgm:effectClrLst/>
+    <dgm:txLinClrLst/>
+    <dgm:txFillClrLst meth="repeat">
+      <a:schemeClr val="dk1"/>
+    </dgm:txFillClrLst>
+    <dgm:txEffectClrLst/>
+  </dgm:styleLbl>
+  <dgm:styleLbl name="revTx">
+    <dgm:fillClrLst meth="repeat">
+      <a:schemeClr val="lt1">
+        <a:alpha val="0"/>
+      </a:schemeClr>
+    </dgm:fillClrLst>
+    <dgm:linClrLst meth="repeat">
+      <a:schemeClr val="dk1">
+        <a:alpha val="0"/>
+      </a:schemeClr>
+    </dgm:linClrLst>
+    <dgm:effectClrLst/>
+    <dgm:txLinClrLst/>
+    <dgm:txFillClrLst meth="repeat">
+      <a:schemeClr val="tx1"/>
+    </dgm:txFillClrLst>
+    <dgm:txEffectClrLst/>
+  </dgm:styleLbl>
+</dgm:colorsDef>
+</file>
+
+<file path=ppt/diagrams/data1.xml><?xml version="1.0" encoding="utf-8"?>
+<dgm:dataModel xmlns:dgm="http://schemas.openxmlformats.org/drawingml/2006/diagram" xmlns:a="http://schemas.openxmlformats.org/drawingml/2006/main">
+  <dgm:ptLst>
+    <dgm:pt modelId="{DCEC5E9A-7B61-497E-9BD4-942FBCCB064A}" type="doc">
+      <dgm:prSet loTypeId="urn:microsoft.com/office/officeart/2005/8/layout/radial1" loCatId="relationship" qsTypeId="urn:microsoft.com/office/officeart/2005/8/quickstyle/simple1" qsCatId="simple" csTypeId="urn:microsoft.com/office/officeart/2005/8/colors/accent1_2" csCatId="accent1" phldr="1"/>
+      <dgm:spPr/>
+      <dgm:t>
+        <a:bodyPr/>
+        <a:lstStyle/>
+        <a:p>
+          <a:endParaRPr lang="en-US"/>
+        </a:p>
+      </dgm:t>
+    </dgm:pt>
+    <dgm:pt modelId="{B1CC6DE7-6A2F-4401-8628-0447D257E96F}">
+      <dgm:prSet phldrT="[Text]"/>
+      <dgm:spPr/>
+      <dgm:t>
+        <a:bodyPr/>
+        <a:lstStyle/>
+        <a:p>
+          <a:r>
+            <a:rPr lang="sv-SE" dirty="0"/>
+            <a:t>Model Testing Toolkit</a:t>
+          </a:r>
+          <a:endParaRPr lang="en-US" dirty="0"/>
+        </a:p>
+      </dgm:t>
+    </dgm:pt>
+    <dgm:pt modelId="{9881A380-B6B8-449E-870B-CBC2577B0274}" type="parTrans" cxnId="{2D03E9D4-903A-4E35-8CE4-DB93FFA49E98}">
+      <dgm:prSet/>
+      <dgm:spPr/>
+      <dgm:t>
+        <a:bodyPr/>
+        <a:lstStyle/>
+        <a:p>
+          <a:endParaRPr lang="en-US"/>
+        </a:p>
+      </dgm:t>
+    </dgm:pt>
+    <dgm:pt modelId="{71AD10EE-93B9-4C69-8F40-BE382E028343}" type="sibTrans" cxnId="{2D03E9D4-903A-4E35-8CE4-DB93FFA49E98}">
+      <dgm:prSet/>
+      <dgm:spPr/>
+      <dgm:t>
+        <a:bodyPr/>
+        <a:lstStyle/>
+        <a:p>
+          <a:endParaRPr lang="en-US"/>
+        </a:p>
+      </dgm:t>
+    </dgm:pt>
+    <dgm:pt modelId="{FB68962D-40BC-4CCF-A920-D5A718589EE6}">
+      <dgm:prSet phldrT="[Text]"/>
+      <dgm:spPr/>
+      <dgm:t>
+        <a:bodyPr/>
+        <a:lstStyle/>
+        <a:p>
+          <a:r>
+            <a:rPr lang="sv-SE" dirty="0"/>
+            <a:t>GUI</a:t>
+          </a:r>
+          <a:endParaRPr lang="en-US" dirty="0"/>
+        </a:p>
+      </dgm:t>
+    </dgm:pt>
+    <dgm:pt modelId="{A9984E96-6EA6-4E67-9192-77B24ABCFFFA}" type="parTrans" cxnId="{FFCDCBC8-71DB-4172-AF77-F1900B7029A8}">
+      <dgm:prSet>
+        <dgm:style>
+          <a:lnRef idx="0">
+            <a:scrgbClr r="0" g="0" b="0"/>
+          </a:lnRef>
+          <a:fillRef idx="0">
+            <a:scrgbClr r="0" g="0" b="0"/>
+          </a:fillRef>
+          <a:effectRef idx="0">
+            <a:scrgbClr r="0" g="0" b="0"/>
+          </a:effectRef>
+          <a:fontRef idx="minor">
+            <a:schemeClr val="tx1"/>
+          </a:fontRef>
+        </dgm:style>
+      </dgm:prSet>
+      <dgm:spPr>
+        <a:ln w="9525" cap="flat" cmpd="sng" algn="ctr">
+          <a:solidFill>
+            <a:schemeClr val="accent1"/>
+          </a:solidFill>
+          <a:prstDash val="solid"/>
+          <a:round/>
+          <a:headEnd type="arrow" w="med" len="med"/>
+          <a:tailEnd type="arrow" w="med" len="med"/>
+        </a:ln>
+      </dgm:spPr>
+      <dgm:t>
+        <a:bodyPr/>
+        <a:lstStyle/>
+        <a:p>
+          <a:endParaRPr lang="en-US"/>
+        </a:p>
+      </dgm:t>
+    </dgm:pt>
+    <dgm:pt modelId="{B3FDA16D-33D2-48E3-8F2F-030A8BE32951}" type="sibTrans" cxnId="{FFCDCBC8-71DB-4172-AF77-F1900B7029A8}">
+      <dgm:prSet/>
+      <dgm:spPr/>
+      <dgm:t>
+        <a:bodyPr/>
+        <a:lstStyle/>
+        <a:p>
+          <a:endParaRPr lang="en-US"/>
+        </a:p>
+      </dgm:t>
+    </dgm:pt>
+    <dgm:pt modelId="{6A5233CE-27BB-43AF-B286-E0A053A83384}">
+      <dgm:prSet phldrT="[Text]"/>
+      <dgm:spPr/>
+      <dgm:t>
+        <a:bodyPr/>
+        <a:lstStyle/>
+        <a:p>
+          <a:r>
+            <a:rPr lang="sv-SE" dirty="0"/>
+            <a:t>OPTIMICA Compiler Toolkit</a:t>
+          </a:r>
+          <a:endParaRPr lang="en-US" dirty="0"/>
+        </a:p>
+      </dgm:t>
+    </dgm:pt>
+    <dgm:pt modelId="{59E23E67-FF6B-4051-A7DC-09E3769E3682}" type="parTrans" cxnId="{BF6F1C81-589F-4CE5-94DE-0C9C79364DA3}">
+      <dgm:prSet>
+        <dgm:style>
+          <a:lnRef idx="0">
+            <a:scrgbClr r="0" g="0" b="0"/>
+          </a:lnRef>
+          <a:fillRef idx="0">
+            <a:scrgbClr r="0" g="0" b="0"/>
+          </a:fillRef>
+          <a:effectRef idx="0">
+            <a:scrgbClr r="0" g="0" b="0"/>
+          </a:effectRef>
+          <a:fontRef idx="minor">
+            <a:schemeClr val="tx1"/>
+          </a:fontRef>
+        </dgm:style>
+      </dgm:prSet>
+      <dgm:spPr>
+        <a:ln w="9525" cap="flat" cmpd="sng" algn="ctr">
+          <a:solidFill>
+            <a:schemeClr val="accent1"/>
+          </a:solidFill>
+          <a:prstDash val="solid"/>
+          <a:round/>
+          <a:headEnd type="arrow" w="med" len="med"/>
+          <a:tailEnd type="arrow" w="med" len="med"/>
+        </a:ln>
+      </dgm:spPr>
+      <dgm:t>
+        <a:bodyPr/>
+        <a:lstStyle/>
+        <a:p>
+          <a:endParaRPr lang="en-US"/>
+        </a:p>
+      </dgm:t>
+    </dgm:pt>
+    <dgm:pt modelId="{48BFE276-0370-4363-9666-88051DF3ED8C}" type="sibTrans" cxnId="{BF6F1C81-589F-4CE5-94DE-0C9C79364DA3}">
+      <dgm:prSet/>
+      <dgm:spPr/>
+      <dgm:t>
+        <a:bodyPr/>
+        <a:lstStyle/>
+        <a:p>
+          <a:endParaRPr lang="en-US"/>
+        </a:p>
+      </dgm:t>
+    </dgm:pt>
+    <dgm:pt modelId="{93E6178C-4436-4A19-8F36-A7AC88DD9A4A}">
+      <dgm:prSet phldrT="[Text]"/>
+      <dgm:spPr/>
+      <dgm:t>
+        <a:bodyPr/>
+        <a:lstStyle/>
+        <a:p>
+          <a:endParaRPr lang="en-US" dirty="0"/>
+        </a:p>
+      </dgm:t>
+    </dgm:pt>
+    <dgm:pt modelId="{78E0C2EA-0EE4-4B58-A12F-862E0154E44D}" type="parTrans" cxnId="{9C0370ED-6A9D-456B-8588-9EA32A88FA74}">
+      <dgm:prSet/>
+      <dgm:spPr/>
+      <dgm:t>
+        <a:bodyPr/>
+        <a:lstStyle/>
+        <a:p>
+          <a:endParaRPr lang="en-US"/>
+        </a:p>
+      </dgm:t>
+    </dgm:pt>
+    <dgm:pt modelId="{4F565A2D-6E9F-41E3-95A6-40911F77664F}" type="sibTrans" cxnId="{9C0370ED-6A9D-456B-8588-9EA32A88FA74}">
+      <dgm:prSet/>
+      <dgm:spPr/>
+      <dgm:t>
+        <a:bodyPr/>
+        <a:lstStyle/>
+        <a:p>
+          <a:endParaRPr lang="en-US"/>
+        </a:p>
+      </dgm:t>
+    </dgm:pt>
+    <dgm:pt modelId="{863E771B-6275-432B-97F1-96435A200407}">
+      <dgm:prSet phldrT="[Text]" phldr="1"/>
+      <dgm:spPr/>
+      <dgm:t>
+        <a:bodyPr/>
+        <a:lstStyle/>
+        <a:p>
+          <a:endParaRPr lang="en-US" dirty="0"/>
+        </a:p>
+      </dgm:t>
+    </dgm:pt>
+    <dgm:pt modelId="{22F25D76-3EF3-45F7-9B02-BA409469BAC9}" type="parTrans" cxnId="{44A44612-21E7-4DE0-84DD-B90CA0EB210D}">
+      <dgm:prSet/>
+      <dgm:spPr/>
+      <dgm:t>
+        <a:bodyPr/>
+        <a:lstStyle/>
+        <a:p>
+          <a:endParaRPr lang="en-US"/>
+        </a:p>
+      </dgm:t>
+    </dgm:pt>
+    <dgm:pt modelId="{7F8A4262-F4E7-49F5-B586-373AD62B1001}" type="sibTrans" cxnId="{44A44612-21E7-4DE0-84DD-B90CA0EB210D}">
+      <dgm:prSet/>
+      <dgm:spPr/>
+      <dgm:t>
+        <a:bodyPr/>
+        <a:lstStyle/>
+        <a:p>
+          <a:endParaRPr lang="en-US"/>
+        </a:p>
+      </dgm:t>
+    </dgm:pt>
+    <dgm:pt modelId="{B1E41B55-6A4C-41ED-81AB-181EE9E2B3FF}" type="pres">
+      <dgm:prSet presAssocID="{DCEC5E9A-7B61-497E-9BD4-942FBCCB064A}" presName="cycle" presStyleCnt="0">
+        <dgm:presLayoutVars>
+          <dgm:chMax val="1"/>
+          <dgm:dir/>
+          <dgm:animLvl val="ctr"/>
+          <dgm:resizeHandles val="exact"/>
+        </dgm:presLayoutVars>
+      </dgm:prSet>
+      <dgm:spPr/>
+    </dgm:pt>
+    <dgm:pt modelId="{DAA9C8A3-5DF4-44D5-96E3-567BF5AB6793}" type="pres">
+      <dgm:prSet presAssocID="{B1CC6DE7-6A2F-4401-8628-0447D257E96F}" presName="centerShape" presStyleLbl="node0" presStyleIdx="0" presStyleCnt="1" custScaleX="134765" custScaleY="131238" custLinFactNeighborX="-5038" custLinFactNeighborY="15891"/>
+      <dgm:spPr/>
+    </dgm:pt>
+    <dgm:pt modelId="{A03A0950-DFDA-45CC-9590-2927BA765496}" type="pres">
+      <dgm:prSet presAssocID="{A9984E96-6EA6-4E67-9192-77B24ABCFFFA}" presName="Name9" presStyleLbl="parChTrans1D2" presStyleIdx="0" presStyleCnt="2"/>
+      <dgm:spPr/>
+    </dgm:pt>
+    <dgm:pt modelId="{40C2E3E2-F069-4128-AB9F-CC579ED38BF6}" type="pres">
+      <dgm:prSet presAssocID="{A9984E96-6EA6-4E67-9192-77B24ABCFFFA}" presName="connTx" presStyleLbl="parChTrans1D2" presStyleIdx="0" presStyleCnt="2"/>
+      <dgm:spPr/>
+    </dgm:pt>
+    <dgm:pt modelId="{5A58F9D0-122B-4E15-8FCA-60DCD2D9DCD1}" type="pres">
+      <dgm:prSet presAssocID="{FB68962D-40BC-4CCF-A920-D5A718589EE6}" presName="node" presStyleLbl="node1" presStyleIdx="0" presStyleCnt="2" custScaleX="133572" custScaleY="130368" custRadScaleRad="135262" custRadScaleInc="115158">
+        <dgm:presLayoutVars>
+          <dgm:bulletEnabled val="1"/>
+        </dgm:presLayoutVars>
+      </dgm:prSet>
+      <dgm:spPr/>
+    </dgm:pt>
+    <dgm:pt modelId="{BD2834DA-83F3-43A5-BBBD-0E5A1D20F2E6}" type="pres">
+      <dgm:prSet presAssocID="{59E23E67-FF6B-4051-A7DC-09E3769E3682}" presName="Name9" presStyleLbl="parChTrans1D2" presStyleIdx="1" presStyleCnt="2"/>
+      <dgm:spPr/>
+    </dgm:pt>
+    <dgm:pt modelId="{367718BD-E8E0-4E28-A004-159BEC9E90D6}" type="pres">
+      <dgm:prSet presAssocID="{59E23E67-FF6B-4051-A7DC-09E3769E3682}" presName="connTx" presStyleLbl="parChTrans1D2" presStyleIdx="1" presStyleCnt="2"/>
+      <dgm:spPr/>
+    </dgm:pt>
+    <dgm:pt modelId="{8555A1B5-DB84-4C44-A08F-DDB6E7FC91E5}" type="pres">
+      <dgm:prSet presAssocID="{6A5233CE-27BB-43AF-B286-E0A053A83384}" presName="node" presStyleLbl="node1" presStyleIdx="1" presStyleCnt="2" custScaleX="132379" custScaleY="128023" custRadScaleRad="154440" custRadScaleInc="86815">
+        <dgm:presLayoutVars>
+          <dgm:bulletEnabled val="1"/>
+        </dgm:presLayoutVars>
+      </dgm:prSet>
+      <dgm:spPr/>
+    </dgm:pt>
+  </dgm:ptLst>
+  <dgm:cxnLst>
+    <dgm:cxn modelId="{44A44612-21E7-4DE0-84DD-B90CA0EB210D}" srcId="{93E6178C-4436-4A19-8F36-A7AC88DD9A4A}" destId="{863E771B-6275-432B-97F1-96435A200407}" srcOrd="0" destOrd="0" parTransId="{22F25D76-3EF3-45F7-9B02-BA409469BAC9}" sibTransId="{7F8A4262-F4E7-49F5-B586-373AD62B1001}"/>
+    <dgm:cxn modelId="{25C65317-E80A-46EE-B052-68D85CC4C99B}" type="presOf" srcId="{DCEC5E9A-7B61-497E-9BD4-942FBCCB064A}" destId="{B1E41B55-6A4C-41ED-81AB-181EE9E2B3FF}" srcOrd="0" destOrd="0" presId="urn:microsoft.com/office/officeart/2005/8/layout/radial1"/>
+    <dgm:cxn modelId="{9FEB3819-3F69-4044-9CD2-34BFA10EF9B9}" type="presOf" srcId="{59E23E67-FF6B-4051-A7DC-09E3769E3682}" destId="{BD2834DA-83F3-43A5-BBBD-0E5A1D20F2E6}" srcOrd="0" destOrd="0" presId="urn:microsoft.com/office/officeart/2005/8/layout/radial1"/>
+    <dgm:cxn modelId="{107AA035-524B-45C3-98B3-31EA3C4C95C2}" type="presOf" srcId="{59E23E67-FF6B-4051-A7DC-09E3769E3682}" destId="{367718BD-E8E0-4E28-A004-159BEC9E90D6}" srcOrd="1" destOrd="0" presId="urn:microsoft.com/office/officeart/2005/8/layout/radial1"/>
+    <dgm:cxn modelId="{7B957C5F-0B7A-44A9-B11E-A942258D26FB}" type="presOf" srcId="{FB68962D-40BC-4CCF-A920-D5A718589EE6}" destId="{5A58F9D0-122B-4E15-8FCA-60DCD2D9DCD1}" srcOrd="0" destOrd="0" presId="urn:microsoft.com/office/officeart/2005/8/layout/radial1"/>
+    <dgm:cxn modelId="{9CE5A765-4905-440B-9D90-D246DB747771}" type="presOf" srcId="{B1CC6DE7-6A2F-4401-8628-0447D257E96F}" destId="{DAA9C8A3-5DF4-44D5-96E3-567BF5AB6793}" srcOrd="0" destOrd="0" presId="urn:microsoft.com/office/officeart/2005/8/layout/radial1"/>
+    <dgm:cxn modelId="{EF44284B-0E0C-446C-A69D-1F336BB4FA1C}" type="presOf" srcId="{A9984E96-6EA6-4E67-9192-77B24ABCFFFA}" destId="{40C2E3E2-F069-4128-AB9F-CC579ED38BF6}" srcOrd="1" destOrd="0" presId="urn:microsoft.com/office/officeart/2005/8/layout/radial1"/>
+    <dgm:cxn modelId="{837B9E75-68C2-42ED-BB41-BF13161BC862}" type="presOf" srcId="{A9984E96-6EA6-4E67-9192-77B24ABCFFFA}" destId="{A03A0950-DFDA-45CC-9590-2927BA765496}" srcOrd="0" destOrd="0" presId="urn:microsoft.com/office/officeart/2005/8/layout/radial1"/>
+    <dgm:cxn modelId="{BF6F1C81-589F-4CE5-94DE-0C9C79364DA3}" srcId="{B1CC6DE7-6A2F-4401-8628-0447D257E96F}" destId="{6A5233CE-27BB-43AF-B286-E0A053A83384}" srcOrd="1" destOrd="0" parTransId="{59E23E67-FF6B-4051-A7DC-09E3769E3682}" sibTransId="{48BFE276-0370-4363-9666-88051DF3ED8C}"/>
+    <dgm:cxn modelId="{B6D33895-B919-46E9-AF3C-1CD2A70F9A4E}" type="presOf" srcId="{6A5233CE-27BB-43AF-B286-E0A053A83384}" destId="{8555A1B5-DB84-4C44-A08F-DDB6E7FC91E5}" srcOrd="0" destOrd="0" presId="urn:microsoft.com/office/officeart/2005/8/layout/radial1"/>
+    <dgm:cxn modelId="{FFCDCBC8-71DB-4172-AF77-F1900B7029A8}" srcId="{B1CC6DE7-6A2F-4401-8628-0447D257E96F}" destId="{FB68962D-40BC-4CCF-A920-D5A718589EE6}" srcOrd="0" destOrd="0" parTransId="{A9984E96-6EA6-4E67-9192-77B24ABCFFFA}" sibTransId="{B3FDA16D-33D2-48E3-8F2F-030A8BE32951}"/>
+    <dgm:cxn modelId="{2D03E9D4-903A-4E35-8CE4-DB93FFA49E98}" srcId="{DCEC5E9A-7B61-497E-9BD4-942FBCCB064A}" destId="{B1CC6DE7-6A2F-4401-8628-0447D257E96F}" srcOrd="0" destOrd="0" parTransId="{9881A380-B6B8-449E-870B-CBC2577B0274}" sibTransId="{71AD10EE-93B9-4C69-8F40-BE382E028343}"/>
+    <dgm:cxn modelId="{9C0370ED-6A9D-456B-8588-9EA32A88FA74}" srcId="{DCEC5E9A-7B61-497E-9BD4-942FBCCB064A}" destId="{93E6178C-4436-4A19-8F36-A7AC88DD9A4A}" srcOrd="1" destOrd="0" parTransId="{78E0C2EA-0EE4-4B58-A12F-862E0154E44D}" sibTransId="{4F565A2D-6E9F-41E3-95A6-40911F77664F}"/>
+    <dgm:cxn modelId="{9207F816-3ADE-4A04-9F37-96DE46041983}" type="presParOf" srcId="{B1E41B55-6A4C-41ED-81AB-181EE9E2B3FF}" destId="{DAA9C8A3-5DF4-44D5-96E3-567BF5AB6793}" srcOrd="0" destOrd="0" presId="urn:microsoft.com/office/officeart/2005/8/layout/radial1"/>
+    <dgm:cxn modelId="{4770CFB7-DD45-498A-88EC-D7BA4E83F390}" type="presParOf" srcId="{B1E41B55-6A4C-41ED-81AB-181EE9E2B3FF}" destId="{A03A0950-DFDA-45CC-9590-2927BA765496}" srcOrd="1" destOrd="0" presId="urn:microsoft.com/office/officeart/2005/8/layout/radial1"/>
+    <dgm:cxn modelId="{49994278-B823-43D9-9725-DEB8743CB436}" type="presParOf" srcId="{A03A0950-DFDA-45CC-9590-2927BA765496}" destId="{40C2E3E2-F069-4128-AB9F-CC579ED38BF6}" srcOrd="0" destOrd="0" presId="urn:microsoft.com/office/officeart/2005/8/layout/radial1"/>
+    <dgm:cxn modelId="{822B2632-8C0D-4BD6-955E-DFA2BA521D1F}" type="presParOf" srcId="{B1E41B55-6A4C-41ED-81AB-181EE9E2B3FF}" destId="{5A58F9D0-122B-4E15-8FCA-60DCD2D9DCD1}" srcOrd="2" destOrd="0" presId="urn:microsoft.com/office/officeart/2005/8/layout/radial1"/>
+    <dgm:cxn modelId="{E67D6606-D701-4337-B533-F7F5C52CDD72}" type="presParOf" srcId="{B1E41B55-6A4C-41ED-81AB-181EE9E2B3FF}" destId="{BD2834DA-83F3-43A5-BBBD-0E5A1D20F2E6}" srcOrd="3" destOrd="0" presId="urn:microsoft.com/office/officeart/2005/8/layout/radial1"/>
+    <dgm:cxn modelId="{DD6A4A01-3AB6-4C43-ADC2-92C7E4F0C2CA}" type="presParOf" srcId="{BD2834DA-83F3-43A5-BBBD-0E5A1D20F2E6}" destId="{367718BD-E8E0-4E28-A004-159BEC9E90D6}" srcOrd="0" destOrd="0" presId="urn:microsoft.com/office/officeart/2005/8/layout/radial1"/>
+    <dgm:cxn modelId="{6379E9A1-E04A-4CD3-83BE-51EF93A3EBE4}" type="presParOf" srcId="{B1E41B55-6A4C-41ED-81AB-181EE9E2B3FF}" destId="{8555A1B5-DB84-4C44-A08F-DDB6E7FC91E5}" srcOrd="4" destOrd="0" presId="urn:microsoft.com/office/officeart/2005/8/layout/radial1"/>
+  </dgm:cxnLst>
+  <dgm:bg/>
+  <dgm:whole/>
+  <dgm:extLst>
+    <a:ext uri="http://schemas.microsoft.com/office/drawing/2008/diagram">
+      <dsp:dataModelExt xmlns:dsp="http://schemas.microsoft.com/office/drawing/2008/diagram" relId="rId7" minVer="http://schemas.openxmlformats.org/drawingml/2006/diagram"/>
+    </a:ext>
+  </dgm:extLst>
+</dgm:dataModel>
+</file>
+
+<file path=ppt/diagrams/drawing1.xml><?xml version="1.0" encoding="utf-8"?>
+<dsp:drawing xmlns:dgm="http://schemas.openxmlformats.org/drawingml/2006/diagram" xmlns:dsp="http://schemas.microsoft.com/office/drawing/2008/diagram" xmlns:a="http://schemas.openxmlformats.org/drawingml/2006/main">
+  <dsp:spTree>
+    <dsp:nvGrpSpPr>
+      <dsp:cNvPr id="0" name=""/>
+      <dsp:cNvGrpSpPr/>
+    </dsp:nvGrpSpPr>
+    <dsp:grpSpPr/>
+    <dsp:sp modelId="{DAA9C8A3-5DF4-44D5-96E3-567BF5AB6793}">
+      <dsp:nvSpPr>
+        <dsp:cNvPr id="0" name=""/>
+        <dsp:cNvSpPr/>
+      </dsp:nvSpPr>
+      <dsp:spPr>
+        <a:xfrm>
+          <a:off x="2146946" y="1767246"/>
+          <a:ext cx="1508429" cy="1468951"/>
+        </a:xfrm>
+        <a:prstGeom prst="ellipse">
+          <a:avLst/>
+        </a:prstGeom>
+        <a:solidFill>
+          <a:schemeClr val="accent1">
+            <a:hueOff val="0"/>
+            <a:satOff val="0"/>
+            <a:lumOff val="0"/>
+            <a:alphaOff val="0"/>
+          </a:schemeClr>
+        </a:solidFill>
+        <a:ln w="25400" cap="flat" cmpd="sng" algn="ctr">
+          <a:solidFill>
+            <a:schemeClr val="lt1">
+              <a:hueOff val="0"/>
+              <a:satOff val="0"/>
+              <a:lumOff val="0"/>
+              <a:alphaOff val="0"/>
+            </a:schemeClr>
+          </a:solidFill>
+          <a:prstDash val="solid"/>
+        </a:ln>
+        <a:effectLst/>
+      </dsp:spPr>
+      <dsp:style>
+        <a:lnRef idx="2">
+          <a:scrgbClr r="0" g="0" b="0"/>
+        </a:lnRef>
+        <a:fillRef idx="1">
+          <a:scrgbClr r="0" g="0" b="0"/>
+        </a:fillRef>
+        <a:effectRef idx="0">
+          <a:scrgbClr r="0" g="0" b="0"/>
+        </a:effectRef>
+        <a:fontRef idx="minor">
+          <a:schemeClr val="lt1"/>
+        </a:fontRef>
+      </dsp:style>
+      <dsp:txBody>
+        <a:bodyPr spcFirstLastPara="0" vert="horz" wrap="square" lIns="15240" tIns="15240" rIns="15240" bIns="15240" numCol="1" spcCol="1270" anchor="ctr" anchorCtr="0">
+          <a:noAutofit/>
+        </a:bodyPr>
+        <a:lstStyle/>
+        <a:p>
+          <a:pPr marL="0" lvl="0" indent="0" algn="ctr" defTabSz="1066800">
+            <a:lnSpc>
+              <a:spcPct val="90000"/>
+            </a:lnSpc>
+            <a:spcBef>
+              <a:spcPct val="0"/>
+            </a:spcBef>
+            <a:spcAft>
+              <a:spcPct val="35000"/>
+            </a:spcAft>
+            <a:buNone/>
+          </a:pPr>
+          <a:r>
+            <a:rPr lang="sv-SE" sz="2400" kern="1200" dirty="0"/>
+            <a:t>Model Testing Toolkit</a:t>
+          </a:r>
+          <a:endParaRPr lang="en-US" sz="2400" kern="1200" dirty="0"/>
+        </a:p>
+      </dsp:txBody>
+      <dsp:txXfrm>
+        <a:off x="2367850" y="1982369"/>
+        <a:ext cx="1066621" cy="1038705"/>
+      </dsp:txXfrm>
+    </dsp:sp>
+    <dsp:sp modelId="{A03A0950-DFDA-45CC-9590-2927BA765496}">
+      <dsp:nvSpPr>
+        <dsp:cNvPr id="0" name=""/>
+        <dsp:cNvSpPr/>
+      </dsp:nvSpPr>
+      <dsp:spPr>
+        <a:xfrm rot="2930">
+          <a:off x="3655376" y="2486079"/>
+          <a:ext cx="560655" cy="33050"/>
+        </a:xfrm>
+        <a:custGeom>
+          <a:avLst/>
+          <a:gdLst/>
+          <a:ahLst/>
+          <a:cxnLst/>
+          <a:rect l="0" t="0" r="0" b="0"/>
+          <a:pathLst>
+            <a:path>
+              <a:moveTo>
+                <a:pt x="0" y="16525"/>
+              </a:moveTo>
+              <a:lnTo>
+                <a:pt x="560655" y="16525"/>
+              </a:lnTo>
+            </a:path>
+          </a:pathLst>
+        </a:custGeom>
+        <a:noFill/>
+        <a:ln w="9525" cap="flat" cmpd="sng" algn="ctr">
+          <a:solidFill>
+            <a:schemeClr val="accent1"/>
+          </a:solidFill>
+          <a:prstDash val="solid"/>
+          <a:round/>
+          <a:headEnd type="arrow" w="med" len="med"/>
+          <a:tailEnd type="arrow" w="med" len="med"/>
+        </a:ln>
+        <a:effectLst/>
+      </dsp:spPr>
+      <dsp:style>
+        <a:lnRef idx="0">
+          <a:scrgbClr r="0" g="0" b="0"/>
+        </a:lnRef>
+        <a:fillRef idx="0">
+          <a:scrgbClr r="0" g="0" b="0"/>
+        </a:fillRef>
+        <a:effectRef idx="0">
+          <a:scrgbClr r="0" g="0" b="0"/>
+        </a:effectRef>
+        <a:fontRef idx="minor">
+          <a:schemeClr val="tx1"/>
+        </a:fontRef>
+      </dsp:style>
+      <dsp:txBody>
+        <a:bodyPr spcFirstLastPara="0" vert="horz" wrap="square" lIns="12700" tIns="0" rIns="12700" bIns="0" numCol="1" spcCol="1270" anchor="ctr" anchorCtr="0">
+          <a:noAutofit/>
+        </a:bodyPr>
+        <a:lstStyle/>
+        <a:p>
+          <a:pPr marL="0" lvl="0" indent="0" algn="ctr" defTabSz="222250">
+            <a:lnSpc>
+              <a:spcPct val="90000"/>
+            </a:lnSpc>
+            <a:spcBef>
+              <a:spcPct val="0"/>
+            </a:spcBef>
+            <a:spcAft>
+              <a:spcPct val="35000"/>
+            </a:spcAft>
+            <a:buNone/>
+          </a:pPr>
+          <a:endParaRPr lang="en-US" sz="500" kern="1200"/>
+        </a:p>
+      </dsp:txBody>
+      <dsp:txXfrm>
+        <a:off x="3921687" y="2488588"/>
+        <a:ext cx="28032" cy="28032"/>
+      </dsp:txXfrm>
+    </dsp:sp>
+    <dsp:sp modelId="{5A58F9D0-122B-4E15-8FCA-60DCD2D9DCD1}">
+      <dsp:nvSpPr>
+        <dsp:cNvPr id="0" name=""/>
+        <dsp:cNvSpPr/>
+      </dsp:nvSpPr>
+      <dsp:spPr>
+        <a:xfrm>
+          <a:off x="4216031" y="1773873"/>
+          <a:ext cx="1495076" cy="1459213"/>
+        </a:xfrm>
+        <a:prstGeom prst="ellipse">
+          <a:avLst/>
+        </a:prstGeom>
+        <a:solidFill>
+          <a:schemeClr val="accent1">
+            <a:hueOff val="0"/>
+            <a:satOff val="0"/>
+            <a:lumOff val="0"/>
+            <a:alphaOff val="0"/>
+          </a:schemeClr>
+        </a:solidFill>
+        <a:ln w="25400" cap="flat" cmpd="sng" algn="ctr">
+          <a:solidFill>
+            <a:schemeClr val="lt1">
+              <a:hueOff val="0"/>
+              <a:satOff val="0"/>
+              <a:lumOff val="0"/>
+              <a:alphaOff val="0"/>
+            </a:schemeClr>
+          </a:solidFill>
+          <a:prstDash val="solid"/>
+        </a:ln>
+        <a:effectLst/>
+      </dsp:spPr>
+      <dsp:style>
+        <a:lnRef idx="2">
+          <a:scrgbClr r="0" g="0" b="0"/>
+        </a:lnRef>
+        <a:fillRef idx="1">
+          <a:scrgbClr r="0" g="0" b="0"/>
+        </a:fillRef>
+        <a:effectRef idx="0">
+          <a:scrgbClr r="0" g="0" b="0"/>
+        </a:effectRef>
+        <a:fontRef idx="minor">
+          <a:schemeClr val="lt1"/>
+        </a:fontRef>
+      </dsp:style>
+      <dsp:txBody>
+        <a:bodyPr spcFirstLastPara="0" vert="horz" wrap="square" lIns="10160" tIns="10160" rIns="10160" bIns="10160" numCol="1" spcCol="1270" anchor="ctr" anchorCtr="0">
+          <a:noAutofit/>
+        </a:bodyPr>
+        <a:lstStyle/>
+        <a:p>
+          <a:pPr marL="0" lvl="0" indent="0" algn="ctr" defTabSz="711200">
+            <a:lnSpc>
+              <a:spcPct val="90000"/>
+            </a:lnSpc>
+            <a:spcBef>
+              <a:spcPct val="0"/>
+            </a:spcBef>
+            <a:spcAft>
+              <a:spcPct val="35000"/>
+            </a:spcAft>
+            <a:buNone/>
+          </a:pPr>
+          <a:r>
+            <a:rPr lang="sv-SE" sz="1600" kern="1200" dirty="0"/>
+            <a:t>GUI</a:t>
+          </a:r>
+          <a:endParaRPr lang="en-US" sz="1600" kern="1200" dirty="0"/>
+        </a:p>
+      </dsp:txBody>
+      <dsp:txXfrm>
+        <a:off x="4434980" y="1987570"/>
+        <a:ext cx="1057178" cy="1031819"/>
+      </dsp:txXfrm>
+    </dsp:sp>
+    <dsp:sp modelId="{BD2834DA-83F3-43A5-BBBD-0E5A1D20F2E6}">
+      <dsp:nvSpPr>
+        <dsp:cNvPr id="0" name=""/>
+        <dsp:cNvSpPr/>
+      </dsp:nvSpPr>
+      <dsp:spPr>
+        <a:xfrm rot="10800589">
+          <a:off x="1586296" y="2485020"/>
+          <a:ext cx="560650" cy="33050"/>
+        </a:xfrm>
+        <a:custGeom>
+          <a:avLst/>
+          <a:gdLst/>
+          <a:ahLst/>
+          <a:cxnLst/>
+          <a:rect l="0" t="0" r="0" b="0"/>
+          <a:pathLst>
+            <a:path>
+              <a:moveTo>
+                <a:pt x="0" y="16525"/>
+              </a:moveTo>
+              <a:lnTo>
+                <a:pt x="560650" y="16525"/>
+              </a:lnTo>
+            </a:path>
+          </a:pathLst>
+        </a:custGeom>
+        <a:noFill/>
+        <a:ln w="9525" cap="flat" cmpd="sng" algn="ctr">
+          <a:solidFill>
+            <a:schemeClr val="accent1"/>
+          </a:solidFill>
+          <a:prstDash val="solid"/>
+          <a:round/>
+          <a:headEnd type="arrow" w="med" len="med"/>
+          <a:tailEnd type="arrow" w="med" len="med"/>
+        </a:ln>
+        <a:effectLst/>
+      </dsp:spPr>
+      <dsp:style>
+        <a:lnRef idx="0">
+          <a:scrgbClr r="0" g="0" b="0"/>
+        </a:lnRef>
+        <a:fillRef idx="0">
+          <a:scrgbClr r="0" g="0" b="0"/>
+        </a:fillRef>
+        <a:effectRef idx="0">
+          <a:scrgbClr r="0" g="0" b="0"/>
+        </a:effectRef>
+        <a:fontRef idx="minor">
+          <a:schemeClr val="tx1"/>
+        </a:fontRef>
+      </dsp:style>
+      <dsp:txBody>
+        <a:bodyPr spcFirstLastPara="0" vert="horz" wrap="square" lIns="12700" tIns="0" rIns="12700" bIns="0" numCol="1" spcCol="1270" anchor="ctr" anchorCtr="0">
+          <a:noAutofit/>
+        </a:bodyPr>
+        <a:lstStyle/>
+        <a:p>
+          <a:pPr marL="0" lvl="0" indent="0" algn="ctr" defTabSz="222250">
+            <a:lnSpc>
+              <a:spcPct val="90000"/>
+            </a:lnSpc>
+            <a:spcBef>
+              <a:spcPct val="0"/>
+            </a:spcBef>
+            <a:spcAft>
+              <a:spcPct val="35000"/>
+            </a:spcAft>
+            <a:buNone/>
+          </a:pPr>
+          <a:endParaRPr lang="en-US" sz="500" kern="1200"/>
+        </a:p>
+      </dsp:txBody>
+      <dsp:txXfrm rot="10800000">
+        <a:off x="1852605" y="2487529"/>
+        <a:ext cx="28032" cy="28032"/>
+      </dsp:txXfrm>
+    </dsp:sp>
+    <dsp:sp modelId="{8555A1B5-DB84-4C44-A08F-DDB6E7FC91E5}">
+      <dsp:nvSpPr>
+        <dsp:cNvPr id="0" name=""/>
+        <dsp:cNvSpPr/>
+      </dsp:nvSpPr>
+      <dsp:spPr>
+        <a:xfrm>
+          <a:off x="104573" y="1784887"/>
+          <a:ext cx="1481723" cy="1432966"/>
+        </a:xfrm>
+        <a:prstGeom prst="ellipse">
+          <a:avLst/>
+        </a:prstGeom>
+        <a:solidFill>
+          <a:schemeClr val="accent1">
+            <a:hueOff val="0"/>
+            <a:satOff val="0"/>
+            <a:lumOff val="0"/>
+            <a:alphaOff val="0"/>
+          </a:schemeClr>
+        </a:solidFill>
+        <a:ln w="25400" cap="flat" cmpd="sng" algn="ctr">
+          <a:solidFill>
+            <a:schemeClr val="lt1">
+              <a:hueOff val="0"/>
+              <a:satOff val="0"/>
+              <a:lumOff val="0"/>
+              <a:alphaOff val="0"/>
+            </a:schemeClr>
+          </a:solidFill>
+          <a:prstDash val="solid"/>
+        </a:ln>
+        <a:effectLst/>
+      </dsp:spPr>
+      <dsp:style>
+        <a:lnRef idx="2">
+          <a:scrgbClr r="0" g="0" b="0"/>
+        </a:lnRef>
+        <a:fillRef idx="1">
+          <a:scrgbClr r="0" g="0" b="0"/>
+        </a:fillRef>
+        <a:effectRef idx="0">
+          <a:scrgbClr r="0" g="0" b="0"/>
+        </a:effectRef>
+        <a:fontRef idx="minor">
+          <a:schemeClr val="lt1"/>
+        </a:fontRef>
+      </dsp:style>
+      <dsp:txBody>
+        <a:bodyPr spcFirstLastPara="0" vert="horz" wrap="square" lIns="10160" tIns="10160" rIns="10160" bIns="10160" numCol="1" spcCol="1270" anchor="ctr" anchorCtr="0">
+          <a:noAutofit/>
+        </a:bodyPr>
+        <a:lstStyle/>
+        <a:p>
+          <a:pPr marL="0" lvl="0" indent="0" algn="ctr" defTabSz="711200">
+            <a:lnSpc>
+              <a:spcPct val="90000"/>
+            </a:lnSpc>
+            <a:spcBef>
+              <a:spcPct val="0"/>
+            </a:spcBef>
+            <a:spcAft>
+              <a:spcPct val="35000"/>
+            </a:spcAft>
+            <a:buNone/>
+          </a:pPr>
+          <a:r>
+            <a:rPr lang="sv-SE" sz="1600" kern="1200" dirty="0"/>
+            <a:t>OPTIMICA Compiler Toolkit</a:t>
+          </a:r>
+          <a:endParaRPr lang="en-US" sz="1600" kern="1200" dirty="0"/>
+        </a:p>
+      </dsp:txBody>
+      <dsp:txXfrm>
+        <a:off x="321566" y="1994740"/>
+        <a:ext cx="1047737" cy="1013260"/>
+      </dsp:txXfrm>
+    </dsp:sp>
+  </dsp:spTree>
+</dsp:drawing>
+</file>
+
+<file path=ppt/diagrams/layout1.xml><?xml version="1.0" encoding="utf-8"?>
+<dgm:layoutDef xmlns:dgm="http://schemas.openxmlformats.org/drawingml/2006/diagram" xmlns:a="http://schemas.openxmlformats.org/drawingml/2006/main" uniqueId="urn:microsoft.com/office/officeart/2005/8/layout/radial1">
+  <dgm:title val=""/>
+  <dgm:desc val=""/>
+  <dgm:catLst>
+    <dgm:cat type="relationship" pri="22000"/>
+    <dgm:cat type="cycle" pri="10000"/>
+  </dgm:catLst>
+  <dgm:sampData>
+    <dgm:dataModel>
+      <dgm:ptLst>
+        <dgm:pt modelId="0" type="doc"/>
+        <dgm:pt modelId="1">
+          <dgm:prSet phldr="1"/>
+        </dgm:pt>
+        <dgm:pt modelId="11">
+          <dgm:prSet phldr="1"/>
+        </dgm:pt>
+        <dgm:pt modelId="12">
+          <dgm:prSet phldr="1"/>
+        </dgm:pt>
+        <dgm:pt modelId="13">
+          <dgm:prSet phldr="1"/>
+        </dgm:pt>
+        <dgm:pt modelId="14">
+          <dgm:prSet phldr="1"/>
+        </dgm:pt>
+      </dgm:ptLst>
+      <dgm:cxnLst>
+        <dgm:cxn modelId="2" srcId="0" destId="1" srcOrd="0" destOrd="0"/>
+        <dgm:cxn modelId="3" srcId="1" destId="11" srcOrd="0" destOrd="0"/>
+        <dgm:cxn modelId="4" srcId="1" destId="12" srcOrd="1" destOrd="0"/>
+        <dgm:cxn modelId="5" srcId="1" destId="13" srcOrd="2" destOrd="0"/>
+        <dgm:cxn modelId="6" srcId="1" destId="14" srcOrd="3" destOrd="0"/>
+      </dgm:cxnLst>
+      <dgm:bg/>
+      <dgm:whole/>
+    </dgm:dataModel>
+  </dgm:sampData>
+  <dgm:styleData>
+    <dgm:dataModel>
+      <dgm:ptLst>
+        <dgm:pt modelId="0" type="doc"/>
+        <dgm:pt modelId="1"/>
+        <dgm:pt modelId="11"/>
+        <dgm:pt modelId="12"/>
+        <dgm:pt modelId="13"/>
+      </dgm:ptLst>
+      <dgm:cxnLst>
+        <dgm:cxn modelId="2" srcId="0" destId="1" srcOrd="0" destOrd="0"/>
+        <dgm:cxn modelId="15" srcId="1" destId="11" srcOrd="0" destOrd="0"/>
+        <dgm:cxn modelId="16" srcId="1" destId="12" srcOrd="1" destOrd="0"/>
+        <dgm:cxn modelId="17" srcId="1" destId="13" srcOrd="2" destOrd="0"/>
+      </dgm:cxnLst>
+      <dgm:bg/>
+      <dgm:whole/>
+    </dgm:dataModel>
+  </dgm:styleData>
+  <dgm:clrData>
+    <dgm:dataModel>
+      <dgm:ptLst>
+        <dgm:pt modelId="0" type="doc"/>
+        <dgm:pt modelId="1"/>
+        <dgm:pt modelId="11"/>
+        <dgm:pt modelId="12"/>
+        <dgm:pt modelId="13"/>
+        <dgm:pt modelId="14"/>
+        <dgm:pt modelId="15"/>
+        <dgm:pt modelId="16"/>
+      </dgm:ptLst>
+      <dgm:cxnLst>
+        <dgm:cxn modelId="2" srcId="0" destId="1" srcOrd="0" destOrd="0"/>
+        <dgm:cxn modelId="16" srcId="1" destId="11" srcOrd="0" destOrd="0"/>
+        <dgm:cxn modelId="17" srcId="1" destId="12" srcOrd="1" destOrd="0"/>
+        <dgm:cxn modelId="18" srcId="1" destId="13" srcOrd="2" destOrd="0"/>
+        <dgm:cxn modelId="19" srcId="1" destId="14" srcOrd="3" destOrd="0"/>
+        <dgm:cxn modelId="20" srcId="1" destId="15" srcOrd="4" destOrd="0"/>
+        <dgm:cxn modelId="21" srcId="1" destId="16" srcOrd="5" destOrd="0"/>
+      </dgm:cxnLst>
+      <dgm:bg/>
+      <dgm:whole/>
+    </dgm:dataModel>
+  </dgm:clrData>
+  <dgm:layoutNode name="cycle">
+    <dgm:varLst>
+      <dgm:chMax val="1"/>
+      <dgm:dir/>
+      <dgm:animLvl val="ctr"/>
+      <dgm:resizeHandles val="exact"/>
+    </dgm:varLst>
+    <dgm:choose name="Name0">
+      <dgm:if name="Name1" func="var" arg="dir" op="equ" val="norm">
+        <dgm:choose name="Name2">
+          <dgm:if name="Name3" axis="ch ch" ptType="node node" st="1 1" cnt="1 0" func="cnt" op="lte" val="1">
+            <dgm:alg type="cycle">
+              <dgm:param type="stAng" val="90"/>
+              <dgm:param type="spanAng" val="360"/>
+              <dgm:param type="ctrShpMap" val="fNode"/>
+            </dgm:alg>
+          </dgm:if>
+          <dgm:else name="Name4">
+            <dgm:alg type="cycle">
+              <dgm:param type="stAng" val="0"/>
+              <dgm:param type="spanAng" val="360"/>
+              <dgm:param type="ctrShpMap" val="fNode"/>
+            </dgm:alg>
+          </dgm:else>
+        </dgm:choose>
+      </dgm:if>
+      <dgm:else name="Name5">
+        <dgm:alg type="cycle">
+          <dgm:param type="stAng" val="0"/>
+          <dgm:param type="spanAng" val="-360"/>
+          <dgm:param type="ctrShpMap" val="fNode"/>
+        </dgm:alg>
+      </dgm:else>
+    </dgm:choose>
+    <dgm:shape xmlns:r="http://schemas.openxmlformats.org/officeDocument/2006/relationships" r:blip="">
+      <dgm:adjLst/>
+    </dgm:shape>
+    <dgm:presOf/>
+    <dgm:constrLst>
+      <dgm:constr type="w" for="ch" forName="centerShape" refType="w"/>
+      <dgm:constr type="w" for="ch" forName="node" refType="w" refFor="ch" refForName="centerShape" op="equ"/>
+      <dgm:constr type="sp" refType="w" refFor="ch" refForName="node" fact="0.3"/>
+      <dgm:constr type="sibSp" refType="w" refFor="ch" refForName="node" fact="0.3"/>
+      <dgm:constr type="primFontSz" for="ch" forName="centerShape" val="65"/>
+      <dgm:constr type="primFontSz" for="des" forName="node" op="equ" val="65"/>
+      <dgm:constr type="primFontSz" for="des" forName="connTx" val="55"/>
+      <dgm:constr type="primFontSz" for="des" forName="connTx" refType="primFontSz" refFor="ch" refForName="centerShape" op="lte" fact="0.8"/>
+    </dgm:constrLst>
+    <dgm:ruleLst/>
+    <dgm:forEach name="Name6" axis="ch" ptType="node" cnt="1">
+      <dgm:layoutNode name="centerShape" styleLbl="node0">
+        <dgm:alg type="tx"/>
+        <dgm:shape xmlns:r="http://schemas.openxmlformats.org/officeDocument/2006/relationships" type="ellipse" r:blip="">
+          <dgm:adjLst/>
+        </dgm:shape>
+        <dgm:presOf axis="self"/>
+        <dgm:constrLst>
+          <dgm:constr type="h" refType="w"/>
+          <dgm:constr type="tMarg" refType="primFontSz" fact="0.05"/>
+          <dgm:constr type="bMarg" refType="primFontSz" fact="0.05"/>
+          <dgm:constr type="lMarg" refType="primFontSz" fact="0.05"/>
+          <dgm:constr type="rMarg" refType="primFontSz" fact="0.05"/>
+        </dgm:constrLst>
+        <dgm:ruleLst>
+          <dgm:rule type="primFontSz" val="5" fact="NaN" max="NaN"/>
+        </dgm:ruleLst>
+      </dgm:layoutNode>
+      <dgm:forEach name="Name7" axis="ch">
+        <dgm:forEach name="Name8" axis="self" ptType="parTrans">
+          <dgm:layoutNode name="Name9">
+            <dgm:alg type="conn">
+              <dgm:param type="dim" val="1D"/>
+              <dgm:param type="begPts" val="auto"/>
+              <dgm:param type="endPts" val="auto"/>
+              <dgm:param type="begSty" val="noArr"/>
+              <dgm:param type="endSty" val="noArr"/>
+            </dgm:alg>
+            <dgm:shape xmlns:r="http://schemas.openxmlformats.org/officeDocument/2006/relationships" type="conn" r:blip="">
+              <dgm:adjLst/>
+            </dgm:shape>
+            <dgm:presOf axis="self"/>
+            <dgm:constrLst>
+              <dgm:constr type="connDist"/>
+              <dgm:constr type="userA" for="ch" refType="connDist"/>
+              <dgm:constr type="w" val="1"/>
+              <dgm:constr type="h" val="5"/>
+              <dgm:constr type="begPad"/>
+              <dgm:constr type="endPad"/>
+            </dgm:constrLst>
+            <dgm:ruleLst/>
+            <dgm:layoutNode name="connTx">
+              <dgm:alg type="tx">
+                <dgm:param type="autoTxRot" val="grav"/>
+              </dgm:alg>
+              <dgm:shape xmlns:r="http://schemas.openxmlformats.org/officeDocument/2006/relationships" type="rect" r:blip="" hideGeom="1">
+                <dgm:adjLst/>
+              </dgm:shape>
+              <dgm:presOf axis="self"/>
+              <dgm:constrLst>
+                <dgm:constr type="userA"/>
+                <dgm:constr type="w" refType="userA" fact="0.05"/>
+                <dgm:constr type="h" refType="userA" fact="0.05"/>
+                <dgm:constr type="lMarg" val="1"/>
+                <dgm:constr type="rMarg" val="1"/>
+                <dgm:constr type="tMarg"/>
+                <dgm:constr type="bMarg"/>
+              </dgm:constrLst>
+              <dgm:ruleLst>
+                <dgm:rule type="w" val="NaN" fact="0.8" max="NaN"/>
+                <dgm:rule type="h" val="NaN" fact="1" max="NaN"/>
+                <dgm:rule type="primFontSz" val="5" fact="NaN" max="NaN"/>
+              </dgm:ruleLst>
+            </dgm:layoutNode>
+          </dgm:layoutNode>
+        </dgm:forEach>
+        <dgm:forEach name="Name10" axis="self" ptType="node">
+          <dgm:layoutNode name="node" styleLbl="node1">
+            <dgm:varLst>
+              <dgm:bulletEnabled val="1"/>
+            </dgm:varLst>
+            <dgm:alg type="tx">
+              <dgm:param type="txAnchorVertCh" val="mid"/>
+            </dgm:alg>
+            <dgm:shape xmlns:r="http://schemas.openxmlformats.org/officeDocument/2006/relationships" type="ellipse" r:blip="">
+              <dgm:adjLst/>
+            </dgm:shape>
+            <dgm:presOf axis="desOrSelf" ptType="node"/>
+            <dgm:constrLst>
+              <dgm:constr type="h" refType="w"/>
+              <dgm:constr type="tMarg" refType="primFontSz" fact="0.05"/>
+              <dgm:constr type="bMarg" refType="primFontSz" fact="0.05"/>
+              <dgm:constr type="lMarg" refType="primFontSz" fact="0.05"/>
+              <dgm:constr type="rMarg" refType="primFontSz" fact="0.05"/>
+            </dgm:constrLst>
+            <dgm:ruleLst>
+              <dgm:rule type="primFontSz" val="5" fact="NaN" max="NaN"/>
+            </dgm:ruleLst>
+          </dgm:layoutNode>
+        </dgm:forEach>
+      </dgm:forEach>
+    </dgm:forEach>
+  </dgm:layoutNode>
+</dgm:layoutDef>
+</file>
+
+<file path=ppt/diagrams/quickStyle1.xml><?xml version="1.0" encoding="utf-8"?>
+<dgm:styleDef xmlns:dgm="http://schemas.openxmlformats.org/drawingml/2006/diagram" xmlns:a="http://schemas.openxmlformats.org/drawingml/2006/main" uniqueId="urn:microsoft.com/office/officeart/2005/8/quickstyle/simple1">
+  <dgm:title val=""/>
+  <dgm:desc val=""/>
+  <dgm:catLst>
+    <dgm:cat type="simple" pri="10100"/>
+  </dgm:catLst>
+  <dgm:scene3d>
+    <a:camera prst="orthographicFront"/>
+    <a:lightRig rig="threePt" dir="t"/>
+  </dgm:scene3d>
+  <dgm:styleLbl name="node0">
+    <dgm:scene3d>
+      <a:camera prst="orthographicFront"/>
+      <a:lightRig rig="threePt" dir="t"/>
+    </dgm:scene3d>
+    <dgm:sp3d/>
+    <dgm:txPr/>
+    <dgm:style>
+      <a:lnRef idx="2">
+        <a:scrgbClr r="0" g="0" b="0"/>
+      </a:lnRef>
+      <a:fillRef idx="1">
+        <a:scrgbClr r="0" g="0" b="0"/>
+      </a:fillRef>
+      <a:effectRef idx="0">
+        <a:scrgbClr r="0" g="0" b="0"/>
+      </a:effectRef>
+      <a:fontRef idx="minor">
+        <a:schemeClr val="lt1"/>
+      </a:fontRef>
+    </dgm:style>
+  </dgm:styleLbl>
+  <dgm:styleLbl name="lnNode1">
+    <dgm:scene3d>
+      <a:camera prst="orthographicFront"/>
+      <a:lightRig rig="threePt" dir="t"/>
+    </dgm:scene3d>
+    <dgm:sp3d/>
+    <dgm:txPr/>
+    <dgm:style>
+      <a:lnRef idx="2">
+        <a:scrgbClr r="0" g="0" b="0"/>
+      </a:lnRef>
+      <a:fillRef idx="1">
+        <a:scrgbClr r="0" g="0" b="0"/>
+      </a:fillRef>
+      <a:effectRef idx="0">
+        <a:scrgbClr r="0" g="0" b="0"/>
+      </a:effectRef>
+      <a:fontRef idx="minor">
+        <a:schemeClr val="lt1"/>
+      </a:fontRef>
+    </dgm:style>
+  </dgm:styleLbl>
+  <dgm:styleLbl name="vennNode1">
+    <dgm:scene3d>
+      <a:camera prst="orthographicFront"/>
+      <a:lightRig rig="threePt" dir="t"/>
+    </dgm:scene3d>
+    <dgm:sp3d/>
+    <dgm:txPr/>
+    <dgm:style>
+      <a:lnRef idx="2">
+        <a:scrgbClr r="0" g="0" b="0"/>
+      </a:lnRef>
+      <a:fillRef idx="1">
+        <a:scrgbClr r="0" g="0" b="0"/>
+      </a:fillRef>
+      <a:effectRef idx="0">
+        <a:scrgbClr r="0" g="0" b="0"/>
+      </a:effectRef>
+      <a:fontRef idx="minor">
+        <a:schemeClr val="tx1"/>
+      </a:fontRef>
+    </dgm:style>
+  </dgm:styleLbl>
+  <dgm:styleLbl name="alignNode1">
+    <dgm:scene3d>
+      <a:camera prst="orthographicFront"/>
+      <a:lightRig rig="threePt" dir="t"/>
+    </dgm:scene3d>
+    <dgm:sp3d/>
+    <dgm:txPr/>
+    <dgm:style>
+      <a:lnRef idx="2">
+        <a:scrgbClr r="0" g="0" b="0"/>
+      </a:lnRef>
+      <a:fillRef idx="1">
+        <a:scrgbClr r="0" g="0" b="0"/>
+      </a:fillRef>
+      <a:effectRef idx="0">
+        <a:scrgbClr r="0" g="0" b="0"/>
+      </a:effectRef>
+      <a:fontRef idx="minor">
+        <a:schemeClr val="lt1"/>
+      </a:fontRef>
+    </dgm:style>
+  </dgm:styleLbl>
+  <dgm:styleLbl name="node1">
+    <dgm:scene3d>
+      <a:camera prst="orthographicFront"/>
+      <a:lightRig rig="threePt" dir="t"/>
+    </dgm:scene3d>
+    <dgm:sp3d/>
+    <dgm:txPr/>
+    <dgm:style>
+      <a:lnRef idx="2">
+        <a:scrgbClr r="0" g="0" b="0"/>
+      </a:lnRef>
+      <a:fillRef idx="1">
+        <a:scrgbClr r="0" g="0" b="0"/>
+      </a:fillRef>
+      <a:effectRef idx="0">
+        <a:scrgbClr r="0" g="0" b="0"/>
+      </a:effectRef>
+      <a:fontRef idx="minor">
+        <a:schemeClr val="lt1"/>
+      </a:fontRef>
+    </dgm:style>
+  </dgm:styleLbl>
+  <dgm:styleLbl name="node2">
+    <dgm:scene3d>
+      <a:camera prst="orthographicFront"/>
+      <a:lightRig rig="threePt" dir="t"/>
+    </dgm:scene3d>
+    <dgm:sp3d/>
+    <dgm:txPr/>
+    <dgm:style>
+      <a:lnRef idx="2">
+        <a:scrgbClr r="0" g="0" b="0"/>
+      </a:lnRef>
+      <a:fillRef idx="1">
+        <a:scrgbClr r="0" g="0" b="0"/>
+      </a:fillRef>
+      <a:effectRef idx="0">
+        <a:scrgbClr r="0" g="0" b="0"/>
+      </a:effectRef>
+      <a:fontRef idx="minor">
+        <a:schemeClr val="lt1"/>
+      </a:fontRef>
+    </dgm:style>
+  </dgm:styleLbl>
+  <dgm:styleLbl name="node3">
+    <dgm:scene3d>
+      <a:camera prst="orthographicFront"/>
+      <a:lightRig rig="threePt" dir="t"/>
+    </dgm:scene3d>
+    <dgm:sp3d/>
+    <dgm:txPr/>
+    <dgm:style>
+      <a:lnRef idx="2">
+        <a:scrgbClr r="0" g="0" b="0"/>
+      </a:lnRef>
+      <a:fillRef idx="1">
+        <a:scrgbClr r="0" g="0" b="0"/>
+      </a:fillRef>
+      <a:effectRef idx="0">
+        <a:scrgbClr r="0" g="0" b="0"/>
+      </a:effectRef>
+      <a:fontRef idx="minor">
+        <a:schemeClr val="lt1"/>
+      </a:fontRef>
+    </dgm:style>
+  </dgm:styleLbl>
+  <dgm:styleLbl name="node4">
+    <dgm:scene3d>
+      <a:camera prst="orthographicFront"/>
+      <a:lightRig rig="threePt" dir="t"/>
+    </dgm:scene3d>
+    <dgm:sp3d/>
+    <dgm:txPr/>
+    <dgm:style>
+      <a:lnRef idx="2">
+        <a:scrgbClr r="0" g="0" b="0"/>
+      </a:lnRef>
+      <a:fillRef idx="1">
+        <a:scrgbClr r="0" g="0" b="0"/>
+      </a:fillRef>
+      <a:effectRef idx="0">
+        <a:scrgbClr r="0" g="0" b="0"/>
+      </a:effectRef>
+      <a:fontRef idx="minor">
+        <a:schemeClr val="lt1"/>
+      </a:fontRef>
+    </dgm:style>
+  </dgm:styleLbl>
+  <dgm:styleLbl name="fgImgPlace1">
+    <dgm:scene3d>
+      <a:camera prst="orthographicFront"/>
+      <a:lightRig rig="threePt" dir="t"/>
+    </dgm:scene3d>
+    <dgm:sp3d/>
+    <dgm:txPr/>
+    <dgm:style>
+      <a:lnRef idx="2">
+        <a:scrgbClr r="0" g="0" b="0"/>
+      </a:lnRef>
+      <a:fillRef idx="1">
+        <a:scrgbClr r="0" g="0" b="0"/>
+      </a:fillRef>
+      <a:effectRef idx="0">
+        <a:scrgbClr r="0" g="0" b="0"/>
+      </a:effectRef>
+      <a:fontRef idx="minor"/>
+    </dgm:style>
+  </dgm:styleLbl>
+  <dgm:styleLbl name="alignImgPlace1">
+    <dgm:scene3d>
+      <a:camera prst="orthographicFront"/>
+      <a:lightRig rig="threePt" dir="t"/>
+    </dgm:scene3d>
+    <dgm:sp3d/>
+    <dgm:txPr/>
+    <dgm:style>
+      <a:lnRef idx="2">
+        <a:scrgbClr r="0" g="0" b="0"/>
+      </a:lnRef>
+      <a:fillRef idx="1">
+        <a:scrgbClr r="0" g="0" b="0"/>
+      </a:fillRef>
+      <a:effectRef idx="0">
+        <a:scrgbClr r="0" g="0" b="0"/>
+      </a:effectRef>
+      <a:fontRef idx="minor"/>
+    </dgm:style>
+  </dgm:styleLbl>
+  <dgm:styleLbl name="bgImgPlace1">
+    <dgm:scene3d>
+      <a:camera prst="orthographicFront"/>
+      <a:lightRig rig="threePt" dir="t"/>
+    </dgm:scene3d>
+    <dgm:sp3d/>
+    <dgm:txPr/>
+    <dgm:style>
+      <a:lnRef idx="2">
+        <a:scrgbClr r="0" g="0" b="0"/>
+      </a:lnRef>
+      <a:fillRef idx="1">
+        <a:scrgbClr r="0" g="0" b="0"/>
+      </a:fillRef>
+      <a:effectRef idx="0">
+        <a:scrgbClr r="0" g="0" b="0"/>
+      </a:effectRef>
+      <a:fontRef idx="minor"/>
+    </dgm:style>
+  </dgm:styleLbl>
+  <dgm:styleLbl name="sibTrans2D1">
+    <dgm:scene3d>
+      <a:camera prst="orthographicFront"/>
+      <a:lightRig rig="threePt" dir="t"/>
+    </dgm:scene3d>
+    <dgm:sp3d/>
+    <dgm:txPr/>
+    <dgm:style>
+      <a:lnRef idx="0">
+        <a:scrgbClr r="0" g="0" b="0"/>
+      </a:lnRef>
+      <a:fillRef idx="1">
+        <a:scrgbClr r="0" g="0" b="0"/>
+      </a:fillRef>
+      <a:effectRef idx="0">
+        <a:scrgbClr r="0" g="0" b="0"/>
+      </a:effectRef>
+      <a:fontRef idx="minor">
+        <a:schemeClr val="lt1"/>
+      </a:fontRef>
+    </dgm:style>
+  </dgm:styleLbl>
+  <dgm:styleLbl name="fgSibTrans2D1">
+    <dgm:scene3d>
+      <a:camera prst="orthographicFront"/>
+      <a:lightRig rig="threePt" dir="t"/>
+    </dgm:scene3d>
+    <dgm:sp3d/>
+    <dgm:txPr/>
+    <dgm:style>
+      <a:lnRef idx="0">
+        <a:scrgbClr r="0" g="0" b="0"/>
+      </a:lnRef>
+      <a:fillRef idx="1">
+        <a:scrgbClr r="0" g="0" b="0"/>
+      </a:fillRef>
+      <a:effectRef idx="0">
+        <a:scrgbClr r="0" g="0" b="0"/>
+      </a:effectRef>
+      <a:fontRef idx="minor">
+        <a:schemeClr val="lt1"/>
+      </a:fontRef>
+    </dgm:style>
+  </dgm:styleLbl>
+  <dgm:styleLbl name="bgSibTrans2D1">
+    <dgm:scene3d>
+      <a:camera prst="orthographicFront"/>
+      <a:lightRig rig="threePt" dir="t"/>
+    </dgm:scene3d>
+    <dgm:sp3d/>
+    <dgm:txPr/>
+    <dgm:style>
+      <a:lnRef idx="0">
+        <a:scrgbClr r="0" g="0" b="0"/>
+      </a:lnRef>
+      <a:fillRef idx="1">
+        <a:scrgbClr r="0" g="0" b="0"/>
+      </a:fillRef>
+      <a:effectRef idx="0">
+        <a:scrgbClr r="0" g="0" b="0"/>
+      </a:effectRef>
+      <a:fontRef idx="minor">
+        <a:schemeClr val="lt1"/>
+      </a:fontRef>
+    </dgm:style>
+  </dgm:styleLbl>
+  <dgm:styleLbl name="sibTrans1D1">
+    <dgm:scene3d>
+      <a:camera prst="orthographicFront"/>
+      <a:lightRig rig="threePt" dir="t"/>
+    </dgm:scene3d>
+    <dgm:sp3d/>
+    <dgm:txPr/>
+    <dgm:style>
+      <a:lnRef idx="1">
+        <a:scrgbClr r="0" g="0" b="0"/>
+      </a:lnRef>
+      <a:fillRef idx="0">
+        <a:scrgbClr r="0" g="0" b="0"/>
+      </a:fillRef>
+      <a:effectRef idx="0">
+        <a:scrgbClr r="0" g="0" b="0"/>
+      </a:effectRef>
+      <a:fontRef idx="minor"/>
+    </dgm:style>
+  </dgm:styleLbl>
+  <dgm:styleLbl name="callout">
+    <dgm:scene3d>
+      <a:camera prst="orthographicFront"/>
+      <a:lightRig rig="threePt" dir="t"/>
+    </dgm:scene3d>
+    <dgm:sp3d/>
+    <dgm:txPr/>
+    <dgm:style>
+      <a:lnRef idx="2">
+        <a:scrgbClr r="0" g="0" b="0"/>
+      </a:lnRef>
+      <a:fillRef idx="1">
+        <a:scrgbClr r="0" g="0" b="0"/>
+      </a:fillRef>
+      <a:effectRef idx="0">
+        <a:scrgbClr r="0" g="0" b="0"/>
+      </a:effectRef>
+      <a:fontRef idx="minor"/>
+    </dgm:style>
+  </dgm:styleLbl>
+  <dgm:styleLbl name="asst0">
+    <dgm:scene3d>
+      <a:camera prst="orthographicFront"/>
+      <a:lightRig rig="threePt" dir="t"/>
+    </dgm:scene3d>
+    <dgm:sp3d/>
+    <dgm:txPr/>
+    <dgm:style>
+      <a:lnRef idx="2">
+        <a:scrgbClr r="0" g="0" b="0"/>
+      </a:lnRef>
+      <a:fillRef idx="1">
+        <a:scrgbClr r="0" g="0" b="0"/>
+      </a:fillRef>
+      <a:effectRef idx="0">
+        <a:scrgbClr r="0" g="0" b="0"/>
+      </a:effectRef>
+      <a:fontRef idx="minor">
+        <a:schemeClr val="lt1"/>
+      </a:fontRef>
+    </dgm:style>
+  </dgm:styleLbl>
+  <dgm:styleLbl name="asst1">
+    <dgm:scene3d>
+      <a:camera prst="orthographicFront"/>
+      <a:lightRig rig="threePt" dir="t"/>
+    </dgm:scene3d>
+    <dgm:sp3d/>
+    <dgm:txPr/>
+    <dgm:style>
+      <a:lnRef idx="2">
+        <a:scrgbClr r="0" g="0" b="0"/>
+      </a:lnRef>
+      <a:fillRef idx="1">
+        <a:scrgbClr r="0" g="0" b="0"/>
+      </a:fillRef>
+      <a:effectRef idx="0">
+        <a:scrgbClr r="0" g="0" b="0"/>
+      </a:effectRef>
+      <a:fontRef idx="minor">
+        <a:schemeClr val="lt1"/>
+      </a:fontRef>
+    </dgm:style>
+  </dgm:styleLbl>
+  <dgm:styleLbl name="asst2">
+    <dgm:scene3d>
+      <a:camera prst="orthographicFront"/>
+      <a:lightRig rig="threePt" dir="t"/>
+    </dgm:scene3d>
+    <dgm:sp3d/>
+    <dgm:txPr/>
+    <dgm:style>
+      <a:lnRef idx="2">
+        <a:scrgbClr r="0" g="0" b="0"/>
+      </a:lnRef>
+      <a:fillRef idx="1">
+        <a:scrgbClr r="0" g="0" b="0"/>
+      </a:fillRef>
+      <a:effectRef idx="0">
+        <a:scrgbClr r="0" g="0" b="0"/>
+      </a:effectRef>
+      <a:fontRef idx="minor">
+        <a:schemeClr val="lt1"/>
+      </a:fontRef>
+    </dgm:style>
+  </dgm:styleLbl>
+  <dgm:styleLbl name="asst3">
+    <dgm:scene3d>
+      <a:camera prst="orthographicFront"/>
+      <a:lightRig rig="threePt" dir="t"/>
+    </dgm:scene3d>
+    <dgm:sp3d/>
+    <dgm:txPr/>
+    <dgm:style>
+      <a:lnRef idx="2">
+        <a:scrgbClr r="0" g="0" b="0"/>
+      </a:lnRef>
+      <a:fillRef idx="1">
+        <a:scrgbClr r="0" g="0" b="0"/>
+      </a:fillRef>
+      <a:effectRef idx="0">
+        <a:scrgbClr r="0" g="0" b="0"/>
+      </a:effectRef>
+      <a:fontRef idx="minor">
+        <a:schemeClr val="lt1"/>
+      </a:fontRef>
+    </dgm:style>
+  </dgm:styleLbl>
+  <dgm:styleLbl name="asst4">
+    <dgm:scene3d>
+      <a:camera prst="orthographicFront"/>
+      <a:lightRig rig="threePt" dir="t"/>
+    </dgm:scene3d>
+    <dgm:sp3d/>
+    <dgm:txPr/>
+    <dgm:style>
+      <a:lnRef idx="2">
+        <a:scrgbClr r="0" g="0" b="0"/>
+      </a:lnRef>
+      <a:fillRef idx="1">
+        <a:scrgbClr r="0" g="0" b="0"/>
+      </a:fillRef>
+      <a:effectRef idx="0">
+        <a:scrgbClr r="0" g="0" b="0"/>
+      </a:effectRef>
+      <a:fontRef idx="minor">
+        <a:schemeClr val="lt1"/>
+      </a:fontRef>
+    </dgm:style>
+  </dgm:styleLbl>
+  <dgm:styleLbl name="parChTrans2D1">
+    <dgm:scene3d>
+      <a:camera prst="orthographicFront"/>
+      <a:lightRig rig="threePt" dir="t"/>
+    </dgm:scene3d>
+    <dgm:sp3d/>
+    <dgm:txPr/>
+    <dgm:style>
+      <a:lnRef idx="2">
+        <a:scrgbClr r="0" g="0" b="0"/>
+      </a:lnRef>
+      <a:fillRef idx="1">
+        <a:scrgbClr r="0" g="0" b="0"/>
+      </a:fillRef>
+      <a:effectRef idx="0">
+        <a:scrgbClr r="0" g="0" b="0"/>
+      </a:effectRef>
+      <a:fontRef idx="minor">
+        <a:schemeClr val="lt1"/>
+      </a:fontRef>
+    </dgm:style>
+  </dgm:styleLbl>
+  <dgm:styleLbl name="parChTrans2D2">
+    <dgm:scene3d>
+      <a:camera prst="orthographicFront"/>
+      <a:lightRig rig="threePt" dir="t"/>
+    </dgm:scene3d>
+    <dgm:sp3d/>
+    <dgm:txPr/>
+    <dgm:style>
+      <a:lnRef idx="2">
+        <a:scrgbClr r="0" g="0" b="0"/>
+      </a:lnRef>
+      <a:fillRef idx="1">
+        <a:scrgbClr r="0" g="0" b="0"/>
+      </a:fillRef>
+      <a:effectRef idx="0">
+        <a:scrgbClr r="0" g="0" b="0"/>
+      </a:effectRef>
+      <a:fontRef idx="minor">
+        <a:schemeClr val="lt1"/>
+      </a:fontRef>
+    </dgm:style>
+  </dgm:styleLbl>
+  <dgm:styleLbl name="parChTrans2D3">
+    <dgm:scene3d>
+      <a:camera prst="orthographicFront"/>
+      <a:lightRig rig="threePt" dir="t"/>
+    </dgm:scene3d>
+    <dgm:sp3d/>
+    <dgm:txPr/>
+    <dgm:style>
+      <a:lnRef idx="2">
+        <a:scrgbClr r="0" g="0" b="0"/>
+      </a:lnRef>
+      <a:fillRef idx="1">
+        <a:scrgbClr r="0" g="0" b="0"/>
+      </a:fillRef>
+      <a:effectRef idx="0">
+        <a:scrgbClr r="0" g="0" b="0"/>
+      </a:effectRef>
+      <a:fontRef idx="minor">
+        <a:schemeClr val="lt1"/>
+      </a:fontRef>
+    </dgm:style>
+  </dgm:styleLbl>
+  <dgm:styleLbl name="parChTrans2D4">
+    <dgm:scene3d>
+      <a:camera prst="orthographicFront"/>
+      <a:lightRig rig="threePt" dir="t"/>
+    </dgm:scene3d>
+    <dgm:sp3d/>
+    <dgm:txPr/>
+    <dgm:style>
+      <a:lnRef idx="2">
+        <a:scrgbClr r="0" g="0" b="0"/>
+      </a:lnRef>
+      <a:fillRef idx="1">
+        <a:scrgbClr r="0" g="0" b="0"/>
+      </a:fillRef>
+      <a:effectRef idx="0">
+        <a:scrgbClr r="0" g="0" b="0"/>
+      </a:effectRef>
+      <a:fontRef idx="minor">
+        <a:schemeClr val="lt1"/>
+      </a:fontRef>
+    </dgm:style>
+  </dgm:styleLbl>
+  <dgm:styleLbl name="parChTrans1D1">
+    <dgm:scene3d>
+      <a:camera prst="orthographicFront"/>
+      <a:lightRig rig="threePt" dir="t"/>
+    </dgm:scene3d>
+    <dgm:sp3d/>
+    <dgm:txPr/>
+    <dgm:style>
+      <a:lnRef idx="2">
+        <a:scrgbClr r="0" g="0" b="0"/>
+      </a:lnRef>
+      <a:fillRef idx="0">
+        <a:scrgbClr r="0" g="0" b="0"/>
+      </a:fillRef>
+      <a:effectRef idx="0">
+        <a:scrgbClr r="0" g="0" b="0"/>
+      </a:effectRef>
+      <a:fontRef idx="minor"/>
+    </dgm:style>
+  </dgm:styleLbl>
+  <dgm:styleLbl name="parChTrans1D2">
+    <dgm:scene3d>
+      <a:camera prst="orthographicFront"/>
+      <a:lightRig rig="threePt" dir="t"/>
+    </dgm:scene3d>
+    <dgm:sp3d/>
+    <dgm:txPr/>
+    <dgm:style>
+      <a:lnRef idx="2">
+        <a:scrgbClr r="0" g="0" b="0"/>
+      </a:lnRef>
+      <a:fillRef idx="0">
+        <a:scrgbClr r="0" g="0" b="0"/>
+      </a:fillRef>
+      <a:effectRef idx="0">
+        <a:scrgbClr r="0" g="0" b="0"/>
+      </a:effectRef>
+      <a:fontRef idx="minor"/>
+    </dgm:style>
+  </dgm:styleLbl>
+  <dgm:styleLbl name="parChTrans1D3">
+    <dgm:scene3d>
+      <a:camera prst="orthographicFront"/>
+      <a:lightRig rig="threePt" dir="t"/>
+    </dgm:scene3d>
+    <dgm:sp3d/>
+    <dgm:txPr/>
+    <dgm:style>
+      <a:lnRef idx="2">
+        <a:scrgbClr r="0" g="0" b="0"/>
+      </a:lnRef>
+      <a:fillRef idx="0">
+        <a:scrgbClr r="0" g="0" b="0"/>
+      </a:fillRef>
+      <a:effectRef idx="0">
+        <a:scrgbClr r="0" g="0" b="0"/>
+      </a:effectRef>
+      <a:fontRef idx="minor"/>
+    </dgm:style>
+  </dgm:styleLbl>
+  <dgm:styleLbl name="parChTrans1D4">
+    <dgm:scene3d>
+      <a:camera prst="orthographicFront"/>
+      <a:lightRig rig="threePt" dir="t"/>
+    </dgm:scene3d>
+    <dgm:sp3d/>
+    <dgm:txPr/>
+    <dgm:style>
+      <a:lnRef idx="2">
+        <a:scrgbClr r="0" g="0" b="0"/>
+      </a:lnRef>
+      <a:fillRef idx="0">
+        <a:scrgbClr r="0" g="0" b="0"/>
+      </a:fillRef>
+      <a:effectRef idx="0">
+        <a:scrgbClr r="0" g="0" b="0"/>
+      </a:effectRef>
+      <a:fontRef idx="minor"/>
+    </dgm:style>
+  </dgm:styleLbl>
+  <dgm:styleLbl name="fgAcc1">
+    <dgm:scene3d>
+      <a:camera prst="orthographicFront"/>
+      <a:lightRig rig="threePt" dir="t"/>
+    </dgm:scene3d>
+    <dgm:sp3d/>
+    <dgm:txPr/>
+    <dgm:style>
+      <a:lnRef idx="2">
+        <a:scrgbClr r="0" g="0" b="0"/>
+      </a:lnRef>
+      <a:fillRef idx="1">
+        <a:scrgbClr r="0" g="0" b="0"/>
+      </a:fillRef>
+      <a:effectRef idx="0">
+        <a:scrgbClr r="0" g="0" b="0"/>
+      </a:effectRef>
+      <a:fontRef idx="minor"/>
+    </dgm:style>
+  </dgm:styleLbl>
+  <dgm:styleLbl name="conFgAcc1">
+    <dgm:scene3d>
+      <a:camera prst="orthographicFront"/>
+      <a:lightRig rig="threePt" dir="t"/>
+    </dgm:scene3d>
+    <dgm:sp3d/>
+    <dgm:txPr/>
+    <dgm:style>
+      <a:lnRef idx="2">
+        <a:scrgbClr r="0" g="0" b="0"/>
+      </a:lnRef>
+      <a:fillRef idx="1">
+        <a:scrgbClr r="0" g="0" b="0"/>
+      </a:fillRef>
+      <a:effectRef idx="0">
+        <a:scrgbClr r="0" g="0" b="0"/>
+      </a:effectRef>
+      <a:fontRef idx="minor"/>
+    </dgm:style>
+  </dgm:styleLbl>
+  <dgm:styleLbl name="alignAcc1">
+    <dgm:scene3d>
+      <a:camera prst="orthographicFront"/>
+      <a:lightRig rig="threePt" dir="t"/>
+    </dgm:scene3d>
+    <dgm:sp3d/>
+    <dgm:txPr/>
+    <dgm:style>
+      <a:lnRef idx="2">
+        <a:scrgbClr r="0" g="0" b="0"/>
+      </a:lnRef>
+      <a:fillRef idx="1">
+        <a:scrgbClr r="0" g="0" b="0"/>
+      </a:fillRef>
+      <a:effectRef idx="0">
+        <a:scrgbClr r="0" g="0" b="0"/>
+      </a:effectRef>
+      <a:fontRef idx="minor"/>
+    </dgm:style>
+  </dgm:styleLbl>
+  <dgm:styleLbl name="trAlignAcc1">
+    <dgm:scene3d>
+      <a:camera prst="orthographicFront"/>
+      <a:lightRig rig="threePt" dir="t"/>
+    </dgm:scene3d>
+    <dgm:sp3d/>
+    <dgm:txPr/>
+    <dgm:style>
+      <a:lnRef idx="1">
+        <a:scrgbClr r="0" g="0" b="0"/>
+      </a:lnRef>
+      <a:fillRef idx="1">
+        <a:scrgbClr r="0" g="0" b="0"/>
+      </a:fillRef>
+      <a:effectRef idx="0">
+        <a:scrgbClr r="0" g="0" b="0"/>
+      </a:effectRef>
+      <a:fontRef idx="minor"/>
+    </dgm:style>
+  </dgm:styleLbl>
+  <dgm:styleLbl name="bgAcc1">
+    <dgm:scene3d>
+      <a:camera prst="orthographicFront"/>
+      <a:lightRig rig="threePt" dir="t"/>
+    </dgm:scene3d>
+    <dgm:sp3d/>
+    <dgm:txPr/>
+    <dgm:style>
+      <a:lnRef idx="2">
+        <a:scrgbClr r="0" g="0" b="0"/>
+      </a:lnRef>
+      <a:fillRef idx="1">
+        <a:scrgbClr r="0" g="0" b="0"/>
+      </a:fillRef>
+      <a:effectRef idx="0">
+        <a:scrgbClr r="0" g="0" b="0"/>
+      </a:effectRef>
+      <a:fontRef idx="minor"/>
+    </dgm:style>
+  </dgm:styleLbl>
+  <dgm:styleLbl name="solidFgAcc1">
+    <dgm:scene3d>
+      <a:camera prst="orthographicFront"/>
+      <a:lightRig rig="threePt" dir="t"/>
+    </dgm:scene3d>
+    <dgm:sp3d/>
+    <dgm:txPr/>
+    <dgm:style>
+      <a:lnRef idx="2">
+        <a:scrgbClr r="0" g="0" b="0"/>
+      </a:lnRef>
+      <a:fillRef idx="1">
+        <a:scrgbClr r="0" g="0" b="0"/>
+      </a:fillRef>
+      <a:effectRef idx="0">
+        <a:scrgbClr r="0" g="0" b="0"/>
+      </a:effectRef>
+      <a:fontRef idx="minor"/>
+    </dgm:style>
+  </dgm:styleLbl>
+  <dgm:styleLbl name="solidAlignAcc1">
+    <dgm:scene3d>
+      <a:camera prst="orthographicFront"/>
+      <a:lightRig rig="threePt" dir="t"/>
+    </dgm:scene3d>
+    <dgm:sp3d/>
+    <dgm:txPr/>
+    <dgm:style>
+      <a:lnRef idx="2">
+        <a:scrgbClr r="0" g="0" b="0"/>
+      </a:lnRef>
+      <a:fillRef idx="1">
+        <a:scrgbClr r="0" g="0" b="0"/>
+      </a:fillRef>
+      <a:effectRef idx="0">
+        <a:scrgbClr r="0" g="0" b="0"/>
+      </a:effectRef>
+      <a:fontRef idx="minor"/>
+    </dgm:style>
+  </dgm:styleLbl>
+  <dgm:styleLbl name="solidBgAcc1">
+    <dgm:scene3d>
+      <a:camera prst="orthographicFront"/>
+      <a:lightRig rig="threePt" dir="t"/>
+    </dgm:scene3d>
+    <dgm:sp3d/>
+    <dgm:txPr/>
+    <dgm:style>
+      <a:lnRef idx="2">
+        <a:scrgbClr r="0" g="0" b="0"/>
+      </a:lnRef>
+      <a:fillRef idx="1">
+        <a:scrgbClr r="0" g="0" b="0"/>
+      </a:fillRef>
+      <a:effectRef idx="0">
+        <a:scrgbClr r="0" g="0" b="0"/>
+      </a:effectRef>
+      <a:fontRef idx="minor"/>
+    </dgm:style>
+  </dgm:styleLbl>
+  <dgm:styleLbl name="fgAccFollowNode1">
+    <dgm:scene3d>
+      <a:camera prst="orthographicFront"/>
+      <a:lightRig rig="threePt" dir="t"/>
+    </dgm:scene3d>
+    <dgm:sp3d/>
+    <dgm:txPr/>
+    <dgm:style>
+      <a:lnRef idx="2">
+        <a:scrgbClr r="0" g="0" b="0"/>
+      </a:lnRef>
+      <a:fillRef idx="1">
+        <a:scrgbClr r="0" g="0" b="0"/>
+      </a:fillRef>
+      <a:effectRef idx="0">
+        <a:scrgbClr r="0" g="0" b="0"/>
+      </a:effectRef>
+      <a:fontRef idx="minor"/>
+    </dgm:style>
+  </dgm:styleLbl>
+  <dgm:styleLbl name="alignAccFollowNode1">
+    <dgm:scene3d>
+      <a:camera prst="orthographicFront"/>
+      <a:lightRig rig="threePt" dir="t"/>
+    </dgm:scene3d>
+    <dgm:sp3d/>
+    <dgm:txPr/>
+    <dgm:style>
+      <a:lnRef idx="2">
+        <a:scrgbClr r="0" g="0" b="0"/>
+      </a:lnRef>
+      <a:fillRef idx="1">
+        <a:scrgbClr r="0" g="0" b="0"/>
+      </a:fillRef>
+      <a:effectRef idx="0">
+        <a:scrgbClr r="0" g="0" b="0"/>
+      </a:effectRef>
+      <a:fontRef idx="minor"/>
+    </dgm:style>
+  </dgm:styleLbl>
+  <dgm:styleLbl name="bgAccFollowNode1">
+    <dgm:scene3d>
+      <a:camera prst="orthographicFront"/>
+      <a:lightRig rig="threePt" dir="t"/>
+    </dgm:scene3d>
+    <dgm:sp3d/>
+    <dgm:txPr/>
+    <dgm:style>
+      <a:lnRef idx="2">
+        <a:scrgbClr r="0" g="0" b="0"/>
+      </a:lnRef>
+      <a:fillRef idx="1">
+        <a:scrgbClr r="0" g="0" b="0"/>
+      </a:fillRef>
+      <a:effectRef idx="0">
+        <a:scrgbClr r="0" g="0" b="0"/>
+      </a:effectRef>
+      <a:fontRef idx="minor"/>
+    </dgm:style>
+  </dgm:styleLbl>
+  <dgm:styleLbl name="fgAcc0">
+    <dgm:scene3d>
+      <a:camera prst="orthographicFront"/>
+      <a:lightRig rig="threePt" dir="t"/>
+    </dgm:scene3d>
+    <dgm:sp3d/>
+    <dgm:txPr/>
+    <dgm:style>
+      <a:lnRef idx="2">
+        <a:scrgbClr r="0" g="0" b="0"/>
+      </a:lnRef>
+      <a:fillRef idx="1">
+        <a:scrgbClr r="0" g="0" b="0"/>
+      </a:fillRef>
+      <a:effectRef idx="0">
+        <a:scrgbClr r="0" g="0" b="0"/>
+      </a:effectRef>
+      <a:fontRef idx="minor"/>
+    </dgm:style>
+  </dgm:styleLbl>
+  <dgm:styleLbl name="fgAcc2">
+    <dgm:scene3d>
+      <a:camera prst="orthographicFront"/>
+      <a:lightRig rig="threePt" dir="t"/>
+    </dgm:scene3d>
+    <dgm:sp3d/>
+    <dgm:txPr/>
+    <dgm:style>
+      <a:lnRef idx="2">
+        <a:scrgbClr r="0" g="0" b="0"/>
+      </a:lnRef>
+      <a:fillRef idx="1">
+        <a:scrgbClr r="0" g="0" b="0"/>
+      </a:fillRef>
+      <a:effectRef idx="0">
+        <a:scrgbClr r="0" g="0" b="0"/>
+      </a:effectRef>
+      <a:fontRef idx="minor"/>
+    </dgm:style>
+  </dgm:styleLbl>
+  <dgm:styleLbl name="fgAcc3">
+    <dgm:scene3d>
+      <a:camera prst="orthographicFront"/>
+      <a:lightRig rig="threePt" dir="t"/>
+    </dgm:scene3d>
+    <dgm:sp3d/>
+    <dgm:txPr/>
+    <dgm:style>
+      <a:lnRef idx="2">
+        <a:scrgbClr r="0" g="0" b="0"/>
+      </a:lnRef>
+      <a:fillRef idx="1">
+        <a:scrgbClr r="0" g="0" b="0"/>
+      </a:fillRef>
+      <a:effectRef idx="0">
+        <a:scrgbClr r="0" g="0" b="0"/>
+      </a:effectRef>
+      <a:fontRef idx="minor"/>
+    </dgm:style>
+  </dgm:styleLbl>
+  <dgm:styleLbl name="fgAcc4">
+    <dgm:scene3d>
+      <a:camera prst="orthographicFront"/>
+      <a:lightRig rig="threePt" dir="t"/>
+    </dgm:scene3d>
+    <dgm:sp3d/>
+    <dgm:txPr/>
+    <dgm:style>
+      <a:lnRef idx="2">
+        <a:scrgbClr r="0" g="0" b="0"/>
+      </a:lnRef>
+      <a:fillRef idx="1">
+        <a:scrgbClr r="0" g="0" b="0"/>
+      </a:fillRef>
+      <a:effectRef idx="0">
+        <a:scrgbClr r="0" g="0" b="0"/>
+      </a:effectRef>
+      <a:fontRef idx="minor"/>
+    </dgm:style>
+  </dgm:styleLbl>
+  <dgm:styleLbl name="bgShp">
+    <dgm:scene3d>
+      <a:camera prst="orthographicFront"/>
+      <a:lightRig rig="threePt" dir="t"/>
+    </dgm:scene3d>
+    <dgm:sp3d/>
+    <dgm:txPr/>
+    <dgm:style>
+      <a:lnRef idx="0">
+        <a:scrgbClr r="0" g="0" b="0"/>
+      </a:lnRef>
+      <a:fillRef idx="1">
+        <a:scrgbClr r="0" g="0" b="0"/>
+      </a:fillRef>
+      <a:effectRef idx="0">
+        <a:scrgbClr r="0" g="0" b="0"/>
+      </a:effectRef>
+      <a:fontRef idx="minor"/>
+    </dgm:style>
+  </dgm:styleLbl>
+  <dgm:styleLbl name="dkBgShp">
+    <dgm:scene3d>
+      <a:camera prst="orthographicFront"/>
+      <a:lightRig rig="threePt" dir="t"/>
+    </dgm:scene3d>
+    <dgm:sp3d/>
+    <dgm:txPr/>
+    <dgm:style>
+      <a:lnRef idx="0">
+        <a:scrgbClr r="0" g="0" b="0"/>
+      </a:lnRef>
+      <a:fillRef idx="1">
+        <a:scrgbClr r="0" g="0" b="0"/>
+      </a:fillRef>
+      <a:effectRef idx="0">
+        <a:scrgbClr r="0" g="0" b="0"/>
+      </a:effectRef>
+      <a:fontRef idx="minor"/>
+    </dgm:style>
+  </dgm:styleLbl>
+  <dgm:styleLbl name="trBgShp">
+    <dgm:scene3d>
+      <a:camera prst="orthographicFront"/>
+      <a:lightRig rig="threePt" dir="t"/>
+    </dgm:scene3d>
+    <dgm:sp3d/>
+    <dgm:txPr/>
+    <dgm:style>
+      <a:lnRef idx="0">
+        <a:scrgbClr r="0" g="0" b="0"/>
+      </a:lnRef>
+      <a:fillRef idx="1">
+        <a:scrgbClr r="0" g="0" b="0"/>
+      </a:fillRef>
+      <a:effectRef idx="0">
+        <a:scrgbClr r="0" g="0" b="0"/>
+      </a:effectRef>
+      <a:fontRef idx="minor"/>
+    </dgm:style>
+  </dgm:styleLbl>
+  <dgm:styleLbl name="fgShp">
+    <dgm:scene3d>
+      <a:camera prst="orthographicFront"/>
+      <a:lightRig rig="threePt" dir="t"/>
+    </dgm:scene3d>
+    <dgm:sp3d/>
+    <dgm:txPr/>
+    <dgm:style>
+      <a:lnRef idx="2">
+        <a:scrgbClr r="0" g="0" b="0"/>
+      </a:lnRef>
+      <a:fillRef idx="1">
+        <a:scrgbClr r="0" g="0" b="0"/>
+      </a:fillRef>
+      <a:effectRef idx="0">
+        <a:scrgbClr r="0" g="0" b="0"/>
+      </a:effectRef>
+      <a:fontRef idx="minor"/>
+    </dgm:style>
+  </dgm:styleLbl>
+  <dgm:styleLbl name="revTx">
+    <dgm:scene3d>
+      <a:camera prst="orthographicFront"/>
+      <a:lightRig rig="threePt" dir="t"/>
+    </dgm:scene3d>
+    <dgm:sp3d/>
+    <dgm:txPr/>
+    <dgm:style>
+      <a:lnRef idx="0">
+        <a:scrgbClr r="0" g="0" b="0"/>
+      </a:lnRef>
+      <a:fillRef idx="0">
+        <a:scrgbClr r="0" g="0" b="0"/>
+      </a:fillRef>
+      <a:effectRef idx="0">
+        <a:scrgbClr r="0" g="0" b="0"/>
+      </a:effectRef>
+      <a:fontRef idx="minor"/>
+    </dgm:style>
+  </dgm:styleLbl>
+</dgm:styleDef>
 </file>
 
 <file path=ppt/notesMasters/notesMaster1.xml><?xml version="1.0" encoding="utf-8"?>
@@ -6072,9 +8815,10 @@
               <a:buNone/>
             </a:pPr>
             <a:r>
-              <a:rPr lang="sv"/>
-              <a:t>Presentera oss själva, exjobbet och Modelon</a:t>
+              <a:rPr lang="en-US" dirty="0"/>
+              <a:t>Safe regression test selection for Modelica</a:t>
             </a:r>
+            <a:endParaRPr lang="sv" dirty="0"/>
           </a:p>
         </p:txBody>
       </p:sp>
@@ -6109,7 +8853,11 @@
               </a:spcBef>
               <a:buNone/>
             </a:pPr>
-            <a:endParaRPr/>
+            <a:r>
+              <a:rPr lang="sv-SE" dirty="0"/>
+              <a:t>By Erik Hedblom and Kasper Rundquist</a:t>
+            </a:r>
+            <a:endParaRPr dirty="0"/>
           </a:p>
         </p:txBody>
       </p:sp>
@@ -6201,13 +8949,26 @@
           </a:bodyPr>
           <a:lstStyle/>
           <a:p>
-            <a:pPr lvl="0">
-              <a:spcBef>
-                <a:spcPts val="0"/>
-              </a:spcBef>
-              <a:buNone/>
-            </a:pPr>
-            <a:endParaRPr/>
+            <a:pPr marL="285750" indent="-285750"/>
+            <a:r>
+              <a:rPr lang="sv-SE" dirty="0"/>
+              <a:t>Run testselection in paralell with complete testsuite</a:t>
+            </a:r>
+          </a:p>
+          <a:p>
+            <a:pPr marL="285750" indent="-285750"/>
+            <a:r>
+              <a:rPr lang="sv-SE" dirty="0"/>
+              <a:t>Mutation testing</a:t>
+            </a:r>
+          </a:p>
+          <a:p>
+            <a:pPr marL="285750" indent="-285750"/>
+            <a:r>
+              <a:rPr lang="sv-SE" dirty="0"/>
+              <a:t>Move implementation to instance tree?</a:t>
+            </a:r>
+            <a:endParaRPr dirty="0"/>
           </a:p>
         </p:txBody>
       </p:sp>
@@ -6405,8 +9166,8 @@
         </p:nvSpPr>
         <p:spPr>
           <a:xfrm>
-            <a:off x="0" y="785525"/>
-            <a:ext cx="5321100" cy="4187100"/>
+            <a:off x="-1" y="785525"/>
+            <a:ext cx="5473051" cy="4187100"/>
           </a:xfrm>
           <a:prstGeom prst="rect">
             <a:avLst/>
@@ -6431,7 +9192,7 @@
               <a:buNone/>
             </a:pPr>
             <a:r>
-              <a:rPr lang="sv" sz="1200" b="1">
+              <a:rPr lang="sv" sz="1200" b="1" dirty="0">
                 <a:solidFill>
                   <a:srgbClr val="0000FF"/>
                 </a:solidFill>
@@ -6443,7 +9204,7 @@
               <a:t>model</a:t>
             </a:r>
             <a:r>
-              <a:rPr lang="sv" sz="1200">
+              <a:rPr lang="sv" sz="1200" dirty="0">
                 <a:solidFill>
                   <a:srgbClr val="000000"/>
                 </a:solidFill>
@@ -6455,7 +9216,7 @@
               <a:t> BouncingBall </a:t>
             </a:r>
             <a:r>
-              <a:rPr lang="sv" sz="1200">
+              <a:rPr lang="sv" sz="1200" dirty="0">
                 <a:solidFill>
                   <a:srgbClr val="38761D"/>
                 </a:solidFill>
@@ -6481,7 +9242,7 @@
               <a:buNone/>
             </a:pPr>
             <a:r>
-              <a:rPr lang="sv" sz="1200">
+              <a:rPr lang="sv" sz="1200" dirty="0">
                 <a:solidFill>
                   <a:srgbClr val="000000"/>
                 </a:solidFill>
@@ -6493,7 +9254,7 @@
               <a:t>  </a:t>
             </a:r>
             <a:r>
-              <a:rPr lang="sv" sz="1200" b="1">
+              <a:rPr lang="sv" sz="1200" b="1" dirty="0">
                 <a:solidFill>
                   <a:srgbClr val="0000FF"/>
                 </a:solidFill>
@@ -6505,7 +9266,7 @@
               <a:t>parameter</a:t>
             </a:r>
             <a:r>
-              <a:rPr lang="sv" sz="1200">
+              <a:rPr lang="sv" sz="1200" dirty="0">
                 <a:solidFill>
                   <a:srgbClr val="000000"/>
                 </a:solidFill>
@@ -6517,7 +9278,7 @@
               <a:t> Real e = 0.8; </a:t>
             </a:r>
             <a:r>
-              <a:rPr lang="sv" sz="1200">
+              <a:rPr lang="sv" sz="1200" dirty="0">
                 <a:solidFill>
                   <a:srgbClr val="38761D"/>
                 </a:solidFill>
@@ -6543,7 +9304,7 @@
               <a:buNone/>
             </a:pPr>
             <a:r>
-              <a:rPr lang="sv" sz="1200">
+              <a:rPr lang="sv" sz="1200" dirty="0">
                 <a:solidFill>
                   <a:srgbClr val="000000"/>
                 </a:solidFill>
@@ -6555,7 +9316,7 @@
               <a:t>  </a:t>
             </a:r>
             <a:r>
-              <a:rPr lang="sv" sz="1200" b="1">
+              <a:rPr lang="sv" sz="1200" b="1" dirty="0">
                 <a:solidFill>
                   <a:srgbClr val="0000FF"/>
                 </a:solidFill>
@@ -6567,7 +9328,7 @@
               <a:t>parameter</a:t>
             </a:r>
             <a:r>
-              <a:rPr lang="sv" sz="1200">
+              <a:rPr lang="sv" sz="1200" dirty="0">
                 <a:solidFill>
                   <a:srgbClr val="000000"/>
                 </a:solidFill>
@@ -6579,7 +9340,7 @@
               <a:t> Real g = 9.81; </a:t>
             </a:r>
             <a:r>
-              <a:rPr lang="sv" sz="1200">
+              <a:rPr lang="sv" sz="1200" dirty="0">
                 <a:solidFill>
                   <a:srgbClr val="38761D"/>
                 </a:solidFill>
@@ -6605,7 +9366,7 @@
               <a:buNone/>
             </a:pPr>
             <a:r>
-              <a:rPr lang="sv" sz="1200">
+              <a:rPr lang="sv" sz="1200" dirty="0">
                 <a:solidFill>
                   <a:srgbClr val="000000"/>
                 </a:solidFill>
@@ -6617,7 +9378,7 @@
               <a:t>  Height h(start=1); </a:t>
             </a:r>
             <a:r>
-              <a:rPr lang="sv" sz="1200">
+              <a:rPr lang="sv" sz="1200" dirty="0">
                 <a:solidFill>
                   <a:srgbClr val="38761D"/>
                 </a:solidFill>
@@ -6643,7 +9404,7 @@
               <a:buNone/>
             </a:pPr>
             <a:r>
-              <a:rPr lang="sv" sz="1200">
+              <a:rPr lang="sv" sz="1200" dirty="0">
                 <a:solidFill>
                   <a:srgbClr val="000000"/>
                 </a:solidFill>
@@ -6655,7 +9416,7 @@
               <a:t>  Velocity v(start=0); </a:t>
             </a:r>
             <a:r>
-              <a:rPr lang="sv" sz="1200">
+              <a:rPr lang="sv" sz="1200" dirty="0">
                 <a:solidFill>
                   <a:srgbClr val="38761D"/>
                 </a:solidFill>
@@ -6681,7 +9442,7 @@
               <a:buNone/>
             </a:pPr>
             <a:r>
-              <a:rPr lang="sv" sz="1200" b="1">
+              <a:rPr lang="sv" sz="1200" b="1" dirty="0">
                 <a:solidFill>
                   <a:srgbClr val="0000FF"/>
                 </a:solidFill>
@@ -6707,7 +9468,7 @@
               <a:buNone/>
             </a:pPr>
             <a:r>
-              <a:rPr lang="sv" sz="1200">
+              <a:rPr lang="sv" sz="1200" dirty="0">
                 <a:solidFill>
                   <a:srgbClr val="000000"/>
                 </a:solidFill>
@@ -6719,7 +9480,7 @@
               <a:t>  </a:t>
             </a:r>
             <a:r>
-              <a:rPr lang="sv" sz="1200" b="1">
+              <a:rPr lang="sv" sz="1200" b="1" dirty="0">
                 <a:solidFill>
                   <a:srgbClr val="0000FF"/>
                 </a:solidFill>
@@ -6731,7 +9492,7 @@
               <a:t>der</a:t>
             </a:r>
             <a:r>
-              <a:rPr lang="sv" sz="1200">
+              <a:rPr lang="sv" sz="1200" dirty="0">
                 <a:solidFill>
                   <a:srgbClr val="000000"/>
                 </a:solidFill>
@@ -6743,7 +9504,7 @@
               <a:t>(h) = v; </a:t>
             </a:r>
             <a:r>
-              <a:rPr lang="sv" sz="1200">
+              <a:rPr lang="sv" sz="1200" dirty="0">
                 <a:solidFill>
                   <a:srgbClr val="38761D"/>
                 </a:solidFill>
@@ -6769,7 +9530,7 @@
               <a:buNone/>
             </a:pPr>
             <a:r>
-              <a:rPr lang="sv" sz="1200">
+              <a:rPr lang="sv" sz="1200" dirty="0">
                 <a:solidFill>
                   <a:srgbClr val="000000"/>
                 </a:solidFill>
@@ -6781,7 +9542,7 @@
               <a:t>  </a:t>
             </a:r>
             <a:r>
-              <a:rPr lang="sv" sz="1200" b="1">
+              <a:rPr lang="sv" sz="1200" b="1" dirty="0">
                 <a:solidFill>
                   <a:srgbClr val="0000FF"/>
                 </a:solidFill>
@@ -6793,7 +9554,7 @@
               <a:t>der</a:t>
             </a:r>
             <a:r>
-              <a:rPr lang="sv" sz="1200">
+              <a:rPr lang="sv" sz="1200" dirty="0">
                 <a:solidFill>
                   <a:srgbClr val="000000"/>
                 </a:solidFill>
@@ -6819,7 +9580,7 @@
               <a:buNone/>
             </a:pPr>
             <a:r>
-              <a:rPr lang="sv" sz="1200">
+              <a:rPr lang="sv" sz="1200" dirty="0">
                 <a:solidFill>
                   <a:srgbClr val="000000"/>
                 </a:solidFill>
@@ -6831,7 +9592,7 @@
               <a:t>  </a:t>
             </a:r>
             <a:r>
-              <a:rPr lang="sv" sz="1200" b="1">
+              <a:rPr lang="sv" sz="1200" b="1" dirty="0">
                 <a:solidFill>
                   <a:srgbClr val="0000FF"/>
                 </a:solidFill>
@@ -6843,7 +9604,7 @@
               <a:t>when</a:t>
             </a:r>
             <a:r>
-              <a:rPr lang="sv" sz="1200">
+              <a:rPr lang="sv" sz="1200" dirty="0">
                 <a:solidFill>
                   <a:srgbClr val="000000"/>
                 </a:solidFill>
@@ -6855,7 +9616,7 @@
               <a:t> h &lt;= 0 </a:t>
             </a:r>
             <a:r>
-              <a:rPr lang="sv" sz="1200" b="1">
+              <a:rPr lang="sv" sz="1200" b="1" dirty="0">
                 <a:solidFill>
                   <a:srgbClr val="0000FF"/>
                 </a:solidFill>
@@ -6881,7 +9642,7 @@
               <a:buNone/>
             </a:pPr>
             <a:r>
-              <a:rPr lang="sv" sz="1200">
+              <a:rPr lang="sv" sz="1200" dirty="0">
                 <a:solidFill>
                   <a:srgbClr val="000000"/>
                 </a:solidFill>
@@ -6893,7 +9654,7 @@
               <a:t>    reinit(v, -e*pre(v)); </a:t>
             </a:r>
             <a:r>
-              <a:rPr lang="sv" sz="1200">
+              <a:rPr lang="sv" sz="1200" dirty="0">
                 <a:solidFill>
                   <a:srgbClr val="38761D"/>
                 </a:solidFill>
@@ -6919,7 +9680,7 @@
               <a:buNone/>
             </a:pPr>
             <a:r>
-              <a:rPr lang="sv" sz="1200">
+              <a:rPr lang="sv" sz="1200" dirty="0">
                 <a:solidFill>
                   <a:srgbClr val="000000"/>
                 </a:solidFill>
@@ -6931,7 +9692,7 @@
               <a:t>  </a:t>
             </a:r>
             <a:r>
-              <a:rPr lang="sv" sz="1200" b="1">
+              <a:rPr lang="sv" sz="1200" b="1" dirty="0">
                 <a:solidFill>
                   <a:srgbClr val="0000FF"/>
                 </a:solidFill>
@@ -6943,7 +9704,7 @@
               <a:t>end when</a:t>
             </a:r>
             <a:r>
-              <a:rPr lang="sv" sz="1200">
+              <a:rPr lang="sv" sz="1200" dirty="0">
                 <a:solidFill>
                   <a:srgbClr val="000000"/>
                 </a:solidFill>
@@ -6969,7 +9730,7 @@
               <a:buNone/>
             </a:pPr>
             <a:r>
-              <a:rPr lang="sv" sz="1200" b="1">
+              <a:rPr lang="sv" sz="1200" b="1" dirty="0">
                 <a:solidFill>
                   <a:srgbClr val="0000FF"/>
                 </a:solidFill>
@@ -6981,7 +9742,7 @@
               <a:t>end</a:t>
             </a:r>
             <a:r>
-              <a:rPr lang="sv" sz="1200">
+              <a:rPr lang="sv" sz="1200" dirty="0">
                 <a:solidFill>
                   <a:srgbClr val="000000"/>
                 </a:solidFill>
@@ -7000,7 +9761,7 @@
               </a:spcBef>
               <a:buNone/>
             </a:pPr>
-            <a:endParaRPr/>
+            <a:endParaRPr dirty="0"/>
           </a:p>
         </p:txBody>
       </p:sp>
@@ -7061,8 +9822,16 @@
               <a:buNone/>
             </a:pPr>
             <a:r>
-              <a:rPr lang="sv"/>
-              <a:t>OCT JModelica.org</a:t>
+              <a:rPr lang="sv" dirty="0"/>
+              <a:t>O</a:t>
+            </a:r>
+            <a:r>
+              <a:rPr lang="en-US" dirty="0"/>
+              <a:t>PTIMICA Compiler Toolkit and</a:t>
+            </a:r>
+            <a:r>
+              <a:rPr lang="sv" dirty="0"/>
+              <a:t> JModelica.org</a:t>
             </a:r>
           </a:p>
         </p:txBody>
@@ -7159,9 +9928,10 @@
               <a:buNone/>
             </a:pPr>
             <a:r>
-              <a:rPr lang="sv"/>
-              <a:t>MTT</a:t>
+              <a:rPr lang="en-US" dirty="0"/>
+              <a:t>Model Testing Toolkit</a:t>
             </a:r>
+            <a:endParaRPr lang="sv" dirty="0"/>
           </a:p>
         </p:txBody>
       </p:sp>
@@ -7196,10 +9966,38 @@
               </a:spcBef>
               <a:buNone/>
             </a:pPr>
-            <a:endParaRPr/>
+            <a:endParaRPr dirty="0"/>
           </a:p>
         </p:txBody>
       </p:sp>
+      <p:graphicFrame>
+        <p:nvGraphicFramePr>
+          <p:cNvPr id="2" name="Diagram 1">
+            <a:extLst>
+              <a:ext uri="{FF2B5EF4-FFF2-40B4-BE49-F238E27FC236}">
+                <a16:creationId xmlns:a16="http://schemas.microsoft.com/office/drawing/2014/main" id="{4A771E42-F786-4BB0-97DF-833B5A14CE91}"/>
+              </a:ext>
+            </a:extLst>
+          </p:cNvPr>
+          <p:cNvGraphicFramePr/>
+          <p:nvPr>
+            <p:extLst>
+              <p:ext uri="{D42A27DB-BD31-4B8C-83A1-F6EECF244321}">
+                <p14:modId xmlns:p14="http://schemas.microsoft.com/office/powerpoint/2010/main" val="2312780197"/>
+              </p:ext>
+            </p:extLst>
+          </p:nvPr>
+        </p:nvGraphicFramePr>
+        <p:xfrm>
+          <a:off x="1524000" y="539750"/>
+          <a:ext cx="6096000" cy="4064000"/>
+        </p:xfrm>
+        <a:graphic>
+          <a:graphicData uri="http://schemas.openxmlformats.org/drawingml/2006/diagram">
+            <dgm:relIds xmlns:dgm="http://schemas.openxmlformats.org/drawingml/2006/diagram" xmlns:r="http://schemas.openxmlformats.org/officeDocument/2006/relationships" r:dm="rId3" r:lo="rId4" r:qs="rId5" r:cs="rId6"/>
+          </a:graphicData>
+        </a:graphic>
+      </p:graphicFrame>
     </p:spTree>
   </p:cSld>
   <p:clrMapOvr>
@@ -7236,10 +10034,6 @@
           </p:nvPr>
         </p:nvSpPr>
         <p:spPr>
-          <a:xfrm>
-            <a:off x="471900" y="738725"/>
-            <a:ext cx="8222100" cy="767700"/>
-          </a:xfrm>
           <a:prstGeom prst="rect">
             <a:avLst/>
           </a:prstGeom>
@@ -7257,9 +10051,10 @@
               <a:buNone/>
             </a:pPr>
             <a:r>
-              <a:rPr lang="sv"/>
-              <a:t>Regler</a:t>
+              <a:rPr lang="en-US" dirty="0"/>
+              <a:t>Dependency rules</a:t>
             </a:r>
+            <a:endParaRPr lang="sv" dirty="0"/>
           </a:p>
         </p:txBody>
       </p:sp>
@@ -7270,13 +10065,13 @@
             <a:spLocks noGrp="1"/>
           </p:cNvSpPr>
           <p:nvPr>
-            <p:ph type="body" idx="1"/>
+            <p:ph type="body" idx="4294967295"/>
           </p:nvPr>
         </p:nvSpPr>
         <p:spPr>
           <a:xfrm>
-            <a:off x="471900" y="1919075"/>
-            <a:ext cx="8222100" cy="2710200"/>
+            <a:off x="166861" y="619050"/>
+            <a:ext cx="8977139" cy="4449357"/>
           </a:xfrm>
           <a:prstGeom prst="rect">
             <a:avLst/>
@@ -7288,13 +10083,61 @@
           </a:bodyPr>
           <a:lstStyle/>
           <a:p>
-            <a:pPr lvl="0">
-              <a:spcBef>
-                <a:spcPts val="0"/>
-              </a:spcBef>
-              <a:buNone/>
+            <a:pPr marL="342900" lvl="0" indent="-342900">
+              <a:buFont typeface="+mj-lt"/>
+              <a:buAutoNum type="arabicPeriod"/>
             </a:pPr>
-            <a:endParaRPr/>
+            <a:r>
+              <a:rPr lang="en-US" dirty="0"/>
+              <a:t>A class depends on all classes referenced by resolvable accesses within it, not including accesses within paths.</a:t>
+            </a:r>
+          </a:p>
+          <a:p>
+            <a:pPr marL="342900" lvl="0" indent="-342900">
+              <a:buFont typeface="+mj-lt"/>
+              <a:buAutoNum type="arabicPeriod"/>
+            </a:pPr>
+            <a:r>
+              <a:rPr lang="en-US" dirty="0"/>
+              <a:t>A class depends on its enclosing class.</a:t>
+            </a:r>
+          </a:p>
+          <a:p>
+            <a:pPr marL="342900" lvl="0" indent="-342900">
+              <a:buFont typeface="+mj-lt"/>
+              <a:buAutoNum type="arabicPeriod"/>
+            </a:pPr>
+            <a:r>
+              <a:rPr lang="en-US" dirty="0"/>
+              <a:t>A class depends on all classes referenced by access paths within it. A unresolvable access can still contain resolvable accesses within its path.</a:t>
+            </a:r>
+          </a:p>
+          <a:p>
+            <a:pPr marL="342900" lvl="0" indent="-342900">
+              <a:buFont typeface="+mj-lt"/>
+              <a:buAutoNum type="arabicPeriod"/>
+            </a:pPr>
+            <a:r>
+              <a:rPr lang="en-US" dirty="0"/>
+              <a:t>A class depends on all classes enclosed by an accessed class. This does not include access within paths but if an access is not resolvable, the last resolvable access in the path will be used instead. For example, class A contains an access to class B, and B contains the class C, then A will depend on C. Furthermore, if class C contains the class D, A will depend on D as well.</a:t>
+            </a:r>
+          </a:p>
+          <a:p>
+            <a:pPr marL="342900" lvl="0" indent="-342900">
+              <a:buFont typeface="+mj-lt"/>
+              <a:buAutoNum type="arabicPeriod"/>
+            </a:pPr>
+            <a:r>
+              <a:rPr lang="en-US" dirty="0"/>
+              <a:t>Exception to Rule 4: Rule 4 is not applicable to import statements.</a:t>
+            </a:r>
+          </a:p>
+          <a:p>
+            <a:pPr marL="342900" lvl="0" indent="-342900">
+              <a:buFont typeface="+mj-lt"/>
+              <a:buAutoNum type="arabicPeriod"/>
+            </a:pPr>
+            <a:endParaRPr dirty="0"/>
           </a:p>
         </p:txBody>
       </p:sp>

--- a/Exjobbspresentation.pptx
+++ b/Exjobbspresentation.pptx
@@ -10326,10 +10326,154 @@
               </a:spcBef>
               <a:buNone/>
             </a:pPr>
-            <a:endParaRPr/>
+            <a:endParaRPr dirty="0"/>
           </a:p>
         </p:txBody>
       </p:sp>
+      <p:pic>
+        <p:nvPicPr>
+          <p:cNvPr id="3" name="Bild 2">
+            <a:extLst>
+              <a:ext uri="{FF2B5EF4-FFF2-40B4-BE49-F238E27FC236}">
+                <a16:creationId xmlns:a16="http://schemas.microsoft.com/office/drawing/2014/main" id="{1D35305D-9F40-4DD2-A34E-7FF6E1C37A22}"/>
+              </a:ext>
+            </a:extLst>
+          </p:cNvPr>
+          <p:cNvPicPr>
+            <a:picLocks noChangeAspect="1"/>
+          </p:cNvPicPr>
+          <p:nvPr/>
+        </p:nvPicPr>
+        <p:blipFill>
+          <a:blip r:embed="rId3">
+            <a:extLst>
+              <a:ext uri="{96DAC541-7B7A-43D3-8B79-37D633B846F1}">
+                <asvg:svgBlip xmlns:asvg="http://schemas.microsoft.com/office/drawing/2016/SVG/main" r:embed="rId4"/>
+              </a:ext>
+            </a:extLst>
+          </a:blip>
+          <a:stretch>
+            <a:fillRect/>
+          </a:stretch>
+        </p:blipFill>
+        <p:spPr>
+          <a:xfrm>
+            <a:off x="0" y="0"/>
+            <a:ext cx="4585349" cy="2579259"/>
+          </a:xfrm>
+          <a:prstGeom prst="rect">
+            <a:avLst/>
+          </a:prstGeom>
+        </p:spPr>
+      </p:pic>
+      <p:pic>
+        <p:nvPicPr>
+          <p:cNvPr id="5" name="Bild 4">
+            <a:extLst>
+              <a:ext uri="{FF2B5EF4-FFF2-40B4-BE49-F238E27FC236}">
+                <a16:creationId xmlns:a16="http://schemas.microsoft.com/office/drawing/2014/main" id="{24002787-C252-4AD8-89C2-CB4C0142BF52}"/>
+              </a:ext>
+            </a:extLst>
+          </p:cNvPr>
+          <p:cNvPicPr>
+            <a:picLocks noChangeAspect="1"/>
+          </p:cNvPicPr>
+          <p:nvPr/>
+        </p:nvPicPr>
+        <p:blipFill>
+          <a:blip r:embed="rId5">
+            <a:extLst>
+              <a:ext uri="{96DAC541-7B7A-43D3-8B79-37D633B846F1}">
+                <asvg:svgBlip xmlns:asvg="http://schemas.microsoft.com/office/drawing/2016/SVG/main" r:embed="rId6"/>
+              </a:ext>
+            </a:extLst>
+          </a:blip>
+          <a:stretch>
+            <a:fillRect/>
+          </a:stretch>
+        </p:blipFill>
+        <p:spPr>
+          <a:xfrm>
+            <a:off x="0" y="2579258"/>
+            <a:ext cx="4558651" cy="2564241"/>
+          </a:xfrm>
+          <a:prstGeom prst="rect">
+            <a:avLst/>
+          </a:prstGeom>
+        </p:spPr>
+      </p:pic>
+      <p:pic>
+        <p:nvPicPr>
+          <p:cNvPr id="7" name="Bild 6">
+            <a:extLst>
+              <a:ext uri="{FF2B5EF4-FFF2-40B4-BE49-F238E27FC236}">
+                <a16:creationId xmlns:a16="http://schemas.microsoft.com/office/drawing/2014/main" id="{D168B5DB-4061-4145-B9DD-861FA1EF8394}"/>
+              </a:ext>
+            </a:extLst>
+          </p:cNvPr>
+          <p:cNvPicPr>
+            <a:picLocks noChangeAspect="1"/>
+          </p:cNvPicPr>
+          <p:nvPr/>
+        </p:nvPicPr>
+        <p:blipFill>
+          <a:blip r:embed="rId7">
+            <a:extLst>
+              <a:ext uri="{96DAC541-7B7A-43D3-8B79-37D633B846F1}">
+                <asvg:svgBlip xmlns:asvg="http://schemas.microsoft.com/office/drawing/2016/SVG/main" r:embed="rId8"/>
+              </a:ext>
+            </a:extLst>
+          </a:blip>
+          <a:stretch>
+            <a:fillRect/>
+          </a:stretch>
+        </p:blipFill>
+        <p:spPr>
+          <a:xfrm>
+            <a:off x="4585348" y="2579258"/>
+            <a:ext cx="4558652" cy="2564242"/>
+          </a:xfrm>
+          <a:prstGeom prst="rect">
+            <a:avLst/>
+          </a:prstGeom>
+        </p:spPr>
+      </p:pic>
+      <p:pic>
+        <p:nvPicPr>
+          <p:cNvPr id="9" name="Bild 8">
+            <a:extLst>
+              <a:ext uri="{FF2B5EF4-FFF2-40B4-BE49-F238E27FC236}">
+                <a16:creationId xmlns:a16="http://schemas.microsoft.com/office/drawing/2014/main" id="{877DE451-F94F-4BF2-B6C3-FD9E64523853}"/>
+              </a:ext>
+            </a:extLst>
+          </p:cNvPr>
+          <p:cNvPicPr>
+            <a:picLocks noChangeAspect="1"/>
+          </p:cNvPicPr>
+          <p:nvPr/>
+        </p:nvPicPr>
+        <p:blipFill>
+          <a:blip r:embed="rId9">
+            <a:extLst>
+              <a:ext uri="{96DAC541-7B7A-43D3-8B79-37D633B846F1}">
+                <asvg:svgBlip xmlns:asvg="http://schemas.microsoft.com/office/drawing/2016/SVG/main" r:embed="rId10"/>
+              </a:ext>
+            </a:extLst>
+          </a:blip>
+          <a:stretch>
+            <a:fillRect/>
+          </a:stretch>
+        </p:blipFill>
+        <p:spPr>
+          <a:xfrm>
+            <a:off x="4558654" y="0"/>
+            <a:ext cx="4585346" cy="2579257"/>
+          </a:xfrm>
+          <a:prstGeom prst="rect">
+            <a:avLst/>
+          </a:prstGeom>
+        </p:spPr>
+      </p:pic>
     </p:spTree>
   </p:cSld>
   <p:clrMapOvr>

--- a/Exjobbspresentation.pptx
+++ b/Exjobbspresentation.pptx
@@ -5,29 +5,31 @@
     <p:sldMasterId id="2147483659" r:id="rId1"/>
   </p:sldMasterIdLst>
   <p:notesMasterIdLst>
-    <p:notesMasterId r:id="rId12"/>
+    <p:notesMasterId r:id="rId14"/>
   </p:notesMasterIdLst>
   <p:sldIdLst>
     <p:sldId id="256" r:id="rId2"/>
     <p:sldId id="257" r:id="rId3"/>
     <p:sldId id="258" r:id="rId4"/>
-    <p:sldId id="259" r:id="rId5"/>
-    <p:sldId id="260" r:id="rId6"/>
-    <p:sldId id="261" r:id="rId7"/>
-    <p:sldId id="262" r:id="rId8"/>
-    <p:sldId id="263" r:id="rId9"/>
-    <p:sldId id="264" r:id="rId10"/>
-    <p:sldId id="265" r:id="rId11"/>
+    <p:sldId id="267" r:id="rId5"/>
+    <p:sldId id="259" r:id="rId6"/>
+    <p:sldId id="260" r:id="rId7"/>
+    <p:sldId id="261" r:id="rId8"/>
+    <p:sldId id="266" r:id="rId9"/>
+    <p:sldId id="262" r:id="rId10"/>
+    <p:sldId id="263" r:id="rId11"/>
+    <p:sldId id="264" r:id="rId12"/>
+    <p:sldId id="265" r:id="rId13"/>
   </p:sldIdLst>
   <p:sldSz cx="9144000" cy="5143500" type="screen16x9"/>
   <p:notesSz cx="6858000" cy="9144000"/>
   <p:embeddedFontLst>
     <p:embeddedFont>
       <p:font typeface="Roboto" panose="020B0604020202020204" charset="0"/>
-      <p:regular r:id="rId13"/>
-      <p:bold r:id="rId14"/>
-      <p:italic r:id="rId15"/>
-      <p:boldItalic r:id="rId16"/>
+      <p:regular r:id="rId15"/>
+      <p:bold r:id="rId16"/>
+      <p:italic r:id="rId17"/>
+      <p:boldItalic r:id="rId18"/>
     </p:embeddedFont>
   </p:embeddedFontLst>
   <p:defaultTextStyle>
@@ -8874,1377 +8876,6 @@
   <p:cSld>
     <p:spTree>
       <p:nvGrpSpPr>
-        <p:cNvPr id="1" name="Shape 121"/>
-        <p:cNvGrpSpPr/>
-        <p:nvPr/>
-      </p:nvGrpSpPr>
-      <p:grpSpPr>
-        <a:xfrm>
-          <a:off x="0" y="0"/>
-          <a:ext cx="0" cy="0"/>
-          <a:chOff x="0" y="0"/>
-          <a:chExt cx="0" cy="0"/>
-        </a:xfrm>
-      </p:grpSpPr>
-      <p:sp>
-        <p:nvSpPr>
-          <p:cNvPr id="122" name="Shape 122"/>
-          <p:cNvSpPr txBox="1">
-            <a:spLocks noGrp="1"/>
-          </p:cNvSpPr>
-          <p:nvPr>
-            <p:ph type="title"/>
-          </p:nvPr>
-        </p:nvSpPr>
-        <p:spPr>
-          <a:xfrm>
-            <a:off x="471900" y="738725"/>
-            <a:ext cx="8222100" cy="767700"/>
-          </a:xfrm>
-          <a:prstGeom prst="rect">
-            <a:avLst/>
-          </a:prstGeom>
-        </p:spPr>
-        <p:txBody>
-          <a:bodyPr lIns="91425" tIns="91425" rIns="91425" bIns="91425" anchor="b" anchorCtr="0">
-            <a:noAutofit/>
-          </a:bodyPr>
-          <a:lstStyle/>
-          <a:p>
-            <a:pPr lvl="0">
-              <a:spcBef>
-                <a:spcPts val="0"/>
-              </a:spcBef>
-              <a:buNone/>
-            </a:pPr>
-            <a:r>
-              <a:rPr lang="sv"/>
-              <a:t>Validation/Future work</a:t>
-            </a:r>
-          </a:p>
-        </p:txBody>
-      </p:sp>
-      <p:sp>
-        <p:nvSpPr>
-          <p:cNvPr id="123" name="Shape 123"/>
-          <p:cNvSpPr txBox="1">
-            <a:spLocks noGrp="1"/>
-          </p:cNvSpPr>
-          <p:nvPr>
-            <p:ph type="body" idx="1"/>
-          </p:nvPr>
-        </p:nvSpPr>
-        <p:spPr>
-          <a:xfrm>
-            <a:off x="471900" y="1919075"/>
-            <a:ext cx="8222100" cy="2710200"/>
-          </a:xfrm>
-          <a:prstGeom prst="rect">
-            <a:avLst/>
-          </a:prstGeom>
-        </p:spPr>
-        <p:txBody>
-          <a:bodyPr lIns="91425" tIns="91425" rIns="91425" bIns="91425" anchor="t" anchorCtr="0">
-            <a:noAutofit/>
-          </a:bodyPr>
-          <a:lstStyle/>
-          <a:p>
-            <a:pPr marL="285750" indent="-285750"/>
-            <a:r>
-              <a:rPr lang="sv-SE" dirty="0"/>
-              <a:t>Run testselection in paralell with complete testsuite</a:t>
-            </a:r>
-          </a:p>
-          <a:p>
-            <a:pPr marL="285750" indent="-285750"/>
-            <a:r>
-              <a:rPr lang="sv-SE" dirty="0"/>
-              <a:t>Mutation testing</a:t>
-            </a:r>
-          </a:p>
-          <a:p>
-            <a:pPr marL="285750" indent="-285750"/>
-            <a:r>
-              <a:rPr lang="sv-SE" dirty="0"/>
-              <a:t>Move implementation to instance tree?</a:t>
-            </a:r>
-            <a:endParaRPr dirty="0"/>
-          </a:p>
-        </p:txBody>
-      </p:sp>
-    </p:spTree>
-  </p:cSld>
-  <p:clrMapOvr>
-    <a:masterClrMapping/>
-  </p:clrMapOvr>
-</p:sld>
-</file>
-
-<file path=ppt/slides/slide2.xml><?xml version="1.0" encoding="utf-8"?>
-<p:sld xmlns:a="http://schemas.openxmlformats.org/drawingml/2006/main" xmlns:r="http://schemas.openxmlformats.org/officeDocument/2006/relationships" xmlns:p="http://schemas.openxmlformats.org/presentationml/2006/main">
-  <p:cSld>
-    <p:spTree>
-      <p:nvGrpSpPr>
-        <p:cNvPr id="1" name="Shape 72"/>
-        <p:cNvGrpSpPr/>
-        <p:nvPr/>
-      </p:nvGrpSpPr>
-      <p:grpSpPr>
-        <a:xfrm>
-          <a:off x="0" y="0"/>
-          <a:ext cx="0" cy="0"/>
-          <a:chOff x="0" y="0"/>
-          <a:chExt cx="0" cy="0"/>
-        </a:xfrm>
-      </p:grpSpPr>
-      <p:sp>
-        <p:nvSpPr>
-          <p:cNvPr id="73" name="Shape 73"/>
-          <p:cNvSpPr txBox="1">
-            <a:spLocks noGrp="1"/>
-          </p:cNvSpPr>
-          <p:nvPr>
-            <p:ph type="title"/>
-          </p:nvPr>
-        </p:nvSpPr>
-        <p:spPr>
-          <a:xfrm>
-            <a:off x="0" y="2095050"/>
-            <a:ext cx="3288000" cy="953400"/>
-          </a:xfrm>
-          <a:prstGeom prst="rect">
-            <a:avLst/>
-          </a:prstGeom>
-        </p:spPr>
-        <p:txBody>
-          <a:bodyPr lIns="91425" tIns="91425" rIns="91425" bIns="91425" anchor="ctr" anchorCtr="0">
-            <a:noAutofit/>
-          </a:bodyPr>
-          <a:lstStyle/>
-          <a:p>
-            <a:pPr lvl="0" algn="ctr" rtl="0">
-              <a:spcBef>
-                <a:spcPts val="0"/>
-              </a:spcBef>
-              <a:buNone/>
-            </a:pPr>
-            <a:r>
-              <a:rPr lang="sv"/>
-              <a:t>Safe test selection</a:t>
-            </a:r>
-          </a:p>
-        </p:txBody>
-      </p:sp>
-      <p:pic>
-        <p:nvPicPr>
-          <p:cNvPr id="74" name="Shape 74"/>
-          <p:cNvPicPr preferRelativeResize="0"/>
-          <p:nvPr/>
-        </p:nvPicPr>
-        <p:blipFill>
-          <a:blip r:embed="rId3">
-            <a:alphaModFix/>
-          </a:blip>
-          <a:stretch>
-            <a:fillRect/>
-          </a:stretch>
-        </p:blipFill>
-        <p:spPr>
-          <a:xfrm>
-            <a:off x="4331950" y="1083820"/>
-            <a:ext cx="3830974" cy="2975850"/>
-          </a:xfrm>
-          <a:prstGeom prst="rect">
-            <a:avLst/>
-          </a:prstGeom>
-          <a:noFill/>
-          <a:ln>
-            <a:noFill/>
-          </a:ln>
-        </p:spPr>
-      </p:pic>
-    </p:spTree>
-  </p:cSld>
-  <p:clrMapOvr>
-    <a:masterClrMapping/>
-  </p:clrMapOvr>
-</p:sld>
-</file>
-
-<file path=ppt/slides/slide3.xml><?xml version="1.0" encoding="utf-8"?>
-<p:sld xmlns:a="http://schemas.openxmlformats.org/drawingml/2006/main" xmlns:r="http://schemas.openxmlformats.org/officeDocument/2006/relationships" xmlns:p="http://schemas.openxmlformats.org/presentationml/2006/main">
-  <p:cSld>
-    <p:spTree>
-      <p:nvGrpSpPr>
-        <p:cNvPr id="1" name="Shape 78"/>
-        <p:cNvGrpSpPr/>
-        <p:nvPr/>
-      </p:nvGrpSpPr>
-      <p:grpSpPr>
-        <a:xfrm>
-          <a:off x="0" y="0"/>
-          <a:ext cx="0" cy="0"/>
-          <a:chOff x="0" y="0"/>
-          <a:chExt cx="0" cy="0"/>
-        </a:xfrm>
-      </p:grpSpPr>
-      <p:sp>
-        <p:nvSpPr>
-          <p:cNvPr id="79" name="Shape 79"/>
-          <p:cNvSpPr txBox="1">
-            <a:spLocks noGrp="1"/>
-          </p:cNvSpPr>
-          <p:nvPr>
-            <p:ph type="title"/>
-          </p:nvPr>
-        </p:nvSpPr>
-        <p:spPr>
-          <a:xfrm>
-            <a:off x="98250" y="16350"/>
-            <a:ext cx="8826600" cy="602700"/>
-          </a:xfrm>
-          <a:prstGeom prst="rect">
-            <a:avLst/>
-          </a:prstGeom>
-        </p:spPr>
-        <p:txBody>
-          <a:bodyPr lIns="91425" tIns="91425" rIns="91425" bIns="91425" anchor="ctr" anchorCtr="0">
-            <a:noAutofit/>
-          </a:bodyPr>
-          <a:lstStyle/>
-          <a:p>
-            <a:pPr lvl="0">
-              <a:spcBef>
-                <a:spcPts val="0"/>
-              </a:spcBef>
-              <a:buNone/>
-            </a:pPr>
-            <a:r>
-              <a:rPr lang="sv"/>
-              <a:t>Modelica Bouncing Ball example</a:t>
-            </a:r>
-          </a:p>
-        </p:txBody>
-      </p:sp>
-      <p:pic>
-        <p:nvPicPr>
-          <p:cNvPr id="80" name="Shape 80" descr="BB1.png"/>
-          <p:cNvPicPr preferRelativeResize="0"/>
-          <p:nvPr/>
-        </p:nvPicPr>
-        <p:blipFill>
-          <a:blip r:embed="rId3">
-            <a:alphaModFix/>
-          </a:blip>
-          <a:stretch>
-            <a:fillRect/>
-          </a:stretch>
-        </p:blipFill>
-        <p:spPr>
-          <a:xfrm>
-            <a:off x="4713175" y="1538600"/>
-            <a:ext cx="4806524" cy="3604899"/>
-          </a:xfrm>
-          <a:prstGeom prst="rect">
-            <a:avLst/>
-          </a:prstGeom>
-          <a:noFill/>
-          <a:ln>
-            <a:noFill/>
-          </a:ln>
-        </p:spPr>
-      </p:pic>
-      <p:sp>
-        <p:nvSpPr>
-          <p:cNvPr id="81" name="Shape 81"/>
-          <p:cNvSpPr txBox="1">
-            <a:spLocks noGrp="1"/>
-          </p:cNvSpPr>
-          <p:nvPr>
-            <p:ph type="body" idx="4294967295"/>
-          </p:nvPr>
-        </p:nvSpPr>
-        <p:spPr>
-          <a:xfrm>
-            <a:off x="-1" y="785525"/>
-            <a:ext cx="5473051" cy="4187100"/>
-          </a:xfrm>
-          <a:prstGeom prst="rect">
-            <a:avLst/>
-          </a:prstGeom>
-        </p:spPr>
-        <p:txBody>
-          <a:bodyPr lIns="91425" tIns="91425" rIns="91425" bIns="91425" anchor="t" anchorCtr="0">
-            <a:noAutofit/>
-          </a:bodyPr>
-          <a:lstStyle/>
-          <a:p>
-            <a:pPr lvl="0" rtl="0">
-              <a:lnSpc>
-                <a:spcPct val="115000"/>
-              </a:lnSpc>
-              <a:spcBef>
-                <a:spcPts val="0"/>
-              </a:spcBef>
-              <a:spcAft>
-                <a:spcPts val="0"/>
-              </a:spcAft>
-              <a:buNone/>
-            </a:pPr>
-            <a:r>
-              <a:rPr lang="sv" sz="1200" b="1" dirty="0">
-                <a:solidFill>
-                  <a:srgbClr val="0000FF"/>
-                </a:solidFill>
-                <a:latin typeface="Courier New"/>
-                <a:ea typeface="Courier New"/>
-                <a:cs typeface="Courier New"/>
-                <a:sym typeface="Courier New"/>
-              </a:rPr>
-              <a:t>model</a:t>
-            </a:r>
-            <a:r>
-              <a:rPr lang="sv" sz="1200" dirty="0">
-                <a:solidFill>
-                  <a:srgbClr val="000000"/>
-                </a:solidFill>
-                <a:latin typeface="Courier New"/>
-                <a:ea typeface="Courier New"/>
-                <a:cs typeface="Courier New"/>
-                <a:sym typeface="Courier New"/>
-              </a:rPr>
-              <a:t> BouncingBall </a:t>
-            </a:r>
-            <a:r>
-              <a:rPr lang="sv" sz="1200" dirty="0">
-                <a:solidFill>
-                  <a:srgbClr val="38761D"/>
-                </a:solidFill>
-                <a:latin typeface="Courier New"/>
-                <a:ea typeface="Courier New"/>
-                <a:cs typeface="Courier New"/>
-                <a:sym typeface="Courier New"/>
-              </a:rPr>
-              <a:t>//The 'classic' bouncing ball model</a:t>
-            </a:r>
-          </a:p>
-          <a:p>
-            <a:pPr lvl="0">
-              <a:lnSpc>
-                <a:spcPct val="115000"/>
-              </a:lnSpc>
-              <a:spcBef>
-                <a:spcPts val="0"/>
-              </a:spcBef>
-              <a:spcAft>
-                <a:spcPts val="0"/>
-              </a:spcAft>
-              <a:buNone/>
-            </a:pPr>
-            <a:r>
-              <a:rPr lang="sv" sz="1200" dirty="0">
-                <a:solidFill>
-                  <a:srgbClr val="000000"/>
-                </a:solidFill>
-                <a:latin typeface="Courier New"/>
-                <a:ea typeface="Courier New"/>
-                <a:cs typeface="Courier New"/>
-                <a:sym typeface="Courier New"/>
-              </a:rPr>
-              <a:t>  </a:t>
-            </a:r>
-            <a:r>
-              <a:rPr lang="sv" sz="1200" b="1" dirty="0">
-                <a:solidFill>
-                  <a:srgbClr val="0000FF"/>
-                </a:solidFill>
-                <a:latin typeface="Courier New"/>
-                <a:ea typeface="Courier New"/>
-                <a:cs typeface="Courier New"/>
-                <a:sym typeface="Courier New"/>
-              </a:rPr>
-              <a:t>parameter</a:t>
-            </a:r>
-            <a:r>
-              <a:rPr lang="sv" sz="1200" dirty="0">
-                <a:solidFill>
-                  <a:srgbClr val="000000"/>
-                </a:solidFill>
-                <a:latin typeface="Courier New"/>
-                <a:ea typeface="Courier New"/>
-                <a:cs typeface="Courier New"/>
-                <a:sym typeface="Courier New"/>
-              </a:rPr>
-              <a:t> Real e = 0.8; </a:t>
-            </a:r>
-            <a:r>
-              <a:rPr lang="sv" sz="1200" dirty="0">
-                <a:solidFill>
-                  <a:srgbClr val="38761D"/>
-                </a:solidFill>
-                <a:latin typeface="Courier New"/>
-                <a:ea typeface="Courier New"/>
-                <a:cs typeface="Courier New"/>
-                <a:sym typeface="Courier New"/>
-              </a:rPr>
-              <a:t>//Elasticity coefficient</a:t>
-            </a:r>
-          </a:p>
-          <a:p>
-            <a:pPr lvl="0">
-              <a:lnSpc>
-                <a:spcPct val="115000"/>
-              </a:lnSpc>
-              <a:spcBef>
-                <a:spcPts val="0"/>
-              </a:spcBef>
-              <a:spcAft>
-                <a:spcPts val="0"/>
-              </a:spcAft>
-              <a:buNone/>
-            </a:pPr>
-            <a:r>
-              <a:rPr lang="sv" sz="1200" dirty="0">
-                <a:solidFill>
-                  <a:srgbClr val="000000"/>
-                </a:solidFill>
-                <a:latin typeface="Courier New"/>
-                <a:ea typeface="Courier New"/>
-                <a:cs typeface="Courier New"/>
-                <a:sym typeface="Courier New"/>
-              </a:rPr>
-              <a:t>  </a:t>
-            </a:r>
-            <a:r>
-              <a:rPr lang="sv" sz="1200" b="1" dirty="0">
-                <a:solidFill>
-                  <a:srgbClr val="0000FF"/>
-                </a:solidFill>
-                <a:latin typeface="Courier New"/>
-                <a:ea typeface="Courier New"/>
-                <a:cs typeface="Courier New"/>
-                <a:sym typeface="Courier New"/>
-              </a:rPr>
-              <a:t>parameter</a:t>
-            </a:r>
-            <a:r>
-              <a:rPr lang="sv" sz="1200" dirty="0">
-                <a:solidFill>
-                  <a:srgbClr val="000000"/>
-                </a:solidFill>
-                <a:latin typeface="Courier New"/>
-                <a:ea typeface="Courier New"/>
-                <a:cs typeface="Courier New"/>
-                <a:sym typeface="Courier New"/>
-              </a:rPr>
-              <a:t> Real g = 9.81; </a:t>
-            </a:r>
-            <a:r>
-              <a:rPr lang="sv" sz="1200" dirty="0">
-                <a:solidFill>
-                  <a:srgbClr val="38761D"/>
-                </a:solidFill>
-                <a:latin typeface="Courier New"/>
-                <a:ea typeface="Courier New"/>
-                <a:cs typeface="Courier New"/>
-                <a:sym typeface="Courier New"/>
-              </a:rPr>
-              <a:t>//Acceleration due to gravity</a:t>
-            </a:r>
-          </a:p>
-          <a:p>
-            <a:pPr lvl="0">
-              <a:lnSpc>
-                <a:spcPct val="115000"/>
-              </a:lnSpc>
-              <a:spcBef>
-                <a:spcPts val="0"/>
-              </a:spcBef>
-              <a:spcAft>
-                <a:spcPts val="0"/>
-              </a:spcAft>
-              <a:buNone/>
-            </a:pPr>
-            <a:r>
-              <a:rPr lang="sv" sz="1200" dirty="0">
-                <a:solidFill>
-                  <a:srgbClr val="000000"/>
-                </a:solidFill>
-                <a:latin typeface="Courier New"/>
-                <a:ea typeface="Courier New"/>
-                <a:cs typeface="Courier New"/>
-                <a:sym typeface="Courier New"/>
-              </a:rPr>
-              <a:t>  Height h(start=1); </a:t>
-            </a:r>
-            <a:r>
-              <a:rPr lang="sv" sz="1200" dirty="0">
-                <a:solidFill>
-                  <a:srgbClr val="38761D"/>
-                </a:solidFill>
-                <a:latin typeface="Courier New"/>
-                <a:ea typeface="Courier New"/>
-                <a:cs typeface="Courier New"/>
-                <a:sym typeface="Courier New"/>
-              </a:rPr>
-              <a:t>//Height of the ball</a:t>
-            </a:r>
-          </a:p>
-          <a:p>
-            <a:pPr lvl="0">
-              <a:lnSpc>
-                <a:spcPct val="115000"/>
-              </a:lnSpc>
-              <a:spcBef>
-                <a:spcPts val="0"/>
-              </a:spcBef>
-              <a:spcAft>
-                <a:spcPts val="0"/>
-              </a:spcAft>
-              <a:buNone/>
-            </a:pPr>
-            <a:r>
-              <a:rPr lang="sv" sz="1200" dirty="0">
-                <a:solidFill>
-                  <a:srgbClr val="000000"/>
-                </a:solidFill>
-                <a:latin typeface="Courier New"/>
-                <a:ea typeface="Courier New"/>
-                <a:cs typeface="Courier New"/>
-                <a:sym typeface="Courier New"/>
-              </a:rPr>
-              <a:t>  Velocity v(start=0); </a:t>
-            </a:r>
-            <a:r>
-              <a:rPr lang="sv" sz="1200" dirty="0">
-                <a:solidFill>
-                  <a:srgbClr val="38761D"/>
-                </a:solidFill>
-                <a:latin typeface="Courier New"/>
-                <a:ea typeface="Courier New"/>
-                <a:cs typeface="Courier New"/>
-                <a:sym typeface="Courier New"/>
-              </a:rPr>
-              <a:t>//Velocity of the ball</a:t>
-            </a:r>
-          </a:p>
-          <a:p>
-            <a:pPr lvl="0">
-              <a:lnSpc>
-                <a:spcPct val="115000"/>
-              </a:lnSpc>
-              <a:spcBef>
-                <a:spcPts val="0"/>
-              </a:spcBef>
-              <a:spcAft>
-                <a:spcPts val="0"/>
-              </a:spcAft>
-              <a:buNone/>
-            </a:pPr>
-            <a:r>
-              <a:rPr lang="sv" sz="1200" b="1" dirty="0">
-                <a:solidFill>
-                  <a:srgbClr val="0000FF"/>
-                </a:solidFill>
-                <a:latin typeface="Courier New"/>
-                <a:ea typeface="Courier New"/>
-                <a:cs typeface="Courier New"/>
-                <a:sym typeface="Courier New"/>
-              </a:rPr>
-              <a:t>equation</a:t>
-            </a:r>
-          </a:p>
-          <a:p>
-            <a:pPr lvl="0">
-              <a:lnSpc>
-                <a:spcPct val="115000"/>
-              </a:lnSpc>
-              <a:spcBef>
-                <a:spcPts val="0"/>
-              </a:spcBef>
-              <a:spcAft>
-                <a:spcPts val="0"/>
-              </a:spcAft>
-              <a:buNone/>
-            </a:pPr>
-            <a:r>
-              <a:rPr lang="sv" sz="1200" dirty="0">
-                <a:solidFill>
-                  <a:srgbClr val="000000"/>
-                </a:solidFill>
-                <a:latin typeface="Courier New"/>
-                <a:ea typeface="Courier New"/>
-                <a:cs typeface="Courier New"/>
-                <a:sym typeface="Courier New"/>
-              </a:rPr>
-              <a:t>  </a:t>
-            </a:r>
-            <a:r>
-              <a:rPr lang="sv" sz="1200" b="1" dirty="0">
-                <a:solidFill>
-                  <a:srgbClr val="0000FF"/>
-                </a:solidFill>
-                <a:latin typeface="Courier New"/>
-                <a:ea typeface="Courier New"/>
-                <a:cs typeface="Courier New"/>
-                <a:sym typeface="Courier New"/>
-              </a:rPr>
-              <a:t>der</a:t>
-            </a:r>
-            <a:r>
-              <a:rPr lang="sv" sz="1200" dirty="0">
-                <a:solidFill>
-                  <a:srgbClr val="000000"/>
-                </a:solidFill>
-                <a:latin typeface="Courier New"/>
-                <a:ea typeface="Courier New"/>
-                <a:cs typeface="Courier New"/>
-                <a:sym typeface="Courier New"/>
-              </a:rPr>
-              <a:t>(h) = v; </a:t>
-            </a:r>
-            <a:r>
-              <a:rPr lang="sv" sz="1200" dirty="0">
-                <a:solidFill>
-                  <a:srgbClr val="38761D"/>
-                </a:solidFill>
-                <a:latin typeface="Courier New"/>
-                <a:ea typeface="Courier New"/>
-                <a:cs typeface="Courier New"/>
-                <a:sym typeface="Courier New"/>
-              </a:rPr>
-              <a:t>//Newtons second law</a:t>
-            </a:r>
-          </a:p>
-          <a:p>
-            <a:pPr lvl="0">
-              <a:lnSpc>
-                <a:spcPct val="115000"/>
-              </a:lnSpc>
-              <a:spcBef>
-                <a:spcPts val="0"/>
-              </a:spcBef>
-              <a:spcAft>
-                <a:spcPts val="0"/>
-              </a:spcAft>
-              <a:buNone/>
-            </a:pPr>
-            <a:r>
-              <a:rPr lang="sv" sz="1200" dirty="0">
-                <a:solidFill>
-                  <a:srgbClr val="000000"/>
-                </a:solidFill>
-                <a:latin typeface="Courier New"/>
-                <a:ea typeface="Courier New"/>
-                <a:cs typeface="Courier New"/>
-                <a:sym typeface="Courier New"/>
-              </a:rPr>
-              <a:t>  </a:t>
-            </a:r>
-            <a:r>
-              <a:rPr lang="sv" sz="1200" b="1" dirty="0">
-                <a:solidFill>
-                  <a:srgbClr val="0000FF"/>
-                </a:solidFill>
-                <a:latin typeface="Courier New"/>
-                <a:ea typeface="Courier New"/>
-                <a:cs typeface="Courier New"/>
-                <a:sym typeface="Courier New"/>
-              </a:rPr>
-              <a:t>der</a:t>
-            </a:r>
-            <a:r>
-              <a:rPr lang="sv" sz="1200" dirty="0">
-                <a:solidFill>
-                  <a:srgbClr val="000000"/>
-                </a:solidFill>
-                <a:latin typeface="Courier New"/>
-                <a:ea typeface="Courier New"/>
-                <a:cs typeface="Courier New"/>
-                <a:sym typeface="Courier New"/>
-              </a:rPr>
-              <a:t>(v) = -g;</a:t>
-            </a:r>
-          </a:p>
-          <a:p>
-            <a:pPr lvl="0">
-              <a:lnSpc>
-                <a:spcPct val="115000"/>
-              </a:lnSpc>
-              <a:spcBef>
-                <a:spcPts val="0"/>
-              </a:spcBef>
-              <a:spcAft>
-                <a:spcPts val="0"/>
-              </a:spcAft>
-              <a:buNone/>
-            </a:pPr>
-            <a:r>
-              <a:rPr lang="sv" sz="1200" dirty="0">
-                <a:solidFill>
-                  <a:srgbClr val="000000"/>
-                </a:solidFill>
-                <a:latin typeface="Courier New"/>
-                <a:ea typeface="Courier New"/>
-                <a:cs typeface="Courier New"/>
-                <a:sym typeface="Courier New"/>
-              </a:rPr>
-              <a:t>  </a:t>
-            </a:r>
-            <a:r>
-              <a:rPr lang="sv" sz="1200" b="1" dirty="0">
-                <a:solidFill>
-                  <a:srgbClr val="0000FF"/>
-                </a:solidFill>
-                <a:latin typeface="Courier New"/>
-                <a:ea typeface="Courier New"/>
-                <a:cs typeface="Courier New"/>
-                <a:sym typeface="Courier New"/>
-              </a:rPr>
-              <a:t>when</a:t>
-            </a:r>
-            <a:r>
-              <a:rPr lang="sv" sz="1200" dirty="0">
-                <a:solidFill>
-                  <a:srgbClr val="000000"/>
-                </a:solidFill>
-                <a:latin typeface="Courier New"/>
-                <a:ea typeface="Courier New"/>
-                <a:cs typeface="Courier New"/>
-                <a:sym typeface="Courier New"/>
-              </a:rPr>
-              <a:t> h &lt;= 0 </a:t>
-            </a:r>
-            <a:r>
-              <a:rPr lang="sv" sz="1200" b="1" dirty="0">
-                <a:solidFill>
-                  <a:srgbClr val="0000FF"/>
-                </a:solidFill>
-                <a:latin typeface="Courier New"/>
-                <a:ea typeface="Courier New"/>
-                <a:cs typeface="Courier New"/>
-                <a:sym typeface="Courier New"/>
-              </a:rPr>
-              <a:t>then</a:t>
-            </a:r>
-          </a:p>
-          <a:p>
-            <a:pPr lvl="0">
-              <a:lnSpc>
-                <a:spcPct val="115000"/>
-              </a:lnSpc>
-              <a:spcBef>
-                <a:spcPts val="0"/>
-              </a:spcBef>
-              <a:spcAft>
-                <a:spcPts val="0"/>
-              </a:spcAft>
-              <a:buNone/>
-            </a:pPr>
-            <a:r>
-              <a:rPr lang="sv" sz="1200" dirty="0">
-                <a:solidFill>
-                  <a:srgbClr val="000000"/>
-                </a:solidFill>
-                <a:latin typeface="Courier New"/>
-                <a:ea typeface="Courier New"/>
-                <a:cs typeface="Courier New"/>
-                <a:sym typeface="Courier New"/>
-              </a:rPr>
-              <a:t>    reinit(v, -e*pre(v)); </a:t>
-            </a:r>
-            <a:r>
-              <a:rPr lang="sv" sz="1200" dirty="0">
-                <a:solidFill>
-                  <a:srgbClr val="38761D"/>
-                </a:solidFill>
-                <a:latin typeface="Courier New"/>
-                <a:ea typeface="Courier New"/>
-                <a:cs typeface="Courier New"/>
-                <a:sym typeface="Courier New"/>
-              </a:rPr>
-              <a:t>//Set velocity after bounce</a:t>
-            </a:r>
-          </a:p>
-          <a:p>
-            <a:pPr lvl="0">
-              <a:lnSpc>
-                <a:spcPct val="115000"/>
-              </a:lnSpc>
-              <a:spcBef>
-                <a:spcPts val="0"/>
-              </a:spcBef>
-              <a:spcAft>
-                <a:spcPts val="0"/>
-              </a:spcAft>
-              <a:buNone/>
-            </a:pPr>
-            <a:r>
-              <a:rPr lang="sv" sz="1200" dirty="0">
-                <a:solidFill>
-                  <a:srgbClr val="000000"/>
-                </a:solidFill>
-                <a:latin typeface="Courier New"/>
-                <a:ea typeface="Courier New"/>
-                <a:cs typeface="Courier New"/>
-                <a:sym typeface="Courier New"/>
-              </a:rPr>
-              <a:t>  </a:t>
-            </a:r>
-            <a:r>
-              <a:rPr lang="sv" sz="1200" b="1" dirty="0">
-                <a:solidFill>
-                  <a:srgbClr val="0000FF"/>
-                </a:solidFill>
-                <a:latin typeface="Courier New"/>
-                <a:ea typeface="Courier New"/>
-                <a:cs typeface="Courier New"/>
-                <a:sym typeface="Courier New"/>
-              </a:rPr>
-              <a:t>end when</a:t>
-            </a:r>
-            <a:r>
-              <a:rPr lang="sv" sz="1200" dirty="0">
-                <a:solidFill>
-                  <a:srgbClr val="000000"/>
-                </a:solidFill>
-                <a:latin typeface="Courier New"/>
-                <a:ea typeface="Courier New"/>
-                <a:cs typeface="Courier New"/>
-                <a:sym typeface="Courier New"/>
-              </a:rPr>
-              <a:t>;</a:t>
-            </a:r>
-          </a:p>
-          <a:p>
-            <a:pPr lvl="0">
-              <a:lnSpc>
-                <a:spcPct val="115000"/>
-              </a:lnSpc>
-              <a:spcBef>
-                <a:spcPts val="0"/>
-              </a:spcBef>
-              <a:spcAft>
-                <a:spcPts val="0"/>
-              </a:spcAft>
-              <a:buNone/>
-            </a:pPr>
-            <a:r>
-              <a:rPr lang="sv" sz="1200" b="1" dirty="0">
-                <a:solidFill>
-                  <a:srgbClr val="0000FF"/>
-                </a:solidFill>
-                <a:latin typeface="Courier New"/>
-                <a:ea typeface="Courier New"/>
-                <a:cs typeface="Courier New"/>
-                <a:sym typeface="Courier New"/>
-              </a:rPr>
-              <a:t>end</a:t>
-            </a:r>
-            <a:r>
-              <a:rPr lang="sv" sz="1200" dirty="0">
-                <a:solidFill>
-                  <a:srgbClr val="000000"/>
-                </a:solidFill>
-                <a:latin typeface="Courier New"/>
-                <a:ea typeface="Courier New"/>
-                <a:cs typeface="Courier New"/>
-                <a:sym typeface="Courier New"/>
-              </a:rPr>
-              <a:t> BouncingBall;</a:t>
-            </a:r>
-          </a:p>
-          <a:p>
-            <a:pPr lvl="0">
-              <a:spcBef>
-                <a:spcPts val="0"/>
-              </a:spcBef>
-              <a:buNone/>
-            </a:pPr>
-            <a:endParaRPr dirty="0"/>
-          </a:p>
-        </p:txBody>
-      </p:sp>
-    </p:spTree>
-  </p:cSld>
-  <p:clrMapOvr>
-    <a:masterClrMapping/>
-  </p:clrMapOvr>
-</p:sld>
-</file>
-
-<file path=ppt/slides/slide4.xml><?xml version="1.0" encoding="utf-8"?>
-<p:sld xmlns:a="http://schemas.openxmlformats.org/drawingml/2006/main" xmlns:r="http://schemas.openxmlformats.org/officeDocument/2006/relationships" xmlns:p="http://schemas.openxmlformats.org/presentationml/2006/main">
-  <p:cSld>
-    <p:spTree>
-      <p:nvGrpSpPr>
-        <p:cNvPr id="1" name="Shape 85"/>
-        <p:cNvGrpSpPr/>
-        <p:nvPr/>
-      </p:nvGrpSpPr>
-      <p:grpSpPr>
-        <a:xfrm>
-          <a:off x="0" y="0"/>
-          <a:ext cx="0" cy="0"/>
-          <a:chOff x="0" y="0"/>
-          <a:chExt cx="0" cy="0"/>
-        </a:xfrm>
-      </p:grpSpPr>
-      <p:sp>
-        <p:nvSpPr>
-          <p:cNvPr id="86" name="Shape 86"/>
-          <p:cNvSpPr txBox="1">
-            <a:spLocks noGrp="1"/>
-          </p:cNvSpPr>
-          <p:nvPr>
-            <p:ph type="title"/>
-          </p:nvPr>
-        </p:nvSpPr>
-        <p:spPr>
-          <a:xfrm>
-            <a:off x="471900" y="738725"/>
-            <a:ext cx="8222100" cy="767700"/>
-          </a:xfrm>
-          <a:prstGeom prst="rect">
-            <a:avLst/>
-          </a:prstGeom>
-        </p:spPr>
-        <p:txBody>
-          <a:bodyPr lIns="91425" tIns="91425" rIns="91425" bIns="91425" anchor="b" anchorCtr="0">
-            <a:noAutofit/>
-          </a:bodyPr>
-          <a:lstStyle/>
-          <a:p>
-            <a:pPr lvl="0">
-              <a:spcBef>
-                <a:spcPts val="0"/>
-              </a:spcBef>
-              <a:buNone/>
-            </a:pPr>
-            <a:r>
-              <a:rPr lang="sv" dirty="0"/>
-              <a:t>O</a:t>
-            </a:r>
-            <a:r>
-              <a:rPr lang="en-US" dirty="0"/>
-              <a:t>PTIMICA Compiler Toolkit and</a:t>
-            </a:r>
-            <a:r>
-              <a:rPr lang="sv" dirty="0"/>
-              <a:t> JModelica.org</a:t>
-            </a:r>
-          </a:p>
-        </p:txBody>
-      </p:sp>
-      <p:sp>
-        <p:nvSpPr>
-          <p:cNvPr id="87" name="Shape 87"/>
-          <p:cNvSpPr txBox="1">
-            <a:spLocks noGrp="1"/>
-          </p:cNvSpPr>
-          <p:nvPr>
-            <p:ph type="body" idx="1"/>
-          </p:nvPr>
-        </p:nvSpPr>
-        <p:spPr>
-          <a:xfrm>
-            <a:off x="471900" y="1919075"/>
-            <a:ext cx="8222100" cy="2710200"/>
-          </a:xfrm>
-          <a:prstGeom prst="rect">
-            <a:avLst/>
-          </a:prstGeom>
-        </p:spPr>
-        <p:txBody>
-          <a:bodyPr lIns="91425" tIns="91425" rIns="91425" bIns="91425" anchor="t" anchorCtr="0">
-            <a:noAutofit/>
-          </a:bodyPr>
-          <a:lstStyle/>
-          <a:p>
-            <a:pPr lvl="0">
-              <a:spcBef>
-                <a:spcPts val="0"/>
-              </a:spcBef>
-              <a:buNone/>
-            </a:pPr>
-            <a:endParaRPr/>
-          </a:p>
-        </p:txBody>
-      </p:sp>
-    </p:spTree>
-  </p:cSld>
-  <p:clrMapOvr>
-    <a:masterClrMapping/>
-  </p:clrMapOvr>
-</p:sld>
-</file>
-
-<file path=ppt/slides/slide5.xml><?xml version="1.0" encoding="utf-8"?>
-<p:sld xmlns:a="http://schemas.openxmlformats.org/drawingml/2006/main" xmlns:r="http://schemas.openxmlformats.org/officeDocument/2006/relationships" xmlns:p="http://schemas.openxmlformats.org/presentationml/2006/main">
-  <p:cSld>
-    <p:spTree>
-      <p:nvGrpSpPr>
-        <p:cNvPr id="1" name="Shape 91"/>
-        <p:cNvGrpSpPr/>
-        <p:nvPr/>
-      </p:nvGrpSpPr>
-      <p:grpSpPr>
-        <a:xfrm>
-          <a:off x="0" y="0"/>
-          <a:ext cx="0" cy="0"/>
-          <a:chOff x="0" y="0"/>
-          <a:chExt cx="0" cy="0"/>
-        </a:xfrm>
-      </p:grpSpPr>
-      <p:sp>
-        <p:nvSpPr>
-          <p:cNvPr id="92" name="Shape 92"/>
-          <p:cNvSpPr txBox="1">
-            <a:spLocks noGrp="1"/>
-          </p:cNvSpPr>
-          <p:nvPr>
-            <p:ph type="title"/>
-          </p:nvPr>
-        </p:nvSpPr>
-        <p:spPr>
-          <a:xfrm>
-            <a:off x="471900" y="738725"/>
-            <a:ext cx="8222100" cy="767700"/>
-          </a:xfrm>
-          <a:prstGeom prst="rect">
-            <a:avLst/>
-          </a:prstGeom>
-        </p:spPr>
-        <p:txBody>
-          <a:bodyPr lIns="91425" tIns="91425" rIns="91425" bIns="91425" anchor="b" anchorCtr="0">
-            <a:noAutofit/>
-          </a:bodyPr>
-          <a:lstStyle/>
-          <a:p>
-            <a:pPr lvl="0">
-              <a:spcBef>
-                <a:spcPts val="0"/>
-              </a:spcBef>
-              <a:buNone/>
-            </a:pPr>
-            <a:r>
-              <a:rPr lang="en-US" dirty="0"/>
-              <a:t>Model Testing Toolkit</a:t>
-            </a:r>
-            <a:endParaRPr lang="sv" dirty="0"/>
-          </a:p>
-        </p:txBody>
-      </p:sp>
-      <p:sp>
-        <p:nvSpPr>
-          <p:cNvPr id="93" name="Shape 93"/>
-          <p:cNvSpPr txBox="1">
-            <a:spLocks noGrp="1"/>
-          </p:cNvSpPr>
-          <p:nvPr>
-            <p:ph type="body" idx="1"/>
-          </p:nvPr>
-        </p:nvSpPr>
-        <p:spPr>
-          <a:xfrm>
-            <a:off x="471900" y="1919075"/>
-            <a:ext cx="8222100" cy="2710200"/>
-          </a:xfrm>
-          <a:prstGeom prst="rect">
-            <a:avLst/>
-          </a:prstGeom>
-        </p:spPr>
-        <p:txBody>
-          <a:bodyPr lIns="91425" tIns="91425" rIns="91425" bIns="91425" anchor="t" anchorCtr="0">
-            <a:noAutofit/>
-          </a:bodyPr>
-          <a:lstStyle/>
-          <a:p>
-            <a:pPr lvl="0">
-              <a:spcBef>
-                <a:spcPts val="0"/>
-              </a:spcBef>
-              <a:buNone/>
-            </a:pPr>
-            <a:endParaRPr dirty="0"/>
-          </a:p>
-        </p:txBody>
-      </p:sp>
-      <p:graphicFrame>
-        <p:nvGraphicFramePr>
-          <p:cNvPr id="2" name="Diagram 1">
-            <a:extLst>
-              <a:ext uri="{FF2B5EF4-FFF2-40B4-BE49-F238E27FC236}">
-                <a16:creationId xmlns:a16="http://schemas.microsoft.com/office/drawing/2014/main" id="{4A771E42-F786-4BB0-97DF-833B5A14CE91}"/>
-              </a:ext>
-            </a:extLst>
-          </p:cNvPr>
-          <p:cNvGraphicFramePr/>
-          <p:nvPr>
-            <p:extLst>
-              <p:ext uri="{D42A27DB-BD31-4B8C-83A1-F6EECF244321}">
-                <p14:modId xmlns:p14="http://schemas.microsoft.com/office/powerpoint/2010/main" val="2312780197"/>
-              </p:ext>
-            </p:extLst>
-          </p:nvPr>
-        </p:nvGraphicFramePr>
-        <p:xfrm>
-          <a:off x="1524000" y="539750"/>
-          <a:ext cx="6096000" cy="4064000"/>
-        </p:xfrm>
-        <a:graphic>
-          <a:graphicData uri="http://schemas.openxmlformats.org/drawingml/2006/diagram">
-            <dgm:relIds xmlns:dgm="http://schemas.openxmlformats.org/drawingml/2006/diagram" xmlns:r="http://schemas.openxmlformats.org/officeDocument/2006/relationships" r:dm="rId3" r:lo="rId4" r:qs="rId5" r:cs="rId6"/>
-          </a:graphicData>
-        </a:graphic>
-      </p:graphicFrame>
-    </p:spTree>
-  </p:cSld>
-  <p:clrMapOvr>
-    <a:masterClrMapping/>
-  </p:clrMapOvr>
-</p:sld>
-</file>
-
-<file path=ppt/slides/slide6.xml><?xml version="1.0" encoding="utf-8"?>
-<p:sld xmlns:a="http://schemas.openxmlformats.org/drawingml/2006/main" xmlns:r="http://schemas.openxmlformats.org/officeDocument/2006/relationships" xmlns:p="http://schemas.openxmlformats.org/presentationml/2006/main">
-  <p:cSld>
-    <p:spTree>
-      <p:nvGrpSpPr>
-        <p:cNvPr id="1" name="Shape 97"/>
-        <p:cNvGrpSpPr/>
-        <p:nvPr/>
-      </p:nvGrpSpPr>
-      <p:grpSpPr>
-        <a:xfrm>
-          <a:off x="0" y="0"/>
-          <a:ext cx="0" cy="0"/>
-          <a:chOff x="0" y="0"/>
-          <a:chExt cx="0" cy="0"/>
-        </a:xfrm>
-      </p:grpSpPr>
-      <p:sp>
-        <p:nvSpPr>
-          <p:cNvPr id="98" name="Shape 98"/>
-          <p:cNvSpPr txBox="1">
-            <a:spLocks noGrp="1"/>
-          </p:cNvSpPr>
-          <p:nvPr>
-            <p:ph type="title"/>
-          </p:nvPr>
-        </p:nvSpPr>
-        <p:spPr>
-          <a:prstGeom prst="rect">
-            <a:avLst/>
-          </a:prstGeom>
-        </p:spPr>
-        <p:txBody>
-          <a:bodyPr lIns="91425" tIns="91425" rIns="91425" bIns="91425" anchor="b" anchorCtr="0">
-            <a:noAutofit/>
-          </a:bodyPr>
-          <a:lstStyle/>
-          <a:p>
-            <a:pPr lvl="0">
-              <a:spcBef>
-                <a:spcPts val="0"/>
-              </a:spcBef>
-              <a:buNone/>
-            </a:pPr>
-            <a:r>
-              <a:rPr lang="en-US" dirty="0"/>
-              <a:t>Dependency rules</a:t>
-            </a:r>
-            <a:endParaRPr lang="sv" dirty="0"/>
-          </a:p>
-        </p:txBody>
-      </p:sp>
-      <p:sp>
-        <p:nvSpPr>
-          <p:cNvPr id="99" name="Shape 99"/>
-          <p:cNvSpPr txBox="1">
-            <a:spLocks noGrp="1"/>
-          </p:cNvSpPr>
-          <p:nvPr>
-            <p:ph type="body" idx="4294967295"/>
-          </p:nvPr>
-        </p:nvSpPr>
-        <p:spPr>
-          <a:xfrm>
-            <a:off x="166861" y="619050"/>
-            <a:ext cx="8977139" cy="4449357"/>
-          </a:xfrm>
-          <a:prstGeom prst="rect">
-            <a:avLst/>
-          </a:prstGeom>
-        </p:spPr>
-        <p:txBody>
-          <a:bodyPr lIns="91425" tIns="91425" rIns="91425" bIns="91425" anchor="t" anchorCtr="0">
-            <a:noAutofit/>
-          </a:bodyPr>
-          <a:lstStyle/>
-          <a:p>
-            <a:pPr marL="342900" lvl="0" indent="-342900">
-              <a:buFont typeface="+mj-lt"/>
-              <a:buAutoNum type="arabicPeriod"/>
-            </a:pPr>
-            <a:r>
-              <a:rPr lang="en-US" dirty="0"/>
-              <a:t>A class depends on all classes referenced by resolvable accesses within it, not including accesses within paths.</a:t>
-            </a:r>
-          </a:p>
-          <a:p>
-            <a:pPr marL="342900" lvl="0" indent="-342900">
-              <a:buFont typeface="+mj-lt"/>
-              <a:buAutoNum type="arabicPeriod"/>
-            </a:pPr>
-            <a:r>
-              <a:rPr lang="en-US" dirty="0"/>
-              <a:t>A class depends on its enclosing class.</a:t>
-            </a:r>
-          </a:p>
-          <a:p>
-            <a:pPr marL="342900" lvl="0" indent="-342900">
-              <a:buFont typeface="+mj-lt"/>
-              <a:buAutoNum type="arabicPeriod"/>
-            </a:pPr>
-            <a:r>
-              <a:rPr lang="en-US" dirty="0"/>
-              <a:t>A class depends on all classes referenced by access paths within it. A unresolvable access can still contain resolvable accesses within its path.</a:t>
-            </a:r>
-          </a:p>
-          <a:p>
-            <a:pPr marL="342900" lvl="0" indent="-342900">
-              <a:buFont typeface="+mj-lt"/>
-              <a:buAutoNum type="arabicPeriod"/>
-            </a:pPr>
-            <a:r>
-              <a:rPr lang="en-US" dirty="0"/>
-              <a:t>A class depends on all classes enclosed by an accessed class. This does not include access within paths but if an access is not resolvable, the last resolvable access in the path will be used instead. For example, class A contains an access to class B, and B contains the class C, then A will depend on C. Furthermore, if class C contains the class D, A will depend on D as well.</a:t>
-            </a:r>
-          </a:p>
-          <a:p>
-            <a:pPr marL="342900" lvl="0" indent="-342900">
-              <a:buFont typeface="+mj-lt"/>
-              <a:buAutoNum type="arabicPeriod"/>
-            </a:pPr>
-            <a:r>
-              <a:rPr lang="en-US" dirty="0"/>
-              <a:t>Exception to Rule 4: Rule 4 is not applicable to import statements.</a:t>
-            </a:r>
-          </a:p>
-          <a:p>
-            <a:pPr marL="342900" lvl="0" indent="-342900">
-              <a:buFont typeface="+mj-lt"/>
-              <a:buAutoNum type="arabicPeriod"/>
-            </a:pPr>
-            <a:endParaRPr dirty="0"/>
-          </a:p>
-        </p:txBody>
-      </p:sp>
-    </p:spTree>
-  </p:cSld>
-  <p:clrMapOvr>
-    <a:masterClrMapping/>
-  </p:clrMapOvr>
-</p:sld>
-</file>
-
-<file path=ppt/slides/slide7.xml><?xml version="1.0" encoding="utf-8"?>
-<p:sld xmlns:a="http://schemas.openxmlformats.org/drawingml/2006/main" xmlns:r="http://schemas.openxmlformats.org/officeDocument/2006/relationships" xmlns:p="http://schemas.openxmlformats.org/presentationml/2006/main">
-  <p:cSld>
-    <p:spTree>
-      <p:nvGrpSpPr>
-        <p:cNvPr id="1" name="Shape 103"/>
-        <p:cNvGrpSpPr/>
-        <p:nvPr/>
-      </p:nvGrpSpPr>
-      <p:grpSpPr>
-        <a:xfrm>
-          <a:off x="0" y="0"/>
-          <a:ext cx="0" cy="0"/>
-          <a:chOff x="0" y="0"/>
-          <a:chExt cx="0" cy="0"/>
-        </a:xfrm>
-      </p:grpSpPr>
-      <p:sp>
-        <p:nvSpPr>
-          <p:cNvPr id="104" name="Shape 104"/>
-          <p:cNvSpPr txBox="1">
-            <a:spLocks noGrp="1"/>
-          </p:cNvSpPr>
-          <p:nvPr>
-            <p:ph type="title"/>
-          </p:nvPr>
-        </p:nvSpPr>
-        <p:spPr>
-          <a:xfrm>
-            <a:off x="0" y="2095050"/>
-            <a:ext cx="3279000" cy="953400"/>
-          </a:xfrm>
-          <a:prstGeom prst="rect">
-            <a:avLst/>
-          </a:prstGeom>
-        </p:spPr>
-        <p:txBody>
-          <a:bodyPr lIns="91425" tIns="91425" rIns="91425" bIns="91425" anchor="ctr" anchorCtr="0">
-            <a:noAutofit/>
-          </a:bodyPr>
-          <a:lstStyle/>
-          <a:p>
-            <a:pPr lvl="0" algn="ctr" rtl="0">
-              <a:spcBef>
-                <a:spcPts val="0"/>
-              </a:spcBef>
-              <a:buNone/>
-            </a:pPr>
-            <a:r>
-              <a:rPr lang="sv"/>
-              <a:t>Added functionality in GUI</a:t>
-            </a:r>
-          </a:p>
-        </p:txBody>
-      </p:sp>
-      <p:pic>
-        <p:nvPicPr>
-          <p:cNvPr id="105" name="Shape 105" descr="MTT_Capture.PNG"/>
-          <p:cNvPicPr preferRelativeResize="0"/>
-          <p:nvPr/>
-        </p:nvPicPr>
-        <p:blipFill>
-          <a:blip r:embed="rId3">
-            <a:alphaModFix/>
-          </a:blip>
-          <a:stretch>
-            <a:fillRect/>
-          </a:stretch>
-        </p:blipFill>
-        <p:spPr>
-          <a:xfrm>
-            <a:off x="3405077" y="152400"/>
-            <a:ext cx="5570073" cy="4838698"/>
-          </a:xfrm>
-          <a:prstGeom prst="rect">
-            <a:avLst/>
-          </a:prstGeom>
-          <a:noFill/>
-          <a:ln>
-            <a:noFill/>
-          </a:ln>
-        </p:spPr>
-      </p:pic>
-    </p:spTree>
-  </p:cSld>
-  <p:clrMapOvr>
-    <a:masterClrMapping/>
-  </p:clrMapOvr>
-</p:sld>
-</file>
-
-<file path=ppt/slides/slide8.xml><?xml version="1.0" encoding="utf-8"?>
-<p:sld xmlns:a="http://schemas.openxmlformats.org/drawingml/2006/main" xmlns:r="http://schemas.openxmlformats.org/officeDocument/2006/relationships" xmlns:p="http://schemas.openxmlformats.org/presentationml/2006/main">
-  <p:cSld>
-    <p:spTree>
-      <p:nvGrpSpPr>
         <p:cNvPr id="1" name="Shape 109"/>
         <p:cNvGrpSpPr/>
         <p:nvPr/>
@@ -10482,7 +9113,7 @@
 </p:sld>
 </file>
 
-<file path=ppt/slides/slide9.xml><?xml version="1.0" encoding="utf-8"?>
+<file path=ppt/slides/slide11.xml><?xml version="1.0" encoding="utf-8"?>
 <p:sld xmlns:a="http://schemas.openxmlformats.org/drawingml/2006/main" xmlns:r="http://schemas.openxmlformats.org/officeDocument/2006/relationships" xmlns:p="http://schemas.openxmlformats.org/presentationml/2006/main">
   <p:cSld>
     <p:spTree>
@@ -10572,6 +9203,1826 @@
           </a:p>
         </p:txBody>
       </p:sp>
+    </p:spTree>
+  </p:cSld>
+  <p:clrMapOvr>
+    <a:masterClrMapping/>
+  </p:clrMapOvr>
+</p:sld>
+</file>
+
+<file path=ppt/slides/slide12.xml><?xml version="1.0" encoding="utf-8"?>
+<p:sld xmlns:a="http://schemas.openxmlformats.org/drawingml/2006/main" xmlns:r="http://schemas.openxmlformats.org/officeDocument/2006/relationships" xmlns:p="http://schemas.openxmlformats.org/presentationml/2006/main">
+  <p:cSld>
+    <p:spTree>
+      <p:nvGrpSpPr>
+        <p:cNvPr id="1" name="Shape 121"/>
+        <p:cNvGrpSpPr/>
+        <p:nvPr/>
+      </p:nvGrpSpPr>
+      <p:grpSpPr>
+        <a:xfrm>
+          <a:off x="0" y="0"/>
+          <a:ext cx="0" cy="0"/>
+          <a:chOff x="0" y="0"/>
+          <a:chExt cx="0" cy="0"/>
+        </a:xfrm>
+      </p:grpSpPr>
+      <p:sp>
+        <p:nvSpPr>
+          <p:cNvPr id="122" name="Shape 122"/>
+          <p:cNvSpPr txBox="1">
+            <a:spLocks noGrp="1"/>
+          </p:cNvSpPr>
+          <p:nvPr>
+            <p:ph type="title"/>
+          </p:nvPr>
+        </p:nvSpPr>
+        <p:spPr>
+          <a:xfrm>
+            <a:off x="471900" y="738725"/>
+            <a:ext cx="8222100" cy="767700"/>
+          </a:xfrm>
+          <a:prstGeom prst="rect">
+            <a:avLst/>
+          </a:prstGeom>
+        </p:spPr>
+        <p:txBody>
+          <a:bodyPr lIns="91425" tIns="91425" rIns="91425" bIns="91425" anchor="b" anchorCtr="0">
+            <a:noAutofit/>
+          </a:bodyPr>
+          <a:lstStyle/>
+          <a:p>
+            <a:pPr lvl="0">
+              <a:spcBef>
+                <a:spcPts val="0"/>
+              </a:spcBef>
+              <a:buNone/>
+            </a:pPr>
+            <a:r>
+              <a:rPr lang="sv"/>
+              <a:t>Validation/Future work</a:t>
+            </a:r>
+          </a:p>
+        </p:txBody>
+      </p:sp>
+      <p:sp>
+        <p:nvSpPr>
+          <p:cNvPr id="123" name="Shape 123"/>
+          <p:cNvSpPr txBox="1">
+            <a:spLocks noGrp="1"/>
+          </p:cNvSpPr>
+          <p:nvPr>
+            <p:ph type="body" idx="1"/>
+          </p:nvPr>
+        </p:nvSpPr>
+        <p:spPr>
+          <a:xfrm>
+            <a:off x="471900" y="1919075"/>
+            <a:ext cx="8222100" cy="2710200"/>
+          </a:xfrm>
+          <a:prstGeom prst="rect">
+            <a:avLst/>
+          </a:prstGeom>
+        </p:spPr>
+        <p:txBody>
+          <a:bodyPr lIns="91425" tIns="91425" rIns="91425" bIns="91425" anchor="t" anchorCtr="0">
+            <a:noAutofit/>
+          </a:bodyPr>
+          <a:lstStyle/>
+          <a:p>
+            <a:pPr marL="285750" indent="-285750"/>
+            <a:r>
+              <a:rPr lang="sv-SE" dirty="0"/>
+              <a:t>Run testselection in paralell with complete testsuite</a:t>
+            </a:r>
+          </a:p>
+          <a:p>
+            <a:pPr marL="285750" indent="-285750"/>
+            <a:r>
+              <a:rPr lang="sv-SE" dirty="0"/>
+              <a:t>Mutation testing</a:t>
+            </a:r>
+          </a:p>
+          <a:p>
+            <a:pPr marL="285750" indent="-285750"/>
+            <a:r>
+              <a:rPr lang="sv-SE" dirty="0"/>
+              <a:t>Move implementation to instance tree?</a:t>
+            </a:r>
+            <a:endParaRPr dirty="0"/>
+          </a:p>
+        </p:txBody>
+      </p:sp>
+    </p:spTree>
+  </p:cSld>
+  <p:clrMapOvr>
+    <a:masterClrMapping/>
+  </p:clrMapOvr>
+</p:sld>
+</file>
+
+<file path=ppt/slides/slide2.xml><?xml version="1.0" encoding="utf-8"?>
+<p:sld xmlns:a="http://schemas.openxmlformats.org/drawingml/2006/main" xmlns:r="http://schemas.openxmlformats.org/officeDocument/2006/relationships" xmlns:p="http://schemas.openxmlformats.org/presentationml/2006/main">
+  <p:cSld>
+    <p:spTree>
+      <p:nvGrpSpPr>
+        <p:cNvPr id="1" name="Shape 72"/>
+        <p:cNvGrpSpPr/>
+        <p:nvPr/>
+      </p:nvGrpSpPr>
+      <p:grpSpPr>
+        <a:xfrm>
+          <a:off x="0" y="0"/>
+          <a:ext cx="0" cy="0"/>
+          <a:chOff x="0" y="0"/>
+          <a:chExt cx="0" cy="0"/>
+        </a:xfrm>
+      </p:grpSpPr>
+      <p:sp>
+        <p:nvSpPr>
+          <p:cNvPr id="73" name="Shape 73"/>
+          <p:cNvSpPr txBox="1">
+            <a:spLocks noGrp="1"/>
+          </p:cNvSpPr>
+          <p:nvPr>
+            <p:ph type="title"/>
+          </p:nvPr>
+        </p:nvSpPr>
+        <p:spPr>
+          <a:xfrm>
+            <a:off x="0" y="2095050"/>
+            <a:ext cx="3288000" cy="953400"/>
+          </a:xfrm>
+          <a:prstGeom prst="rect">
+            <a:avLst/>
+          </a:prstGeom>
+        </p:spPr>
+        <p:txBody>
+          <a:bodyPr lIns="91425" tIns="91425" rIns="91425" bIns="91425" anchor="ctr" anchorCtr="0">
+            <a:noAutofit/>
+          </a:bodyPr>
+          <a:lstStyle/>
+          <a:p>
+            <a:pPr lvl="0" algn="ctr" rtl="0">
+              <a:spcBef>
+                <a:spcPts val="0"/>
+              </a:spcBef>
+              <a:buNone/>
+            </a:pPr>
+            <a:r>
+              <a:rPr lang="sv"/>
+              <a:t>Safe test selection</a:t>
+            </a:r>
+          </a:p>
+        </p:txBody>
+      </p:sp>
+      <p:pic>
+        <p:nvPicPr>
+          <p:cNvPr id="74" name="Shape 74"/>
+          <p:cNvPicPr preferRelativeResize="0"/>
+          <p:nvPr/>
+        </p:nvPicPr>
+        <p:blipFill>
+          <a:blip r:embed="rId3">
+            <a:alphaModFix/>
+          </a:blip>
+          <a:stretch>
+            <a:fillRect/>
+          </a:stretch>
+        </p:blipFill>
+        <p:spPr>
+          <a:xfrm>
+            <a:off x="4331950" y="1083820"/>
+            <a:ext cx="3830974" cy="2975850"/>
+          </a:xfrm>
+          <a:prstGeom prst="rect">
+            <a:avLst/>
+          </a:prstGeom>
+          <a:noFill/>
+          <a:ln>
+            <a:noFill/>
+          </a:ln>
+        </p:spPr>
+      </p:pic>
+    </p:spTree>
+  </p:cSld>
+  <p:clrMapOvr>
+    <a:masterClrMapping/>
+  </p:clrMapOvr>
+</p:sld>
+</file>
+
+<file path=ppt/slides/slide3.xml><?xml version="1.0" encoding="utf-8"?>
+<p:sld xmlns:a="http://schemas.openxmlformats.org/drawingml/2006/main" xmlns:r="http://schemas.openxmlformats.org/officeDocument/2006/relationships" xmlns:p="http://schemas.openxmlformats.org/presentationml/2006/main">
+  <p:cSld>
+    <p:spTree>
+      <p:nvGrpSpPr>
+        <p:cNvPr id="1" name="Shape 78"/>
+        <p:cNvGrpSpPr/>
+        <p:nvPr/>
+      </p:nvGrpSpPr>
+      <p:grpSpPr>
+        <a:xfrm>
+          <a:off x="0" y="0"/>
+          <a:ext cx="0" cy="0"/>
+          <a:chOff x="0" y="0"/>
+          <a:chExt cx="0" cy="0"/>
+        </a:xfrm>
+      </p:grpSpPr>
+      <p:sp>
+        <p:nvSpPr>
+          <p:cNvPr id="79" name="Shape 79"/>
+          <p:cNvSpPr txBox="1">
+            <a:spLocks noGrp="1"/>
+          </p:cNvSpPr>
+          <p:nvPr>
+            <p:ph type="title"/>
+          </p:nvPr>
+        </p:nvSpPr>
+        <p:spPr>
+          <a:xfrm>
+            <a:off x="98250" y="16350"/>
+            <a:ext cx="8826600" cy="602700"/>
+          </a:xfrm>
+          <a:prstGeom prst="rect">
+            <a:avLst/>
+          </a:prstGeom>
+        </p:spPr>
+        <p:txBody>
+          <a:bodyPr lIns="91425" tIns="91425" rIns="91425" bIns="91425" anchor="ctr" anchorCtr="0">
+            <a:noAutofit/>
+          </a:bodyPr>
+          <a:lstStyle/>
+          <a:p>
+            <a:pPr lvl="0">
+              <a:spcBef>
+                <a:spcPts val="0"/>
+              </a:spcBef>
+              <a:buNone/>
+            </a:pPr>
+            <a:r>
+              <a:rPr lang="sv"/>
+              <a:t>Modelica Bouncing Ball example</a:t>
+            </a:r>
+          </a:p>
+        </p:txBody>
+      </p:sp>
+      <p:pic>
+        <p:nvPicPr>
+          <p:cNvPr id="80" name="Shape 80" descr="BB1.png"/>
+          <p:cNvPicPr preferRelativeResize="0"/>
+          <p:nvPr/>
+        </p:nvPicPr>
+        <p:blipFill>
+          <a:blip r:embed="rId3">
+            <a:alphaModFix/>
+          </a:blip>
+          <a:stretch>
+            <a:fillRect/>
+          </a:stretch>
+        </p:blipFill>
+        <p:spPr>
+          <a:xfrm>
+            <a:off x="4713175" y="1538600"/>
+            <a:ext cx="4806524" cy="3604899"/>
+          </a:xfrm>
+          <a:prstGeom prst="rect">
+            <a:avLst/>
+          </a:prstGeom>
+          <a:noFill/>
+          <a:ln>
+            <a:noFill/>
+          </a:ln>
+        </p:spPr>
+      </p:pic>
+      <p:sp>
+        <p:nvSpPr>
+          <p:cNvPr id="81" name="Shape 81"/>
+          <p:cNvSpPr txBox="1">
+            <a:spLocks noGrp="1"/>
+          </p:cNvSpPr>
+          <p:nvPr>
+            <p:ph type="body" idx="4294967295"/>
+          </p:nvPr>
+        </p:nvSpPr>
+        <p:spPr>
+          <a:xfrm>
+            <a:off x="-1" y="785525"/>
+            <a:ext cx="5473051" cy="4187100"/>
+          </a:xfrm>
+          <a:prstGeom prst="rect">
+            <a:avLst/>
+          </a:prstGeom>
+        </p:spPr>
+        <p:txBody>
+          <a:bodyPr lIns="91425" tIns="91425" rIns="91425" bIns="91425" anchor="t" anchorCtr="0">
+            <a:noAutofit/>
+          </a:bodyPr>
+          <a:lstStyle/>
+          <a:p>
+            <a:pPr lvl="0" rtl="0">
+              <a:lnSpc>
+                <a:spcPct val="115000"/>
+              </a:lnSpc>
+              <a:spcBef>
+                <a:spcPts val="0"/>
+              </a:spcBef>
+              <a:spcAft>
+                <a:spcPts val="0"/>
+              </a:spcAft>
+              <a:buNone/>
+            </a:pPr>
+            <a:r>
+              <a:rPr lang="sv" sz="1200" b="1" dirty="0">
+                <a:solidFill>
+                  <a:srgbClr val="0000FF"/>
+                </a:solidFill>
+                <a:latin typeface="Courier New"/>
+                <a:ea typeface="Courier New"/>
+                <a:cs typeface="Courier New"/>
+                <a:sym typeface="Courier New"/>
+              </a:rPr>
+              <a:t>model</a:t>
+            </a:r>
+            <a:r>
+              <a:rPr lang="sv" sz="1200" dirty="0">
+                <a:solidFill>
+                  <a:srgbClr val="000000"/>
+                </a:solidFill>
+                <a:latin typeface="Courier New"/>
+                <a:ea typeface="Courier New"/>
+                <a:cs typeface="Courier New"/>
+                <a:sym typeface="Courier New"/>
+              </a:rPr>
+              <a:t> BouncingBall </a:t>
+            </a:r>
+            <a:r>
+              <a:rPr lang="sv" sz="1200" dirty="0">
+                <a:solidFill>
+                  <a:srgbClr val="38761D"/>
+                </a:solidFill>
+                <a:latin typeface="Courier New"/>
+                <a:ea typeface="Courier New"/>
+                <a:cs typeface="Courier New"/>
+                <a:sym typeface="Courier New"/>
+              </a:rPr>
+              <a:t>//The 'classic' bouncing ball model</a:t>
+            </a:r>
+          </a:p>
+          <a:p>
+            <a:pPr lvl="0">
+              <a:lnSpc>
+                <a:spcPct val="115000"/>
+              </a:lnSpc>
+              <a:spcBef>
+                <a:spcPts val="0"/>
+              </a:spcBef>
+              <a:spcAft>
+                <a:spcPts val="0"/>
+              </a:spcAft>
+              <a:buNone/>
+            </a:pPr>
+            <a:r>
+              <a:rPr lang="sv" sz="1200" dirty="0">
+                <a:solidFill>
+                  <a:srgbClr val="000000"/>
+                </a:solidFill>
+                <a:latin typeface="Courier New"/>
+                <a:ea typeface="Courier New"/>
+                <a:cs typeface="Courier New"/>
+                <a:sym typeface="Courier New"/>
+              </a:rPr>
+              <a:t>  </a:t>
+            </a:r>
+            <a:r>
+              <a:rPr lang="sv" sz="1200" b="1" dirty="0">
+                <a:solidFill>
+                  <a:srgbClr val="0000FF"/>
+                </a:solidFill>
+                <a:latin typeface="Courier New"/>
+                <a:ea typeface="Courier New"/>
+                <a:cs typeface="Courier New"/>
+                <a:sym typeface="Courier New"/>
+              </a:rPr>
+              <a:t>parameter</a:t>
+            </a:r>
+            <a:r>
+              <a:rPr lang="sv" sz="1200" dirty="0">
+                <a:solidFill>
+                  <a:srgbClr val="000000"/>
+                </a:solidFill>
+                <a:latin typeface="Courier New"/>
+                <a:ea typeface="Courier New"/>
+                <a:cs typeface="Courier New"/>
+                <a:sym typeface="Courier New"/>
+              </a:rPr>
+              <a:t> Real e = 0.8; </a:t>
+            </a:r>
+            <a:r>
+              <a:rPr lang="sv" sz="1200" dirty="0">
+                <a:solidFill>
+                  <a:srgbClr val="38761D"/>
+                </a:solidFill>
+                <a:latin typeface="Courier New"/>
+                <a:ea typeface="Courier New"/>
+                <a:cs typeface="Courier New"/>
+                <a:sym typeface="Courier New"/>
+              </a:rPr>
+              <a:t>//Elasticity coefficient</a:t>
+            </a:r>
+          </a:p>
+          <a:p>
+            <a:pPr lvl="0">
+              <a:lnSpc>
+                <a:spcPct val="115000"/>
+              </a:lnSpc>
+              <a:spcBef>
+                <a:spcPts val="0"/>
+              </a:spcBef>
+              <a:spcAft>
+                <a:spcPts val="0"/>
+              </a:spcAft>
+              <a:buNone/>
+            </a:pPr>
+            <a:r>
+              <a:rPr lang="sv" sz="1200" dirty="0">
+                <a:solidFill>
+                  <a:srgbClr val="000000"/>
+                </a:solidFill>
+                <a:latin typeface="Courier New"/>
+                <a:ea typeface="Courier New"/>
+                <a:cs typeface="Courier New"/>
+                <a:sym typeface="Courier New"/>
+              </a:rPr>
+              <a:t>  </a:t>
+            </a:r>
+            <a:r>
+              <a:rPr lang="sv" sz="1200" b="1" dirty="0">
+                <a:solidFill>
+                  <a:srgbClr val="0000FF"/>
+                </a:solidFill>
+                <a:latin typeface="Courier New"/>
+                <a:ea typeface="Courier New"/>
+                <a:cs typeface="Courier New"/>
+                <a:sym typeface="Courier New"/>
+              </a:rPr>
+              <a:t>parameter</a:t>
+            </a:r>
+            <a:r>
+              <a:rPr lang="sv" sz="1200" dirty="0">
+                <a:solidFill>
+                  <a:srgbClr val="000000"/>
+                </a:solidFill>
+                <a:latin typeface="Courier New"/>
+                <a:ea typeface="Courier New"/>
+                <a:cs typeface="Courier New"/>
+                <a:sym typeface="Courier New"/>
+              </a:rPr>
+              <a:t> Real g = 9.81; </a:t>
+            </a:r>
+            <a:r>
+              <a:rPr lang="sv" sz="1200" dirty="0">
+                <a:solidFill>
+                  <a:srgbClr val="38761D"/>
+                </a:solidFill>
+                <a:latin typeface="Courier New"/>
+                <a:ea typeface="Courier New"/>
+                <a:cs typeface="Courier New"/>
+                <a:sym typeface="Courier New"/>
+              </a:rPr>
+              <a:t>//Acceleration due to gravity</a:t>
+            </a:r>
+          </a:p>
+          <a:p>
+            <a:pPr lvl="0">
+              <a:lnSpc>
+                <a:spcPct val="115000"/>
+              </a:lnSpc>
+              <a:spcBef>
+                <a:spcPts val="0"/>
+              </a:spcBef>
+              <a:spcAft>
+                <a:spcPts val="0"/>
+              </a:spcAft>
+              <a:buNone/>
+            </a:pPr>
+            <a:r>
+              <a:rPr lang="sv" sz="1200" dirty="0">
+                <a:solidFill>
+                  <a:srgbClr val="000000"/>
+                </a:solidFill>
+                <a:latin typeface="Courier New"/>
+                <a:ea typeface="Courier New"/>
+                <a:cs typeface="Courier New"/>
+                <a:sym typeface="Courier New"/>
+              </a:rPr>
+              <a:t>  Height h(start=1); </a:t>
+            </a:r>
+            <a:r>
+              <a:rPr lang="sv" sz="1200" dirty="0">
+                <a:solidFill>
+                  <a:srgbClr val="38761D"/>
+                </a:solidFill>
+                <a:latin typeface="Courier New"/>
+                <a:ea typeface="Courier New"/>
+                <a:cs typeface="Courier New"/>
+                <a:sym typeface="Courier New"/>
+              </a:rPr>
+              <a:t>//Height of the ball</a:t>
+            </a:r>
+          </a:p>
+          <a:p>
+            <a:pPr lvl="0">
+              <a:lnSpc>
+                <a:spcPct val="115000"/>
+              </a:lnSpc>
+              <a:spcBef>
+                <a:spcPts val="0"/>
+              </a:spcBef>
+              <a:spcAft>
+                <a:spcPts val="0"/>
+              </a:spcAft>
+              <a:buNone/>
+            </a:pPr>
+            <a:r>
+              <a:rPr lang="sv" sz="1200" dirty="0">
+                <a:solidFill>
+                  <a:srgbClr val="000000"/>
+                </a:solidFill>
+                <a:latin typeface="Courier New"/>
+                <a:ea typeface="Courier New"/>
+                <a:cs typeface="Courier New"/>
+                <a:sym typeface="Courier New"/>
+              </a:rPr>
+              <a:t>  Velocity v(start=0); </a:t>
+            </a:r>
+            <a:r>
+              <a:rPr lang="sv" sz="1200" dirty="0">
+                <a:solidFill>
+                  <a:srgbClr val="38761D"/>
+                </a:solidFill>
+                <a:latin typeface="Courier New"/>
+                <a:ea typeface="Courier New"/>
+                <a:cs typeface="Courier New"/>
+                <a:sym typeface="Courier New"/>
+              </a:rPr>
+              <a:t>//Velocity of the ball</a:t>
+            </a:r>
+          </a:p>
+          <a:p>
+            <a:pPr lvl="0">
+              <a:lnSpc>
+                <a:spcPct val="115000"/>
+              </a:lnSpc>
+              <a:spcBef>
+                <a:spcPts val="0"/>
+              </a:spcBef>
+              <a:spcAft>
+                <a:spcPts val="0"/>
+              </a:spcAft>
+              <a:buNone/>
+            </a:pPr>
+            <a:r>
+              <a:rPr lang="sv" sz="1200" b="1" dirty="0">
+                <a:solidFill>
+                  <a:srgbClr val="0000FF"/>
+                </a:solidFill>
+                <a:latin typeface="Courier New"/>
+                <a:ea typeface="Courier New"/>
+                <a:cs typeface="Courier New"/>
+                <a:sym typeface="Courier New"/>
+              </a:rPr>
+              <a:t>equation</a:t>
+            </a:r>
+          </a:p>
+          <a:p>
+            <a:pPr lvl="0">
+              <a:lnSpc>
+                <a:spcPct val="115000"/>
+              </a:lnSpc>
+              <a:spcBef>
+                <a:spcPts val="0"/>
+              </a:spcBef>
+              <a:spcAft>
+                <a:spcPts val="0"/>
+              </a:spcAft>
+              <a:buNone/>
+            </a:pPr>
+            <a:r>
+              <a:rPr lang="sv" sz="1200" dirty="0">
+                <a:solidFill>
+                  <a:srgbClr val="000000"/>
+                </a:solidFill>
+                <a:latin typeface="Courier New"/>
+                <a:ea typeface="Courier New"/>
+                <a:cs typeface="Courier New"/>
+                <a:sym typeface="Courier New"/>
+              </a:rPr>
+              <a:t>  </a:t>
+            </a:r>
+            <a:r>
+              <a:rPr lang="sv" sz="1200" b="1" dirty="0">
+                <a:solidFill>
+                  <a:srgbClr val="0000FF"/>
+                </a:solidFill>
+                <a:latin typeface="Courier New"/>
+                <a:ea typeface="Courier New"/>
+                <a:cs typeface="Courier New"/>
+                <a:sym typeface="Courier New"/>
+              </a:rPr>
+              <a:t>der</a:t>
+            </a:r>
+            <a:r>
+              <a:rPr lang="sv" sz="1200" dirty="0">
+                <a:solidFill>
+                  <a:srgbClr val="000000"/>
+                </a:solidFill>
+                <a:latin typeface="Courier New"/>
+                <a:ea typeface="Courier New"/>
+                <a:cs typeface="Courier New"/>
+                <a:sym typeface="Courier New"/>
+              </a:rPr>
+              <a:t>(h) = v; </a:t>
+            </a:r>
+            <a:r>
+              <a:rPr lang="sv" sz="1200" dirty="0">
+                <a:solidFill>
+                  <a:srgbClr val="38761D"/>
+                </a:solidFill>
+                <a:latin typeface="Courier New"/>
+                <a:ea typeface="Courier New"/>
+                <a:cs typeface="Courier New"/>
+                <a:sym typeface="Courier New"/>
+              </a:rPr>
+              <a:t>//Newtons second law</a:t>
+            </a:r>
+          </a:p>
+          <a:p>
+            <a:pPr lvl="0">
+              <a:lnSpc>
+                <a:spcPct val="115000"/>
+              </a:lnSpc>
+              <a:spcBef>
+                <a:spcPts val="0"/>
+              </a:spcBef>
+              <a:spcAft>
+                <a:spcPts val="0"/>
+              </a:spcAft>
+              <a:buNone/>
+            </a:pPr>
+            <a:r>
+              <a:rPr lang="sv" sz="1200" dirty="0">
+                <a:solidFill>
+                  <a:srgbClr val="000000"/>
+                </a:solidFill>
+                <a:latin typeface="Courier New"/>
+                <a:ea typeface="Courier New"/>
+                <a:cs typeface="Courier New"/>
+                <a:sym typeface="Courier New"/>
+              </a:rPr>
+              <a:t>  </a:t>
+            </a:r>
+            <a:r>
+              <a:rPr lang="sv" sz="1200" b="1" dirty="0">
+                <a:solidFill>
+                  <a:srgbClr val="0000FF"/>
+                </a:solidFill>
+                <a:latin typeface="Courier New"/>
+                <a:ea typeface="Courier New"/>
+                <a:cs typeface="Courier New"/>
+                <a:sym typeface="Courier New"/>
+              </a:rPr>
+              <a:t>der</a:t>
+            </a:r>
+            <a:r>
+              <a:rPr lang="sv" sz="1200" dirty="0">
+                <a:solidFill>
+                  <a:srgbClr val="000000"/>
+                </a:solidFill>
+                <a:latin typeface="Courier New"/>
+                <a:ea typeface="Courier New"/>
+                <a:cs typeface="Courier New"/>
+                <a:sym typeface="Courier New"/>
+              </a:rPr>
+              <a:t>(v) = -g;</a:t>
+            </a:r>
+          </a:p>
+          <a:p>
+            <a:pPr lvl="0">
+              <a:lnSpc>
+                <a:spcPct val="115000"/>
+              </a:lnSpc>
+              <a:spcBef>
+                <a:spcPts val="0"/>
+              </a:spcBef>
+              <a:spcAft>
+                <a:spcPts val="0"/>
+              </a:spcAft>
+              <a:buNone/>
+            </a:pPr>
+            <a:r>
+              <a:rPr lang="sv" sz="1200" dirty="0">
+                <a:solidFill>
+                  <a:srgbClr val="000000"/>
+                </a:solidFill>
+                <a:latin typeface="Courier New"/>
+                <a:ea typeface="Courier New"/>
+                <a:cs typeface="Courier New"/>
+                <a:sym typeface="Courier New"/>
+              </a:rPr>
+              <a:t>  </a:t>
+            </a:r>
+            <a:r>
+              <a:rPr lang="sv" sz="1200" b="1" dirty="0">
+                <a:solidFill>
+                  <a:srgbClr val="0000FF"/>
+                </a:solidFill>
+                <a:latin typeface="Courier New"/>
+                <a:ea typeface="Courier New"/>
+                <a:cs typeface="Courier New"/>
+                <a:sym typeface="Courier New"/>
+              </a:rPr>
+              <a:t>when</a:t>
+            </a:r>
+            <a:r>
+              <a:rPr lang="sv" sz="1200" dirty="0">
+                <a:solidFill>
+                  <a:srgbClr val="000000"/>
+                </a:solidFill>
+                <a:latin typeface="Courier New"/>
+                <a:ea typeface="Courier New"/>
+                <a:cs typeface="Courier New"/>
+                <a:sym typeface="Courier New"/>
+              </a:rPr>
+              <a:t> h &lt;= 0 </a:t>
+            </a:r>
+            <a:r>
+              <a:rPr lang="sv" sz="1200" b="1" dirty="0">
+                <a:solidFill>
+                  <a:srgbClr val="0000FF"/>
+                </a:solidFill>
+                <a:latin typeface="Courier New"/>
+                <a:ea typeface="Courier New"/>
+                <a:cs typeface="Courier New"/>
+                <a:sym typeface="Courier New"/>
+              </a:rPr>
+              <a:t>then</a:t>
+            </a:r>
+          </a:p>
+          <a:p>
+            <a:pPr lvl="0">
+              <a:lnSpc>
+                <a:spcPct val="115000"/>
+              </a:lnSpc>
+              <a:spcBef>
+                <a:spcPts val="0"/>
+              </a:spcBef>
+              <a:spcAft>
+                <a:spcPts val="0"/>
+              </a:spcAft>
+              <a:buNone/>
+            </a:pPr>
+            <a:r>
+              <a:rPr lang="sv" sz="1200" dirty="0">
+                <a:solidFill>
+                  <a:srgbClr val="000000"/>
+                </a:solidFill>
+                <a:latin typeface="Courier New"/>
+                <a:ea typeface="Courier New"/>
+                <a:cs typeface="Courier New"/>
+                <a:sym typeface="Courier New"/>
+              </a:rPr>
+              <a:t>    reinit(v, -e*pre(v)); </a:t>
+            </a:r>
+            <a:r>
+              <a:rPr lang="sv" sz="1200" dirty="0">
+                <a:solidFill>
+                  <a:srgbClr val="38761D"/>
+                </a:solidFill>
+                <a:latin typeface="Courier New"/>
+                <a:ea typeface="Courier New"/>
+                <a:cs typeface="Courier New"/>
+                <a:sym typeface="Courier New"/>
+              </a:rPr>
+              <a:t>//Set velocity after bounce</a:t>
+            </a:r>
+          </a:p>
+          <a:p>
+            <a:pPr lvl="0">
+              <a:lnSpc>
+                <a:spcPct val="115000"/>
+              </a:lnSpc>
+              <a:spcBef>
+                <a:spcPts val="0"/>
+              </a:spcBef>
+              <a:spcAft>
+                <a:spcPts val="0"/>
+              </a:spcAft>
+              <a:buNone/>
+            </a:pPr>
+            <a:r>
+              <a:rPr lang="sv" sz="1200" dirty="0">
+                <a:solidFill>
+                  <a:srgbClr val="000000"/>
+                </a:solidFill>
+                <a:latin typeface="Courier New"/>
+                <a:ea typeface="Courier New"/>
+                <a:cs typeface="Courier New"/>
+                <a:sym typeface="Courier New"/>
+              </a:rPr>
+              <a:t>  </a:t>
+            </a:r>
+            <a:r>
+              <a:rPr lang="sv" sz="1200" b="1" dirty="0">
+                <a:solidFill>
+                  <a:srgbClr val="0000FF"/>
+                </a:solidFill>
+                <a:latin typeface="Courier New"/>
+                <a:ea typeface="Courier New"/>
+                <a:cs typeface="Courier New"/>
+                <a:sym typeface="Courier New"/>
+              </a:rPr>
+              <a:t>end when</a:t>
+            </a:r>
+            <a:r>
+              <a:rPr lang="sv" sz="1200" dirty="0">
+                <a:solidFill>
+                  <a:srgbClr val="000000"/>
+                </a:solidFill>
+                <a:latin typeface="Courier New"/>
+                <a:ea typeface="Courier New"/>
+                <a:cs typeface="Courier New"/>
+                <a:sym typeface="Courier New"/>
+              </a:rPr>
+              <a:t>;</a:t>
+            </a:r>
+          </a:p>
+          <a:p>
+            <a:pPr lvl="0">
+              <a:lnSpc>
+                <a:spcPct val="115000"/>
+              </a:lnSpc>
+              <a:spcBef>
+                <a:spcPts val="0"/>
+              </a:spcBef>
+              <a:spcAft>
+                <a:spcPts val="0"/>
+              </a:spcAft>
+              <a:buNone/>
+            </a:pPr>
+            <a:r>
+              <a:rPr lang="sv" sz="1200" b="1" dirty="0">
+                <a:solidFill>
+                  <a:srgbClr val="0000FF"/>
+                </a:solidFill>
+                <a:latin typeface="Courier New"/>
+                <a:ea typeface="Courier New"/>
+                <a:cs typeface="Courier New"/>
+                <a:sym typeface="Courier New"/>
+              </a:rPr>
+              <a:t>end</a:t>
+            </a:r>
+            <a:r>
+              <a:rPr lang="sv" sz="1200" dirty="0">
+                <a:solidFill>
+                  <a:srgbClr val="000000"/>
+                </a:solidFill>
+                <a:latin typeface="Courier New"/>
+                <a:ea typeface="Courier New"/>
+                <a:cs typeface="Courier New"/>
+                <a:sym typeface="Courier New"/>
+              </a:rPr>
+              <a:t> BouncingBall;</a:t>
+            </a:r>
+          </a:p>
+          <a:p>
+            <a:pPr lvl="0">
+              <a:spcBef>
+                <a:spcPts val="0"/>
+              </a:spcBef>
+              <a:buNone/>
+            </a:pPr>
+            <a:endParaRPr dirty="0"/>
+          </a:p>
+        </p:txBody>
+      </p:sp>
+    </p:spTree>
+  </p:cSld>
+  <p:clrMapOvr>
+    <a:masterClrMapping/>
+  </p:clrMapOvr>
+</p:sld>
+</file>
+
+<file path=ppt/slides/slide4.xml><?xml version="1.0" encoding="utf-8"?>
+<p:sld xmlns:a="http://schemas.openxmlformats.org/drawingml/2006/main" xmlns:r="http://schemas.openxmlformats.org/officeDocument/2006/relationships" xmlns:p="http://schemas.openxmlformats.org/presentationml/2006/main">
+  <p:cSld>
+    <p:spTree>
+      <p:nvGrpSpPr>
+        <p:cNvPr id="1" name=""/>
+        <p:cNvGrpSpPr/>
+        <p:nvPr/>
+      </p:nvGrpSpPr>
+      <p:grpSpPr>
+        <a:xfrm>
+          <a:off x="0" y="0"/>
+          <a:ext cx="0" cy="0"/>
+          <a:chOff x="0" y="0"/>
+          <a:chExt cx="0" cy="0"/>
+        </a:xfrm>
+      </p:grpSpPr>
+      <p:sp>
+        <p:nvSpPr>
+          <p:cNvPr id="2" name="Title 1">
+            <a:extLst>
+              <a:ext uri="{FF2B5EF4-FFF2-40B4-BE49-F238E27FC236}">
+                <a16:creationId xmlns:a16="http://schemas.microsoft.com/office/drawing/2014/main" id="{CB027881-E06F-4CEA-A56A-590AF7F813A2}"/>
+              </a:ext>
+            </a:extLst>
+          </p:cNvPr>
+          <p:cNvSpPr>
+            <a:spLocks noGrp="1"/>
+          </p:cNvSpPr>
+          <p:nvPr>
+            <p:ph type="title"/>
+          </p:nvPr>
+        </p:nvSpPr>
+        <p:spPr/>
+        <p:txBody>
+          <a:bodyPr/>
+          <a:lstStyle/>
+          <a:p>
+            <a:r>
+              <a:rPr lang="sv-SE" dirty="0"/>
+              <a:t>Source tree name lookup limitations</a:t>
+            </a:r>
+            <a:endParaRPr lang="en-US" dirty="0"/>
+          </a:p>
+        </p:txBody>
+      </p:sp>
+      <p:sp>
+        <p:nvSpPr>
+          <p:cNvPr id="3" name="TextBox 2">
+            <a:extLst>
+              <a:ext uri="{FF2B5EF4-FFF2-40B4-BE49-F238E27FC236}">
+                <a16:creationId xmlns:a16="http://schemas.microsoft.com/office/drawing/2014/main" id="{3BA7DC01-C747-4EBD-9E3E-ED4D18D02FBA}"/>
+              </a:ext>
+            </a:extLst>
+          </p:cNvPr>
+          <p:cNvSpPr txBox="1"/>
+          <p:nvPr/>
+        </p:nvSpPr>
+        <p:spPr>
+          <a:xfrm>
+            <a:off x="98250" y="720842"/>
+            <a:ext cx="8391654" cy="2123658"/>
+          </a:xfrm>
+          <a:prstGeom prst="rect">
+            <a:avLst/>
+          </a:prstGeom>
+          <a:noFill/>
+        </p:spPr>
+        <p:txBody>
+          <a:bodyPr wrap="square" rtlCol="0">
+            <a:spAutoFit/>
+          </a:bodyPr>
+          <a:lstStyle/>
+          <a:p>
+            <a:r>
+              <a:rPr lang="en-US" sz="1200" b="1" dirty="0">
+                <a:solidFill>
+                  <a:srgbClr val="0000FF"/>
+                </a:solidFill>
+                <a:latin typeface="Courier New" panose="02070309020205020404" pitchFamily="49" charset="0"/>
+                <a:cs typeface="Courier New" panose="02070309020205020404" pitchFamily="49" charset="0"/>
+              </a:rPr>
+              <a:t>package</a:t>
+            </a:r>
+            <a:r>
+              <a:rPr lang="en-US" sz="1200" dirty="0">
+                <a:latin typeface="Courier New" panose="02070309020205020404" pitchFamily="49" charset="0"/>
+                <a:cs typeface="Courier New" panose="02070309020205020404" pitchFamily="49" charset="0"/>
+              </a:rPr>
+              <a:t> P</a:t>
+            </a:r>
+          </a:p>
+          <a:p>
+            <a:r>
+              <a:rPr lang="en-US" sz="1200" dirty="0">
+                <a:latin typeface="Courier New" panose="02070309020205020404" pitchFamily="49" charset="0"/>
+                <a:cs typeface="Courier New" panose="02070309020205020404" pitchFamily="49" charset="0"/>
+              </a:rPr>
+              <a:t>  </a:t>
+            </a:r>
+            <a:r>
+              <a:rPr lang="en-US" sz="1200" b="1" dirty="0">
+                <a:solidFill>
+                  <a:srgbClr val="0000FF"/>
+                </a:solidFill>
+                <a:latin typeface="Courier New" panose="02070309020205020404" pitchFamily="49" charset="0"/>
+                <a:cs typeface="Courier New" panose="02070309020205020404" pitchFamily="49" charset="0"/>
+              </a:rPr>
+              <a:t>model</a:t>
+            </a:r>
+            <a:r>
+              <a:rPr lang="en-US" sz="1200" dirty="0">
+                <a:latin typeface="Courier New" panose="02070309020205020404" pitchFamily="49" charset="0"/>
+                <a:cs typeface="Courier New" panose="02070309020205020404" pitchFamily="49" charset="0"/>
+              </a:rPr>
+              <a:t> M1</a:t>
+            </a:r>
+          </a:p>
+          <a:p>
+            <a:r>
+              <a:rPr lang="en-US" sz="1200" dirty="0">
+                <a:latin typeface="Courier New" panose="02070309020205020404" pitchFamily="49" charset="0"/>
+                <a:cs typeface="Courier New" panose="02070309020205020404" pitchFamily="49" charset="0"/>
+              </a:rPr>
+              <a:t>    </a:t>
+            </a:r>
+            <a:r>
+              <a:rPr lang="en-US" sz="1200" b="1" dirty="0">
+                <a:solidFill>
+                  <a:srgbClr val="0000FF"/>
+                </a:solidFill>
+                <a:latin typeface="Courier New" panose="02070309020205020404" pitchFamily="49" charset="0"/>
+                <a:cs typeface="Courier New" panose="02070309020205020404" pitchFamily="49" charset="0"/>
+              </a:rPr>
+              <a:t>replaceable package </a:t>
+            </a:r>
+            <a:r>
+              <a:rPr lang="en-US" sz="1200" dirty="0">
+                <a:latin typeface="Courier New" panose="02070309020205020404" pitchFamily="49" charset="0"/>
+                <a:cs typeface="Courier New" panose="02070309020205020404" pitchFamily="49" charset="0"/>
+              </a:rPr>
+              <a:t>P0 = P1;</a:t>
+            </a:r>
+          </a:p>
+          <a:p>
+            <a:r>
+              <a:rPr lang="en-US" sz="1200" dirty="0">
+                <a:latin typeface="Courier New" panose="02070309020205020404" pitchFamily="49" charset="0"/>
+                <a:cs typeface="Courier New" panose="02070309020205020404" pitchFamily="49" charset="0"/>
+              </a:rPr>
+              <a:t>    </a:t>
+            </a:r>
+            <a:r>
+              <a:rPr lang="en-US" sz="1200" b="1" dirty="0">
+                <a:solidFill>
+                  <a:srgbClr val="0000FF"/>
+                </a:solidFill>
+                <a:latin typeface="Courier New" panose="02070309020205020404" pitchFamily="49" charset="0"/>
+                <a:cs typeface="Courier New" panose="02070309020205020404" pitchFamily="49" charset="0"/>
+              </a:rPr>
+              <a:t>function</a:t>
+            </a:r>
+            <a:r>
+              <a:rPr lang="en-US" sz="1200" dirty="0">
+                <a:latin typeface="Courier New" panose="02070309020205020404" pitchFamily="49" charset="0"/>
+                <a:cs typeface="Courier New" panose="02070309020205020404" pitchFamily="49" charset="0"/>
+              </a:rPr>
+              <a:t> f = P0.f;</a:t>
+            </a:r>
+          </a:p>
+          <a:p>
+            <a:r>
+              <a:rPr lang="en-US" sz="1200" dirty="0">
+                <a:latin typeface="Courier New" panose="02070309020205020404" pitchFamily="49" charset="0"/>
+                <a:cs typeface="Courier New" panose="02070309020205020404" pitchFamily="49" charset="0"/>
+              </a:rPr>
+              <a:t>  </a:t>
+            </a:r>
+            <a:r>
+              <a:rPr lang="en-US" sz="1200" b="1" dirty="0">
+                <a:solidFill>
+                  <a:srgbClr val="0000FF"/>
+                </a:solidFill>
+                <a:latin typeface="Courier New" panose="02070309020205020404" pitchFamily="49" charset="0"/>
+                <a:cs typeface="Courier New" panose="02070309020205020404" pitchFamily="49" charset="0"/>
+              </a:rPr>
+              <a:t>end</a:t>
+            </a:r>
+            <a:r>
+              <a:rPr lang="en-US" sz="1200" dirty="0">
+                <a:latin typeface="Courier New" panose="02070309020205020404" pitchFamily="49" charset="0"/>
+                <a:cs typeface="Courier New" panose="02070309020205020404" pitchFamily="49" charset="0"/>
+              </a:rPr>
+              <a:t> M1;</a:t>
+            </a:r>
+          </a:p>
+          <a:p>
+            <a:endParaRPr lang="en-US" sz="1200" dirty="0">
+              <a:latin typeface="Courier New" panose="02070309020205020404" pitchFamily="49" charset="0"/>
+              <a:cs typeface="Courier New" panose="02070309020205020404" pitchFamily="49" charset="0"/>
+            </a:endParaRPr>
+          </a:p>
+          <a:p>
+            <a:r>
+              <a:rPr lang="en-US" sz="1200" dirty="0">
+                <a:latin typeface="Courier New" panose="02070309020205020404" pitchFamily="49" charset="0"/>
+                <a:cs typeface="Courier New" panose="02070309020205020404" pitchFamily="49" charset="0"/>
+              </a:rPr>
+              <a:t>  </a:t>
+            </a:r>
+            <a:r>
+              <a:rPr lang="en-US" sz="1200" b="1" dirty="0">
+                <a:solidFill>
+                  <a:srgbClr val="0000FF"/>
+                </a:solidFill>
+                <a:latin typeface="Courier New" panose="02070309020205020404" pitchFamily="49" charset="0"/>
+                <a:cs typeface="Courier New" panose="02070309020205020404" pitchFamily="49" charset="0"/>
+              </a:rPr>
+              <a:t>model</a:t>
+            </a:r>
+            <a:r>
+              <a:rPr lang="en-US" sz="1200" dirty="0">
+                <a:latin typeface="Courier New" panose="02070309020205020404" pitchFamily="49" charset="0"/>
+                <a:cs typeface="Courier New" panose="02070309020205020404" pitchFamily="49" charset="0"/>
+              </a:rPr>
+              <a:t> M2</a:t>
+            </a:r>
+          </a:p>
+          <a:p>
+            <a:r>
+              <a:rPr lang="en-US" sz="1200" dirty="0">
+                <a:latin typeface="Courier New" panose="02070309020205020404" pitchFamily="49" charset="0"/>
+                <a:cs typeface="Courier New" panose="02070309020205020404" pitchFamily="49" charset="0"/>
+              </a:rPr>
+              <a:t>    M1 m(</a:t>
+            </a:r>
+            <a:r>
+              <a:rPr lang="en-US" sz="1200" b="1" dirty="0">
+                <a:solidFill>
+                  <a:srgbClr val="0000FF"/>
+                </a:solidFill>
+                <a:latin typeface="Courier New" panose="02070309020205020404" pitchFamily="49" charset="0"/>
+                <a:cs typeface="Courier New" panose="02070309020205020404" pitchFamily="49" charset="0"/>
+              </a:rPr>
+              <a:t>replaceable package </a:t>
+            </a:r>
+            <a:r>
+              <a:rPr lang="en-US" sz="1200" dirty="0">
+                <a:latin typeface="Courier New" panose="02070309020205020404" pitchFamily="49" charset="0"/>
+                <a:cs typeface="Courier New" panose="02070309020205020404" pitchFamily="49" charset="0"/>
+              </a:rPr>
+              <a:t>P0 = P2);</a:t>
+            </a:r>
+          </a:p>
+          <a:p>
+            <a:r>
+              <a:rPr lang="en-US" sz="1200" dirty="0">
+                <a:latin typeface="Courier New" panose="02070309020205020404" pitchFamily="49" charset="0"/>
+                <a:cs typeface="Courier New" panose="02070309020205020404" pitchFamily="49" charset="0"/>
+              </a:rPr>
+              <a:t>    Real y = </a:t>
+            </a:r>
+            <a:r>
+              <a:rPr lang="en-US" sz="1200" dirty="0" err="1">
+                <a:latin typeface="Courier New" panose="02070309020205020404" pitchFamily="49" charset="0"/>
+                <a:cs typeface="Courier New" panose="02070309020205020404" pitchFamily="49" charset="0"/>
+              </a:rPr>
+              <a:t>m.f</a:t>
+            </a:r>
+            <a:r>
+              <a:rPr lang="en-US" sz="1200" dirty="0">
+                <a:latin typeface="Courier New" panose="02070309020205020404" pitchFamily="49" charset="0"/>
+                <a:cs typeface="Courier New" panose="02070309020205020404" pitchFamily="49" charset="0"/>
+              </a:rPr>
+              <a:t> (10);</a:t>
+            </a:r>
+          </a:p>
+          <a:p>
+            <a:r>
+              <a:rPr lang="en-US" sz="1200" dirty="0">
+                <a:latin typeface="Courier New" panose="02070309020205020404" pitchFamily="49" charset="0"/>
+                <a:cs typeface="Courier New" panose="02070309020205020404" pitchFamily="49" charset="0"/>
+              </a:rPr>
+              <a:t>  </a:t>
+            </a:r>
+            <a:r>
+              <a:rPr lang="en-US" sz="1200" b="1" dirty="0">
+                <a:solidFill>
+                  <a:srgbClr val="0000FF"/>
+                </a:solidFill>
+                <a:latin typeface="Courier New" panose="02070309020205020404" pitchFamily="49" charset="0"/>
+                <a:cs typeface="Courier New" panose="02070309020205020404" pitchFamily="49" charset="0"/>
+              </a:rPr>
+              <a:t>end</a:t>
+            </a:r>
+            <a:r>
+              <a:rPr lang="en-US" sz="1200" dirty="0">
+                <a:latin typeface="Courier New" panose="02070309020205020404" pitchFamily="49" charset="0"/>
+                <a:cs typeface="Courier New" panose="02070309020205020404" pitchFamily="49" charset="0"/>
+              </a:rPr>
+              <a:t> M2;</a:t>
+            </a:r>
+          </a:p>
+          <a:p>
+            <a:r>
+              <a:rPr lang="en-US" sz="1200" b="1" dirty="0">
+                <a:solidFill>
+                  <a:srgbClr val="0000FF"/>
+                </a:solidFill>
+                <a:latin typeface="Courier New" panose="02070309020205020404" pitchFamily="49" charset="0"/>
+                <a:cs typeface="Courier New" panose="02070309020205020404" pitchFamily="49" charset="0"/>
+              </a:rPr>
+              <a:t>end</a:t>
+            </a:r>
+            <a:r>
+              <a:rPr lang="en-US" sz="1200" dirty="0">
+                <a:latin typeface="Courier New" panose="02070309020205020404" pitchFamily="49" charset="0"/>
+                <a:cs typeface="Courier New" panose="02070309020205020404" pitchFamily="49" charset="0"/>
+              </a:rPr>
+              <a:t> P;</a:t>
+            </a:r>
+          </a:p>
+        </p:txBody>
+      </p:sp>
+    </p:spTree>
+    <p:extLst>
+      <p:ext uri="{BB962C8B-B14F-4D97-AF65-F5344CB8AC3E}">
+        <p14:creationId xmlns:p14="http://schemas.microsoft.com/office/powerpoint/2010/main" val="1266933150"/>
+      </p:ext>
+    </p:extLst>
+  </p:cSld>
+  <p:clrMapOvr>
+    <a:masterClrMapping/>
+  </p:clrMapOvr>
+</p:sld>
+</file>
+
+<file path=ppt/slides/slide5.xml><?xml version="1.0" encoding="utf-8"?>
+<p:sld xmlns:a="http://schemas.openxmlformats.org/drawingml/2006/main" xmlns:r="http://schemas.openxmlformats.org/officeDocument/2006/relationships" xmlns:p="http://schemas.openxmlformats.org/presentationml/2006/main">
+  <p:cSld>
+    <p:spTree>
+      <p:nvGrpSpPr>
+        <p:cNvPr id="1" name="Shape 85"/>
+        <p:cNvGrpSpPr/>
+        <p:nvPr/>
+      </p:nvGrpSpPr>
+      <p:grpSpPr>
+        <a:xfrm>
+          <a:off x="0" y="0"/>
+          <a:ext cx="0" cy="0"/>
+          <a:chOff x="0" y="0"/>
+          <a:chExt cx="0" cy="0"/>
+        </a:xfrm>
+      </p:grpSpPr>
+      <p:sp>
+        <p:nvSpPr>
+          <p:cNvPr id="86" name="Shape 86"/>
+          <p:cNvSpPr txBox="1">
+            <a:spLocks noGrp="1"/>
+          </p:cNvSpPr>
+          <p:nvPr>
+            <p:ph type="title"/>
+          </p:nvPr>
+        </p:nvSpPr>
+        <p:spPr>
+          <a:xfrm>
+            <a:off x="471900" y="738725"/>
+            <a:ext cx="8222100" cy="767700"/>
+          </a:xfrm>
+          <a:prstGeom prst="rect">
+            <a:avLst/>
+          </a:prstGeom>
+        </p:spPr>
+        <p:txBody>
+          <a:bodyPr lIns="91425" tIns="91425" rIns="91425" bIns="91425" anchor="b" anchorCtr="0">
+            <a:noAutofit/>
+          </a:bodyPr>
+          <a:lstStyle/>
+          <a:p>
+            <a:pPr lvl="0">
+              <a:spcBef>
+                <a:spcPts val="0"/>
+              </a:spcBef>
+              <a:buNone/>
+            </a:pPr>
+            <a:r>
+              <a:rPr lang="sv" dirty="0"/>
+              <a:t>O</a:t>
+            </a:r>
+            <a:r>
+              <a:rPr lang="en-US" dirty="0"/>
+              <a:t>PTIMICA Compiler Toolkit and</a:t>
+            </a:r>
+            <a:r>
+              <a:rPr lang="sv" dirty="0"/>
+              <a:t> JModelica.org</a:t>
+            </a:r>
+          </a:p>
+        </p:txBody>
+      </p:sp>
+      <p:sp>
+        <p:nvSpPr>
+          <p:cNvPr id="87" name="Shape 87"/>
+          <p:cNvSpPr txBox="1">
+            <a:spLocks noGrp="1"/>
+          </p:cNvSpPr>
+          <p:nvPr>
+            <p:ph type="body" idx="1"/>
+          </p:nvPr>
+        </p:nvSpPr>
+        <p:spPr>
+          <a:xfrm>
+            <a:off x="471900" y="1919075"/>
+            <a:ext cx="8222100" cy="2710200"/>
+          </a:xfrm>
+          <a:prstGeom prst="rect">
+            <a:avLst/>
+          </a:prstGeom>
+        </p:spPr>
+        <p:txBody>
+          <a:bodyPr lIns="91425" tIns="91425" rIns="91425" bIns="91425" anchor="t" anchorCtr="0">
+            <a:noAutofit/>
+          </a:bodyPr>
+          <a:lstStyle/>
+          <a:p>
+            <a:pPr lvl="0">
+              <a:spcBef>
+                <a:spcPts val="0"/>
+              </a:spcBef>
+              <a:buNone/>
+            </a:pPr>
+            <a:endParaRPr dirty="0"/>
+          </a:p>
+        </p:txBody>
+      </p:sp>
+    </p:spTree>
+  </p:cSld>
+  <p:clrMapOvr>
+    <a:masterClrMapping/>
+  </p:clrMapOvr>
+</p:sld>
+</file>
+
+<file path=ppt/slides/slide6.xml><?xml version="1.0" encoding="utf-8"?>
+<p:sld xmlns:a="http://schemas.openxmlformats.org/drawingml/2006/main" xmlns:r="http://schemas.openxmlformats.org/officeDocument/2006/relationships" xmlns:p="http://schemas.openxmlformats.org/presentationml/2006/main">
+  <p:cSld>
+    <p:spTree>
+      <p:nvGrpSpPr>
+        <p:cNvPr id="1" name="Shape 91"/>
+        <p:cNvGrpSpPr/>
+        <p:nvPr/>
+      </p:nvGrpSpPr>
+      <p:grpSpPr>
+        <a:xfrm>
+          <a:off x="0" y="0"/>
+          <a:ext cx="0" cy="0"/>
+          <a:chOff x="0" y="0"/>
+          <a:chExt cx="0" cy="0"/>
+        </a:xfrm>
+      </p:grpSpPr>
+      <p:sp>
+        <p:nvSpPr>
+          <p:cNvPr id="92" name="Shape 92"/>
+          <p:cNvSpPr txBox="1">
+            <a:spLocks noGrp="1"/>
+          </p:cNvSpPr>
+          <p:nvPr>
+            <p:ph type="title"/>
+          </p:nvPr>
+        </p:nvSpPr>
+        <p:spPr>
+          <a:xfrm>
+            <a:off x="471900" y="738725"/>
+            <a:ext cx="8222100" cy="767700"/>
+          </a:xfrm>
+          <a:prstGeom prst="rect">
+            <a:avLst/>
+          </a:prstGeom>
+        </p:spPr>
+        <p:txBody>
+          <a:bodyPr lIns="91425" tIns="91425" rIns="91425" bIns="91425" anchor="b" anchorCtr="0">
+            <a:noAutofit/>
+          </a:bodyPr>
+          <a:lstStyle/>
+          <a:p>
+            <a:pPr lvl="0">
+              <a:spcBef>
+                <a:spcPts val="0"/>
+              </a:spcBef>
+              <a:buNone/>
+            </a:pPr>
+            <a:r>
+              <a:rPr lang="en-US" dirty="0"/>
+              <a:t>Model Testing Toolkit</a:t>
+            </a:r>
+            <a:endParaRPr lang="sv" dirty="0"/>
+          </a:p>
+        </p:txBody>
+      </p:sp>
+      <p:sp>
+        <p:nvSpPr>
+          <p:cNvPr id="93" name="Shape 93"/>
+          <p:cNvSpPr txBox="1">
+            <a:spLocks noGrp="1"/>
+          </p:cNvSpPr>
+          <p:nvPr>
+            <p:ph type="body" idx="1"/>
+          </p:nvPr>
+        </p:nvSpPr>
+        <p:spPr>
+          <a:xfrm>
+            <a:off x="471900" y="1919075"/>
+            <a:ext cx="8222100" cy="2710200"/>
+          </a:xfrm>
+          <a:prstGeom prst="rect">
+            <a:avLst/>
+          </a:prstGeom>
+        </p:spPr>
+        <p:txBody>
+          <a:bodyPr lIns="91425" tIns="91425" rIns="91425" bIns="91425" anchor="t" anchorCtr="0">
+            <a:noAutofit/>
+          </a:bodyPr>
+          <a:lstStyle/>
+          <a:p>
+            <a:pPr lvl="0">
+              <a:spcBef>
+                <a:spcPts val="0"/>
+              </a:spcBef>
+              <a:buNone/>
+            </a:pPr>
+            <a:endParaRPr dirty="0"/>
+          </a:p>
+        </p:txBody>
+      </p:sp>
+      <p:graphicFrame>
+        <p:nvGraphicFramePr>
+          <p:cNvPr id="2" name="Diagram 1">
+            <a:extLst>
+              <a:ext uri="{FF2B5EF4-FFF2-40B4-BE49-F238E27FC236}">
+                <a16:creationId xmlns:a16="http://schemas.microsoft.com/office/drawing/2014/main" id="{4A771E42-F786-4BB0-97DF-833B5A14CE91}"/>
+              </a:ext>
+            </a:extLst>
+          </p:cNvPr>
+          <p:cNvGraphicFramePr/>
+          <p:nvPr>
+            <p:extLst>
+              <p:ext uri="{D42A27DB-BD31-4B8C-83A1-F6EECF244321}">
+                <p14:modId xmlns:p14="http://schemas.microsoft.com/office/powerpoint/2010/main" val="2312780197"/>
+              </p:ext>
+            </p:extLst>
+          </p:nvPr>
+        </p:nvGraphicFramePr>
+        <p:xfrm>
+          <a:off x="1524000" y="539750"/>
+          <a:ext cx="6096000" cy="4064000"/>
+        </p:xfrm>
+        <a:graphic>
+          <a:graphicData uri="http://schemas.openxmlformats.org/drawingml/2006/diagram">
+            <dgm:relIds xmlns:dgm="http://schemas.openxmlformats.org/drawingml/2006/diagram" xmlns:r="http://schemas.openxmlformats.org/officeDocument/2006/relationships" r:dm="rId3" r:lo="rId4" r:qs="rId5" r:cs="rId6"/>
+          </a:graphicData>
+        </a:graphic>
+      </p:graphicFrame>
+    </p:spTree>
+  </p:cSld>
+  <p:clrMapOvr>
+    <a:masterClrMapping/>
+  </p:clrMapOvr>
+</p:sld>
+</file>
+
+<file path=ppt/slides/slide7.xml><?xml version="1.0" encoding="utf-8"?>
+<p:sld xmlns:a="http://schemas.openxmlformats.org/drawingml/2006/main" xmlns:r="http://schemas.openxmlformats.org/officeDocument/2006/relationships" xmlns:p="http://schemas.openxmlformats.org/presentationml/2006/main">
+  <p:cSld>
+    <p:spTree>
+      <p:nvGrpSpPr>
+        <p:cNvPr id="1" name="Shape 97"/>
+        <p:cNvGrpSpPr/>
+        <p:nvPr/>
+      </p:nvGrpSpPr>
+      <p:grpSpPr>
+        <a:xfrm>
+          <a:off x="0" y="0"/>
+          <a:ext cx="0" cy="0"/>
+          <a:chOff x="0" y="0"/>
+          <a:chExt cx="0" cy="0"/>
+        </a:xfrm>
+      </p:grpSpPr>
+      <p:sp>
+        <p:nvSpPr>
+          <p:cNvPr id="98" name="Shape 98"/>
+          <p:cNvSpPr txBox="1">
+            <a:spLocks noGrp="1"/>
+          </p:cNvSpPr>
+          <p:nvPr>
+            <p:ph type="title"/>
+          </p:nvPr>
+        </p:nvSpPr>
+        <p:spPr>
+          <a:prstGeom prst="rect">
+            <a:avLst/>
+          </a:prstGeom>
+        </p:spPr>
+        <p:txBody>
+          <a:bodyPr lIns="91425" tIns="91425" rIns="91425" bIns="91425" anchor="b" anchorCtr="0">
+            <a:noAutofit/>
+          </a:bodyPr>
+          <a:lstStyle/>
+          <a:p>
+            <a:pPr lvl="0">
+              <a:spcBef>
+                <a:spcPts val="0"/>
+              </a:spcBef>
+              <a:buNone/>
+            </a:pPr>
+            <a:r>
+              <a:rPr lang="en-US" dirty="0"/>
+              <a:t>Dependency rules</a:t>
+            </a:r>
+            <a:endParaRPr lang="sv" dirty="0"/>
+          </a:p>
+        </p:txBody>
+      </p:sp>
+      <p:sp>
+        <p:nvSpPr>
+          <p:cNvPr id="99" name="Shape 99"/>
+          <p:cNvSpPr txBox="1">
+            <a:spLocks noGrp="1"/>
+          </p:cNvSpPr>
+          <p:nvPr>
+            <p:ph type="body" idx="4294967295"/>
+          </p:nvPr>
+        </p:nvSpPr>
+        <p:spPr>
+          <a:xfrm>
+            <a:off x="166861" y="619050"/>
+            <a:ext cx="8977139" cy="4449357"/>
+          </a:xfrm>
+          <a:prstGeom prst="rect">
+            <a:avLst/>
+          </a:prstGeom>
+        </p:spPr>
+        <p:txBody>
+          <a:bodyPr lIns="91425" tIns="91425" rIns="91425" bIns="91425" anchor="t" anchorCtr="0">
+            <a:noAutofit/>
+          </a:bodyPr>
+          <a:lstStyle/>
+          <a:p>
+            <a:pPr marL="342900" indent="-342900"/>
+            <a:r>
+              <a:rPr lang="en-US" dirty="0"/>
+              <a:t>A class depends on all classes referenced by resolvable accesses within it, not including accesses within paths.</a:t>
+            </a:r>
+          </a:p>
+          <a:p>
+            <a:pPr marL="342900" indent="-342900"/>
+            <a:r>
+              <a:rPr lang="en-US" dirty="0"/>
+              <a:t>A class depends on its enclosing class.</a:t>
+            </a:r>
+          </a:p>
+          <a:p>
+            <a:pPr marL="342900" indent="-342900"/>
+            <a:r>
+              <a:rPr lang="en-US" dirty="0"/>
+              <a:t>A class depends on all classes referenced by access paths within it. A unresolvable access can still contain resolvable accesses within its path.</a:t>
+            </a:r>
+          </a:p>
+          <a:p>
+            <a:pPr marL="342900" lvl="0" indent="-342900">
+              <a:buFont typeface="+mj-lt"/>
+              <a:buAutoNum type="arabicPeriod"/>
+            </a:pPr>
+            <a:endParaRPr dirty="0"/>
+          </a:p>
+        </p:txBody>
+      </p:sp>
+    </p:spTree>
+  </p:cSld>
+  <p:clrMapOvr>
+    <a:masterClrMapping/>
+  </p:clrMapOvr>
+</p:sld>
+</file>
+
+<file path=ppt/slides/slide8.xml><?xml version="1.0" encoding="utf-8"?>
+<p:sld xmlns:a="http://schemas.openxmlformats.org/drawingml/2006/main" xmlns:r="http://schemas.openxmlformats.org/officeDocument/2006/relationships" xmlns:p="http://schemas.openxmlformats.org/presentationml/2006/main">
+  <p:cSld>
+    <p:spTree>
+      <p:nvGrpSpPr>
+        <p:cNvPr id="1" name=""/>
+        <p:cNvGrpSpPr/>
+        <p:nvPr/>
+      </p:nvGrpSpPr>
+      <p:grpSpPr>
+        <a:xfrm>
+          <a:off x="0" y="0"/>
+          <a:ext cx="0" cy="0"/>
+          <a:chOff x="0" y="0"/>
+          <a:chExt cx="0" cy="0"/>
+        </a:xfrm>
+      </p:grpSpPr>
+      <p:sp>
+        <p:nvSpPr>
+          <p:cNvPr id="2" name="Title 1">
+            <a:extLst>
+              <a:ext uri="{FF2B5EF4-FFF2-40B4-BE49-F238E27FC236}">
+                <a16:creationId xmlns:a16="http://schemas.microsoft.com/office/drawing/2014/main" id="{2944E445-2DA2-41DB-AAFE-0FD1EDD6F21B}"/>
+              </a:ext>
+            </a:extLst>
+          </p:cNvPr>
+          <p:cNvSpPr>
+            <a:spLocks noGrp="1"/>
+          </p:cNvSpPr>
+          <p:nvPr>
+            <p:ph type="title"/>
+          </p:nvPr>
+        </p:nvSpPr>
+        <p:spPr/>
+        <p:txBody>
+          <a:bodyPr/>
+          <a:lstStyle/>
+          <a:p>
+            <a:r>
+              <a:rPr lang="sv-SE" dirty="0"/>
+              <a:t>Dependency rules</a:t>
+            </a:r>
+            <a:endParaRPr lang="en-US" dirty="0"/>
+          </a:p>
+        </p:txBody>
+      </p:sp>
+      <p:sp>
+        <p:nvSpPr>
+          <p:cNvPr id="3" name="Rectangle 2">
+            <a:extLst>
+              <a:ext uri="{FF2B5EF4-FFF2-40B4-BE49-F238E27FC236}">
+                <a16:creationId xmlns:a16="http://schemas.microsoft.com/office/drawing/2014/main" id="{36A5D3DB-15F4-4F1B-A1B7-5D43E6E7C4DE}"/>
+              </a:ext>
+            </a:extLst>
+          </p:cNvPr>
+          <p:cNvSpPr/>
+          <p:nvPr/>
+        </p:nvSpPr>
+        <p:spPr>
+          <a:xfrm>
+            <a:off x="166861" y="1148797"/>
+            <a:ext cx="8757989" cy="1571712"/>
+          </a:xfrm>
+          <a:prstGeom prst="rect">
+            <a:avLst/>
+          </a:prstGeom>
+        </p:spPr>
+        <p:txBody>
+          <a:bodyPr wrap="square">
+            <a:spAutoFit/>
+          </a:bodyPr>
+          <a:lstStyle/>
+          <a:p>
+            <a:pPr marL="342900" lvl="0" indent="-342900">
+              <a:lnSpc>
+                <a:spcPct val="115000"/>
+              </a:lnSpc>
+              <a:spcAft>
+                <a:spcPts val="1600"/>
+              </a:spcAft>
+              <a:buClr>
+                <a:srgbClr val="737373"/>
+              </a:buClr>
+              <a:buSzPct val="100000"/>
+              <a:buFont typeface="Arial" panose="020B0604020202020204" pitchFamily="34" charset="0"/>
+              <a:buChar char="•"/>
+            </a:pPr>
+            <a:r>
+              <a:rPr lang="en-US" sz="1800" dirty="0">
+                <a:solidFill>
+                  <a:srgbClr val="737373"/>
+                </a:solidFill>
+                <a:latin typeface="Roboto"/>
+                <a:ea typeface="Roboto"/>
+                <a:sym typeface="Roboto"/>
+              </a:rPr>
+              <a:t>A class depends on all classes enclosed by an accessed class. This does not include access within paths but if an access is not resolvable, the last resolvable access in the path will be used instead. </a:t>
+            </a:r>
+          </a:p>
+          <a:p>
+            <a:pPr marL="342900" lvl="0" indent="-342900">
+              <a:lnSpc>
+                <a:spcPct val="115000"/>
+              </a:lnSpc>
+              <a:spcAft>
+                <a:spcPts val="1600"/>
+              </a:spcAft>
+              <a:buClr>
+                <a:srgbClr val="737373"/>
+              </a:buClr>
+              <a:buSzPct val="100000"/>
+              <a:buFont typeface="Arial" panose="020B0604020202020204" pitchFamily="34" charset="0"/>
+              <a:buChar char="•"/>
+            </a:pPr>
+            <a:r>
+              <a:rPr lang="en-US" sz="1800" dirty="0">
+                <a:solidFill>
+                  <a:srgbClr val="737373"/>
+                </a:solidFill>
+                <a:latin typeface="Roboto"/>
+                <a:ea typeface="Roboto"/>
+                <a:sym typeface="Roboto"/>
+              </a:rPr>
+              <a:t>Exception to Rule 4: Rule 4 is not applicable to import statements.</a:t>
+            </a:r>
+          </a:p>
+        </p:txBody>
+      </p:sp>
+    </p:spTree>
+    <p:extLst>
+      <p:ext uri="{BB962C8B-B14F-4D97-AF65-F5344CB8AC3E}">
+        <p14:creationId xmlns:p14="http://schemas.microsoft.com/office/powerpoint/2010/main" val="2123742391"/>
+      </p:ext>
+    </p:extLst>
+  </p:cSld>
+  <p:clrMapOvr>
+    <a:masterClrMapping/>
+  </p:clrMapOvr>
+</p:sld>
+</file>
+
+<file path=ppt/slides/slide9.xml><?xml version="1.0" encoding="utf-8"?>
+<p:sld xmlns:a="http://schemas.openxmlformats.org/drawingml/2006/main" xmlns:r="http://schemas.openxmlformats.org/officeDocument/2006/relationships" xmlns:p="http://schemas.openxmlformats.org/presentationml/2006/main">
+  <p:cSld>
+    <p:spTree>
+      <p:nvGrpSpPr>
+        <p:cNvPr id="1" name="Shape 103"/>
+        <p:cNvGrpSpPr/>
+        <p:nvPr/>
+      </p:nvGrpSpPr>
+      <p:grpSpPr>
+        <a:xfrm>
+          <a:off x="0" y="0"/>
+          <a:ext cx="0" cy="0"/>
+          <a:chOff x="0" y="0"/>
+          <a:chExt cx="0" cy="0"/>
+        </a:xfrm>
+      </p:grpSpPr>
+      <p:sp>
+        <p:nvSpPr>
+          <p:cNvPr id="104" name="Shape 104"/>
+          <p:cNvSpPr txBox="1">
+            <a:spLocks noGrp="1"/>
+          </p:cNvSpPr>
+          <p:nvPr>
+            <p:ph type="title"/>
+          </p:nvPr>
+        </p:nvSpPr>
+        <p:spPr>
+          <a:xfrm>
+            <a:off x="0" y="2095050"/>
+            <a:ext cx="3279000" cy="953400"/>
+          </a:xfrm>
+          <a:prstGeom prst="rect">
+            <a:avLst/>
+          </a:prstGeom>
+        </p:spPr>
+        <p:txBody>
+          <a:bodyPr lIns="91425" tIns="91425" rIns="91425" bIns="91425" anchor="ctr" anchorCtr="0">
+            <a:noAutofit/>
+          </a:bodyPr>
+          <a:lstStyle/>
+          <a:p>
+            <a:pPr lvl="0" algn="ctr" rtl="0">
+              <a:spcBef>
+                <a:spcPts val="0"/>
+              </a:spcBef>
+              <a:buNone/>
+            </a:pPr>
+            <a:r>
+              <a:rPr lang="sv"/>
+              <a:t>Added functionality in GUI</a:t>
+            </a:r>
+          </a:p>
+        </p:txBody>
+      </p:sp>
+      <p:pic>
+        <p:nvPicPr>
+          <p:cNvPr id="105" name="Shape 105" descr="MTT_Capture.PNG"/>
+          <p:cNvPicPr preferRelativeResize="0"/>
+          <p:nvPr/>
+        </p:nvPicPr>
+        <p:blipFill>
+          <a:blip r:embed="rId3">
+            <a:alphaModFix/>
+          </a:blip>
+          <a:stretch>
+            <a:fillRect/>
+          </a:stretch>
+        </p:blipFill>
+        <p:spPr>
+          <a:xfrm>
+            <a:off x="3405077" y="152400"/>
+            <a:ext cx="5570073" cy="4838698"/>
+          </a:xfrm>
+          <a:prstGeom prst="rect">
+            <a:avLst/>
+          </a:prstGeom>
+          <a:noFill/>
+          <a:ln>
+            <a:noFill/>
+          </a:ln>
+        </p:spPr>
+      </p:pic>
     </p:spTree>
   </p:cSld>
   <p:clrMapOvr>

--- a/Exjobbspresentation.pptx
+++ b/Exjobbspresentation.pptx
@@ -23,7 +23,7 @@
     <p:sldId id="281" r:id="rId14"/>
     <p:sldId id="276" r:id="rId15"/>
     <p:sldId id="277" r:id="rId16"/>
-    <p:sldId id="275" r:id="rId17"/>
+    <p:sldId id="283" r:id="rId17"/>
     <p:sldId id="264" r:id="rId18"/>
     <p:sldId id="268" r:id="rId19"/>
     <p:sldId id="265" r:id="rId20"/>
@@ -135,6 +135,10 @@
     </p:ext>
   </p:extLst>
 </p:presentation>
+</file>
+
+<file path=ppt/revisionInfo.xml><?xml version="1.0" encoding="utf-8"?>
+<p1510:revInfo xmlns:a="http://purl.oclc.org/ooxml/drawingml/main" xmlns:r="http://purl.oclc.org/ooxml/officeDocument/relationships" xmlns:p1510="http://schemas.microsoft.com/office/powerpoint/2015/10/main"/>
 </file>
 
 <file path=ppt/notesMasters/notesMaster1.xml><?xml version="1.0" encoding="utf-8"?>
@@ -588,7 +592,7 @@
     </p:spTree>
     <p:extLst>
       <p:ext uri="{BB962C8B-B14F-4D97-AF65-F5344CB8AC3E}">
-        <p14:creationId xmlns:p14="http://schemas.microsoft.com/office/powerpoint/2010/main" val="994899372"/>
+        <p14:creationId xmlns:p14="http://schemas.microsoft.com/office/powerpoint/2010/main" val="3622608949"/>
       </p:ext>
     </p:extLst>
   </p:cSld>
@@ -9376,7 +9380,7 @@
         </p:nvSpPr>
         <p:spPr>
           <a:xfrm>
-            <a:off x="507404" y="1015603"/>
+            <a:off x="506809" y="1015603"/>
             <a:ext cx="6448693" cy="432197"/>
           </a:xfrm>
         </p:spPr>
@@ -9631,10 +9635,10 @@
       </p:sp>
       <p:pic>
         <p:nvPicPr>
-          <p:cNvPr id="10" name="Content Placeholder 9">
+          <p:cNvPr id="12" name="Platshållare för innehåll 7">
             <a:extLst>
               <a:ext uri="{FF2B5EF4-FFF2-40B4-BE49-F238E27FC236}">
-                <a16:creationId xmlns:a16="http://schemas.microsoft.com/office/drawing/2014/main" id="{CE610C07-7379-413E-8881-7667C15986FE}"/>
+                <a16:creationId xmlns:a16="http://schemas.microsoft.com/office/drawing/2014/main" id="{95545C91-68E1-4ADF-9411-0B644AA987EA}"/>
               </a:ext>
             </a:extLst>
           </p:cNvPr>
@@ -9659,18 +9663,15 @@
         </p:blipFill>
         <p:spPr>
           <a:xfrm>
-            <a:off x="4041427" y="2052934"/>
-            <a:ext cx="1303218" cy="2478088"/>
+            <a:off x="4505040" y="2052934"/>
+            <a:ext cx="1124080" cy="2478087"/>
           </a:xfrm>
-          <a:prstGeom prst="rect">
-            <a:avLst/>
-          </a:prstGeom>
         </p:spPr>
       </p:pic>
     </p:spTree>
     <p:extLst>
       <p:ext uri="{BB962C8B-B14F-4D97-AF65-F5344CB8AC3E}">
-        <p14:creationId xmlns:p14="http://schemas.microsoft.com/office/powerpoint/2010/main" val="1390225028"/>
+        <p14:creationId xmlns:p14="http://schemas.microsoft.com/office/powerpoint/2010/main" val="2534488069"/>
       </p:ext>
     </p:extLst>
   </p:cSld>
@@ -10009,44 +10010,6 @@
           </a:p>
         </p:txBody>
       </p:sp>
-      <p:pic>
-        <p:nvPicPr>
-          <p:cNvPr id="10" name="Content Placeholder 9">
-            <a:extLst>
-              <a:ext uri="{FF2B5EF4-FFF2-40B4-BE49-F238E27FC236}">
-                <a16:creationId xmlns:a16="http://schemas.microsoft.com/office/drawing/2014/main" id="{CE610C07-7379-413E-8881-7667C15986FE}"/>
-              </a:ext>
-            </a:extLst>
-          </p:cNvPr>
-          <p:cNvPicPr>
-            <a:picLocks noGrp="1" noChangeAspect="1"/>
-          </p:cNvPicPr>
-          <p:nvPr>
-            <p:ph sz="quarter" idx="4"/>
-          </p:nvPr>
-        </p:nvPicPr>
-        <p:blipFill>
-          <a:blip r:embed="rId3">
-            <a:extLst>
-              <a:ext uri="{96DAC541-7B7A-43D3-8B79-37D633B846F1}">
-                <asvg:svgBlip xmlns:asvg="http://schemas.microsoft.com/office/drawing/2016/SVG/main" r:embed="rId4"/>
-              </a:ext>
-            </a:extLst>
-          </a:blip>
-          <a:stretch>
-            <a:fillRect/>
-          </a:stretch>
-        </p:blipFill>
-        <p:spPr>
-          <a:xfrm>
-            <a:off x="4041427" y="2052934"/>
-            <a:ext cx="1303218" cy="2478088"/>
-          </a:xfrm>
-          <a:prstGeom prst="rect">
-            <a:avLst/>
-          </a:prstGeom>
-        </p:spPr>
-      </p:pic>
       <p:sp>
         <p:nvSpPr>
           <p:cNvPr id="8" name="textruta 7"/>
@@ -10119,6 +10082,41 @@
           </a:fontRef>
         </p:style>
       </p:cxnSp>
+      <p:pic>
+        <p:nvPicPr>
+          <p:cNvPr id="12" name="Platshållare för innehåll 7">
+            <a:extLst>
+              <a:ext uri="{FF2B5EF4-FFF2-40B4-BE49-F238E27FC236}">
+                <a16:creationId xmlns:a16="http://schemas.microsoft.com/office/drawing/2014/main" id="{95545C91-68E1-4ADF-9411-0B644AA987EA}"/>
+              </a:ext>
+            </a:extLst>
+          </p:cNvPr>
+          <p:cNvPicPr>
+            <a:picLocks noGrp="1" noChangeAspect="1"/>
+          </p:cNvPicPr>
+          <p:nvPr>
+            <p:ph sz="quarter" idx="4"/>
+          </p:nvPr>
+        </p:nvPicPr>
+        <p:blipFill>
+          <a:blip r:embed="rId3">
+            <a:extLst>
+              <a:ext uri="{96DAC541-7B7A-43D3-8B79-37D633B846F1}">
+                <asvg:svgBlip xmlns:asvg="http://schemas.microsoft.com/office/drawing/2016/SVG/main" r:embed="rId4"/>
+              </a:ext>
+            </a:extLst>
+          </a:blip>
+          <a:stretch>
+            <a:fillRect/>
+          </a:stretch>
+        </p:blipFill>
+        <p:spPr>
+          <a:xfrm>
+            <a:off x="4505040" y="2052934"/>
+            <a:ext cx="1124080" cy="2478087"/>
+          </a:xfrm>
+        </p:spPr>
+      </p:pic>
     </p:spTree>
     <p:extLst>
       <p:ext uri="{BB962C8B-B14F-4D97-AF65-F5344CB8AC3E}">
@@ -10239,7 +10237,12 @@
             <p:ph sz="half" idx="2"/>
           </p:nvPr>
         </p:nvSpPr>
-        <p:spPr/>
+        <p:spPr>
+          <a:xfrm>
+            <a:off x="1403350" y="2052934"/>
+            <a:ext cx="2242676" cy="2478088"/>
+          </a:xfrm>
+        </p:spPr>
         <p:txBody>
           <a:bodyPr>
             <a:normAutofit/>
@@ -10309,31 +10312,41 @@
           </a:p>
         </p:txBody>
       </p:sp>
-      <p:sp>
-        <p:nvSpPr>
-          <p:cNvPr id="10" name="Platshållare för innehåll 9">
+      <p:pic>
+        <p:nvPicPr>
+          <p:cNvPr id="5" name="Platshållare för innehåll 4">
             <a:extLst>
               <a:ext uri="{FF2B5EF4-FFF2-40B4-BE49-F238E27FC236}">
-                <a16:creationId xmlns:a16="http://schemas.microsoft.com/office/drawing/2014/main" id="{E248F1EE-6099-406B-AF27-C500274624F2}"/>
+                <a16:creationId xmlns:a16="http://schemas.microsoft.com/office/drawing/2014/main" id="{12DE56E1-0367-4B39-8355-69FC4BFEA737}"/>
               </a:ext>
             </a:extLst>
           </p:cNvPr>
-          <p:cNvSpPr>
-            <a:spLocks noGrp="1"/>
-          </p:cNvSpPr>
+          <p:cNvPicPr>
+            <a:picLocks noGrp="1" noChangeAspect="1"/>
+          </p:cNvPicPr>
           <p:nvPr>
             <p:ph sz="quarter" idx="4"/>
           </p:nvPr>
-        </p:nvSpPr>
-        <p:spPr/>
-        <p:txBody>
-          <a:bodyPr/>
-          <a:lstStyle/>
-          <a:p>
-            <a:endParaRPr lang="en-US"/>
-          </a:p>
-        </p:txBody>
-      </p:sp>
+        </p:nvPicPr>
+        <p:blipFill>
+          <a:blip r:embed="rId2">
+            <a:extLst>
+              <a:ext uri="{96DAC541-7B7A-43D3-8B79-37D633B846F1}">
+                <asvg:svgBlip xmlns:asvg="http://schemas.microsoft.com/office/drawing/2016/SVG/main" r:embed="rId3"/>
+              </a:ext>
+            </a:extLst>
+          </a:blip>
+          <a:stretch>
+            <a:fillRect/>
+          </a:stretch>
+        </p:blipFill>
+        <p:spPr>
+          <a:xfrm>
+            <a:off x="3818731" y="2052934"/>
+            <a:ext cx="2638425" cy="1666875"/>
+          </a:xfrm>
+        </p:spPr>
+      </p:pic>
     </p:spTree>
     <p:extLst>
       <p:ext uri="{BB962C8B-B14F-4D97-AF65-F5344CB8AC3E}">
@@ -10454,7 +10467,12 @@
             <p:ph sz="half" idx="2"/>
           </p:nvPr>
         </p:nvSpPr>
-        <p:spPr/>
+        <p:spPr>
+          <a:xfrm>
+            <a:off x="2044700" y="2052934"/>
+            <a:ext cx="1601326" cy="2478088"/>
+          </a:xfrm>
+        </p:spPr>
         <p:txBody>
           <a:bodyPr>
             <a:normAutofit/>
@@ -10631,31 +10649,41 @@
           </a:p>
         </p:txBody>
       </p:sp>
-      <p:sp>
-        <p:nvSpPr>
-          <p:cNvPr id="13" name="Platshållare för innehåll 12">
+      <p:pic>
+        <p:nvPicPr>
+          <p:cNvPr id="5" name="Platshållare för innehåll 4">
             <a:extLst>
               <a:ext uri="{FF2B5EF4-FFF2-40B4-BE49-F238E27FC236}">
-                <a16:creationId xmlns:a16="http://schemas.microsoft.com/office/drawing/2014/main" id="{482CCBA3-2628-45A6-BB7E-941C171BCCD2}"/>
+                <a16:creationId xmlns:a16="http://schemas.microsoft.com/office/drawing/2014/main" id="{37669D9A-9903-4015-8205-ADE57C94E514}"/>
               </a:ext>
             </a:extLst>
           </p:cNvPr>
-          <p:cNvSpPr>
-            <a:spLocks noGrp="1"/>
-          </p:cNvSpPr>
+          <p:cNvPicPr>
+            <a:picLocks noGrp="1" noChangeAspect="1"/>
+          </p:cNvPicPr>
           <p:nvPr>
             <p:ph sz="quarter" idx="4"/>
           </p:nvPr>
-        </p:nvSpPr>
-        <p:spPr/>
-        <p:txBody>
-          <a:bodyPr/>
-          <a:lstStyle/>
-          <a:p>
-            <a:endParaRPr lang="en-US"/>
-          </a:p>
-        </p:txBody>
-      </p:sp>
+        </p:nvPicPr>
+        <p:blipFill>
+          <a:blip r:embed="rId2">
+            <a:extLst>
+              <a:ext uri="{96DAC541-7B7A-43D3-8B79-37D633B846F1}">
+                <asvg:svgBlip xmlns:asvg="http://schemas.microsoft.com/office/drawing/2016/SVG/main" r:embed="rId3"/>
+              </a:ext>
+            </a:extLst>
+          </a:blip>
+          <a:stretch>
+            <a:fillRect/>
+          </a:stretch>
+        </p:blipFill>
+        <p:spPr>
+          <a:xfrm>
+            <a:off x="3976175" y="2052934"/>
+            <a:ext cx="1371037" cy="2478087"/>
+          </a:xfrm>
+        </p:spPr>
+      </p:pic>
     </p:spTree>
     <p:extLst>
       <p:ext uri="{BB962C8B-B14F-4D97-AF65-F5344CB8AC3E}">
@@ -10710,7 +10738,13 @@
       </p:sp>
       <p:sp>
         <p:nvSpPr>
-          <p:cNvPr id="3" name="Platshållare för innehåll 2"/>
+          <p:cNvPr id="5" name="Platshållare för innehåll 4">
+            <a:extLst>
+              <a:ext uri="{FF2B5EF4-FFF2-40B4-BE49-F238E27FC236}">
+                <a16:creationId xmlns:a16="http://schemas.microsoft.com/office/drawing/2014/main" id="{554E0E03-B49A-44BA-834F-9A9A110B8EAF}"/>
+              </a:ext>
+            </a:extLst>
+          </p:cNvPr>
           <p:cNvSpPr>
             <a:spLocks noGrp="1"/>
           </p:cNvSpPr>
@@ -10723,66 +10757,34 @@
           <a:bodyPr/>
           <a:lstStyle/>
           <a:p>
-            <a:pPr marL="0" marR="0" lvl="0" indent="0" defTabSz="914400" eaLnBrk="1" fontAlgn="auto" latinLnBrk="0" hangingPunct="1">
-              <a:lnSpc>
-                <a:spcPct val="100%"/>
-              </a:lnSpc>
-              <a:spcBef>
-                <a:spcPts val="0"/>
-              </a:spcBef>
-              <a:spcAft>
-                <a:spcPts val="0"/>
-              </a:spcAft>
-              <a:buClrTx/>
-              <a:buSzTx/>
-              <a:buFontTx/>
-              <a:buNone/>
-              <a:tabLst/>
-              <a:defRPr/>
-            </a:pPr>
             <a:r>
               <a:rPr lang="en-US" dirty="0"/>
               <a:t>Evaluated in two ways:</a:t>
             </a:r>
           </a:p>
           <a:p>
-            <a:pPr defTabSz="914400">
-              <a:spcBef>
-                <a:spcPts val="0"/>
-              </a:spcBef>
-              <a:buClrTx/>
-              <a:buSzTx/>
-            </a:pPr>
+            <a:pPr lvl="1"/>
             <a:r>
               <a:rPr lang="en-US" dirty="0"/>
               <a:t>One file is changed</a:t>
             </a:r>
           </a:p>
           <a:p>
-            <a:pPr lvl="1" defTabSz="914400">
-              <a:spcBef>
-                <a:spcPts val="0"/>
-              </a:spcBef>
-              <a:buClrTx/>
-              <a:buSzTx/>
-            </a:pPr>
+            <a:pPr lvl="2"/>
             <a:r>
               <a:rPr lang="en-US" dirty="0"/>
               <a:t>Measured for all files</a:t>
             </a:r>
           </a:p>
           <a:p>
-            <a:pPr defTabSz="914400">
-              <a:spcBef>
-                <a:spcPts val="0"/>
-              </a:spcBef>
-              <a:buClrTx/>
-              <a:buSzTx/>
-            </a:pPr>
+            <a:pPr lvl="1"/>
             <a:r>
               <a:rPr lang="en-US" dirty="0"/>
               <a:t>Commit history for changed files</a:t>
             </a:r>
+          </a:p>
+          <a:p>
+            <a:endParaRPr lang="en-US" dirty="0"/>
           </a:p>
         </p:txBody>
       </p:sp>
@@ -10818,17 +10820,19 @@
       </p:grpSpPr>
       <p:pic>
         <p:nvPicPr>
-          <p:cNvPr id="5" name="Graphic 3">
+          <p:cNvPr id="11" name="Platshållare för innehåll 10">
             <a:extLst>
               <a:ext uri="{FF2B5EF4-FFF2-40B4-BE49-F238E27FC236}">
-                <a16:creationId xmlns:a16="http://schemas.microsoft.com/office/drawing/2014/main" id="{9C615522-D374-4524-9797-E39937B69397}"/>
+                <a16:creationId xmlns:a16="http://schemas.microsoft.com/office/drawing/2014/main" id="{A0C987E8-2969-49E3-9814-4519F503BF00}"/>
               </a:ext>
             </a:extLst>
           </p:cNvPr>
           <p:cNvPicPr>
-            <a:picLocks noChangeAspect="1"/>
+            <a:picLocks noGrp="1" noChangeAspect="1"/>
           </p:cNvPicPr>
-          <p:nvPr/>
+          <p:nvPr>
+            <p:ph idx="1"/>
+          </p:nvPr>
         </p:nvPicPr>
         <p:blipFill>
           <a:blip r:embed="rId2">
@@ -10844,144 +10848,11 @@
         </p:blipFill>
         <p:spPr>
           <a:xfrm>
-            <a:off x="167779" y="844666"/>
-            <a:ext cx="7642372" cy="4298834"/>
+            <a:off x="457200" y="914400"/>
+            <a:ext cx="7315200" cy="4114800"/>
           </a:xfrm>
-          <a:prstGeom prst="rect">
-            <a:avLst/>
-          </a:prstGeom>
         </p:spPr>
       </p:pic>
-      <p:sp>
-        <p:nvSpPr>
-          <p:cNvPr id="3" name="Title 8">
-            <a:extLst>
-              <a:ext uri="{FF2B5EF4-FFF2-40B4-BE49-F238E27FC236}">
-                <a16:creationId xmlns:a16="http://schemas.microsoft.com/office/drawing/2014/main" id="{788AF9A6-A62B-435C-81C7-DCA19D4A7FD1}"/>
-              </a:ext>
-            </a:extLst>
-          </p:cNvPr>
-          <p:cNvSpPr txBox="1">
-            <a:spLocks/>
-          </p:cNvSpPr>
-          <p:nvPr/>
-        </p:nvSpPr>
-        <p:spPr>
-          <a:xfrm>
-            <a:off x="508001" y="457200"/>
-            <a:ext cx="6447501" cy="990600"/>
-          </a:xfrm>
-          <a:prstGeom prst="rect">
-            <a:avLst/>
-          </a:prstGeom>
-        </p:spPr>
-        <p:txBody>
-          <a:bodyPr/>
-          <a:lstStyle>
-            <a:lvl1pPr algn="l" defTabSz="342900" rtl="0" eaLnBrk="1" latinLnBrk="0" hangingPunct="1">
-              <a:spcBef>
-                <a:spcPct val="0%"/>
-              </a:spcBef>
-              <a:buNone/>
-              <a:defRPr sz="2700" kern="1200">
-                <a:solidFill>
-                  <a:schemeClr val="accent1"/>
-                </a:solidFill>
-                <a:latin typeface="+mj-lt"/>
-                <a:ea typeface="+mj-ea"/>
-                <a:cs typeface="+mj-cs"/>
-              </a:defRPr>
-            </a:lvl1pPr>
-            <a:lvl2pPr eaLnBrk="1" hangingPunct="1">
-              <a:defRPr>
-                <a:solidFill>
-                  <a:schemeClr val="tx2"/>
-                </a:solidFill>
-              </a:defRPr>
-            </a:lvl2pPr>
-            <a:lvl3pPr eaLnBrk="1" hangingPunct="1">
-              <a:defRPr>
-                <a:solidFill>
-                  <a:schemeClr val="tx2"/>
-                </a:solidFill>
-              </a:defRPr>
-            </a:lvl3pPr>
-            <a:lvl4pPr eaLnBrk="1" hangingPunct="1">
-              <a:defRPr>
-                <a:solidFill>
-                  <a:schemeClr val="tx2"/>
-                </a:solidFill>
-              </a:defRPr>
-            </a:lvl4pPr>
-            <a:lvl5pPr eaLnBrk="1" hangingPunct="1">
-              <a:defRPr>
-                <a:solidFill>
-                  <a:schemeClr val="tx2"/>
-                </a:solidFill>
-              </a:defRPr>
-            </a:lvl5pPr>
-            <a:lvl6pPr eaLnBrk="1" hangingPunct="1">
-              <a:defRPr>
-                <a:solidFill>
-                  <a:schemeClr val="tx2"/>
-                </a:solidFill>
-              </a:defRPr>
-            </a:lvl6pPr>
-            <a:lvl7pPr eaLnBrk="1" hangingPunct="1">
-              <a:defRPr>
-                <a:solidFill>
-                  <a:schemeClr val="tx2"/>
-                </a:solidFill>
-              </a:defRPr>
-            </a:lvl7pPr>
-            <a:lvl8pPr eaLnBrk="1" hangingPunct="1">
-              <a:defRPr>
-                <a:solidFill>
-                  <a:schemeClr val="tx2"/>
-                </a:solidFill>
-              </a:defRPr>
-            </a:lvl8pPr>
-            <a:lvl9pPr eaLnBrk="1" hangingPunct="1">
-              <a:defRPr>
-                <a:solidFill>
-                  <a:schemeClr val="tx2"/>
-                </a:solidFill>
-              </a:defRPr>
-            </a:lvl9pPr>
-          </a:lstStyle>
-          <a:p>
-            <a:r>
-              <a:rPr lang="sv-SE" dirty="0" err="1"/>
-              <a:t>One</a:t>
-            </a:r>
-            <a:r>
-              <a:rPr lang="sv-SE" dirty="0"/>
-              <a:t> </a:t>
-            </a:r>
-            <a:r>
-              <a:rPr lang="sv-SE" dirty="0" err="1"/>
-              <a:t>file</a:t>
-            </a:r>
-            <a:r>
-              <a:rPr lang="sv-SE" dirty="0"/>
-              <a:t> </a:t>
-            </a:r>
-            <a:r>
-              <a:rPr lang="mr-IN" dirty="0"/>
-              <a:t>–</a:t>
-            </a:r>
-            <a:r>
-              <a:rPr lang="sv-SE" dirty="0"/>
-              <a:t> Heat Exchange </a:t>
-            </a:r>
-            <a:r>
-              <a:rPr lang="sv-SE" dirty="0" err="1"/>
-              <a:t>Library</a:t>
-            </a:r>
-            <a:endParaRPr lang="en-US" dirty="0"/>
-          </a:p>
-        </p:txBody>
-      </p:sp>
       <p:sp>
         <p:nvSpPr>
           <p:cNvPr id="4" name="textruta 3"/>
@@ -10990,7 +10861,7 @@
         </p:nvSpPr>
         <p:spPr>
           <a:xfrm>
-            <a:off x="4253219" y="4882393"/>
+            <a:off x="3708269" y="4844534"/>
             <a:ext cx="805343" cy="369332"/>
           </a:xfrm>
           <a:prstGeom prst="rect">
@@ -11004,6 +10875,7 @@
           </a:bodyPr>
           <a:lstStyle/>
           <a:p>
+            <a:pPr algn="ctr"/>
             <a:r>
               <a:rPr lang="en-US" dirty="0"/>
               <a:t>File</a:t>
@@ -11019,7 +10891,7 @@
         </p:nvSpPr>
         <p:spPr>
           <a:xfrm>
-            <a:off x="738232" y="1444305"/>
+            <a:off x="733385" y="1454789"/>
             <a:ext cx="3514987" cy="369116"/>
           </a:xfrm>
           <a:prstGeom prst="rect">
@@ -11036,6 +10908,95 @@
             <a:r>
               <a:rPr lang="en-US" dirty="0"/>
               <a:t>68% time saved in average!</a:t>
+            </a:r>
+          </a:p>
+        </p:txBody>
+      </p:sp>
+      <p:sp>
+        <p:nvSpPr>
+          <p:cNvPr id="8" name="Rubrik 7">
+            <a:extLst>
+              <a:ext uri="{FF2B5EF4-FFF2-40B4-BE49-F238E27FC236}">
+                <a16:creationId xmlns:a16="http://schemas.microsoft.com/office/drawing/2014/main" id="{90591E3B-0BCC-4AE2-A79A-6526C7AB9075}"/>
+              </a:ext>
+            </a:extLst>
+          </p:cNvPr>
+          <p:cNvSpPr>
+            <a:spLocks noGrp="1"/>
+          </p:cNvSpPr>
+          <p:nvPr>
+            <p:ph type="title"/>
+          </p:nvPr>
+        </p:nvSpPr>
+        <p:spPr/>
+        <p:txBody>
+          <a:bodyPr/>
+          <a:lstStyle/>
+          <a:p>
+            <a:r>
+              <a:rPr lang="sv-SE" dirty="0" err="1"/>
+              <a:t>One</a:t>
+            </a:r>
+            <a:r>
+              <a:rPr lang="sv-SE" dirty="0"/>
+              <a:t> </a:t>
+            </a:r>
+            <a:r>
+              <a:rPr lang="sv-SE" dirty="0" err="1"/>
+              <a:t>file</a:t>
+            </a:r>
+            <a:r>
+              <a:rPr lang="sv-SE" dirty="0"/>
+              <a:t> </a:t>
+            </a:r>
+            <a:r>
+              <a:rPr lang="mr-IN" dirty="0"/>
+              <a:t>–</a:t>
+            </a:r>
+            <a:r>
+              <a:rPr lang="sv-SE" dirty="0"/>
+              <a:t> Heat Exchange </a:t>
+            </a:r>
+            <a:r>
+              <a:rPr lang="sv-SE" dirty="0" err="1"/>
+              <a:t>Library</a:t>
+            </a:r>
+            <a:endParaRPr lang="en-US" dirty="0"/>
+          </a:p>
+        </p:txBody>
+      </p:sp>
+      <p:sp>
+        <p:nvSpPr>
+          <p:cNvPr id="12" name="textruta 11">
+            <a:extLst>
+              <a:ext uri="{FF2B5EF4-FFF2-40B4-BE49-F238E27FC236}">
+                <a16:creationId xmlns:a16="http://schemas.microsoft.com/office/drawing/2014/main" id="{681A318D-BB9A-42B5-BC45-2DCEB6157F73}"/>
+              </a:ext>
+            </a:extLst>
+          </p:cNvPr>
+          <p:cNvSpPr txBox="1"/>
+          <p:nvPr/>
+        </p:nvSpPr>
+        <p:spPr>
+          <a:xfrm rot="16200000">
+            <a:off x="54529" y="2787133"/>
+            <a:ext cx="805343" cy="369332"/>
+          </a:xfrm>
+          <a:prstGeom prst="rect">
+            <a:avLst/>
+          </a:prstGeom>
+          <a:noFill/>
+        </p:spPr>
+        <p:txBody>
+          <a:bodyPr wrap="square" rtlCol="0">
+            <a:spAutoFit/>
+          </a:bodyPr>
+          <a:lstStyle/>
+          <a:p>
+            <a:pPr algn="ctr"/>
+            <a:r>
+              <a:rPr lang="en-US" dirty="0"/>
+              <a:t>Time</a:t>
             </a:r>
           </a:p>
         </p:txBody>
@@ -11072,17 +11033,19 @@
       </p:grpSpPr>
       <p:pic>
         <p:nvPicPr>
-          <p:cNvPr id="2" name="Graphic 10">
+          <p:cNvPr id="6" name="Platshållare för innehåll 5">
             <a:extLst>
               <a:ext uri="{FF2B5EF4-FFF2-40B4-BE49-F238E27FC236}">
-                <a16:creationId xmlns:a16="http://schemas.microsoft.com/office/drawing/2014/main" id="{05E05C79-1B56-41CC-8B28-B2B1B25E484A}"/>
+                <a16:creationId xmlns:a16="http://schemas.microsoft.com/office/drawing/2014/main" id="{955D3E5E-0FDE-48CB-A12D-0E58802198A3}"/>
               </a:ext>
             </a:extLst>
           </p:cNvPr>
           <p:cNvPicPr>
-            <a:picLocks noChangeAspect="1"/>
+            <a:picLocks noGrp="1"/>
           </p:cNvPicPr>
-          <p:nvPr/>
+          <p:nvPr>
+            <p:ph idx="1"/>
+          </p:nvPr>
         </p:nvPicPr>
         <p:blipFill>
           <a:blip r:embed="rId2">
@@ -11098,144 +11061,11 @@
         </p:blipFill>
         <p:spPr>
           <a:xfrm>
-            <a:off x="167778" y="844666"/>
-            <a:ext cx="7642371" cy="4298834"/>
+            <a:off x="457200" y="914400"/>
+            <a:ext cx="7315200" cy="4114800"/>
           </a:xfrm>
-          <a:prstGeom prst="rect">
-            <a:avLst/>
-          </a:prstGeom>
         </p:spPr>
       </p:pic>
-      <p:sp>
-        <p:nvSpPr>
-          <p:cNvPr id="3" name="Title 8">
-            <a:extLst>
-              <a:ext uri="{FF2B5EF4-FFF2-40B4-BE49-F238E27FC236}">
-                <a16:creationId xmlns:a16="http://schemas.microsoft.com/office/drawing/2014/main" id="{788AF9A6-A62B-435C-81C7-DCA19D4A7FD1}"/>
-              </a:ext>
-            </a:extLst>
-          </p:cNvPr>
-          <p:cNvSpPr txBox="1">
-            <a:spLocks/>
-          </p:cNvSpPr>
-          <p:nvPr/>
-        </p:nvSpPr>
-        <p:spPr>
-          <a:xfrm>
-            <a:off x="508001" y="457200"/>
-            <a:ext cx="6447501" cy="990600"/>
-          </a:xfrm>
-          <a:prstGeom prst="rect">
-            <a:avLst/>
-          </a:prstGeom>
-        </p:spPr>
-        <p:txBody>
-          <a:bodyPr/>
-          <a:lstStyle>
-            <a:lvl1pPr algn="l" defTabSz="342900" rtl="0" eaLnBrk="1" latinLnBrk="0" hangingPunct="1">
-              <a:spcBef>
-                <a:spcPct val="0%"/>
-              </a:spcBef>
-              <a:buNone/>
-              <a:defRPr sz="2700" kern="1200">
-                <a:solidFill>
-                  <a:schemeClr val="accent1"/>
-                </a:solidFill>
-                <a:latin typeface="+mj-lt"/>
-                <a:ea typeface="+mj-ea"/>
-                <a:cs typeface="+mj-cs"/>
-              </a:defRPr>
-            </a:lvl1pPr>
-            <a:lvl2pPr eaLnBrk="1" hangingPunct="1">
-              <a:defRPr>
-                <a:solidFill>
-                  <a:schemeClr val="tx2"/>
-                </a:solidFill>
-              </a:defRPr>
-            </a:lvl2pPr>
-            <a:lvl3pPr eaLnBrk="1" hangingPunct="1">
-              <a:defRPr>
-                <a:solidFill>
-                  <a:schemeClr val="tx2"/>
-                </a:solidFill>
-              </a:defRPr>
-            </a:lvl3pPr>
-            <a:lvl4pPr eaLnBrk="1" hangingPunct="1">
-              <a:defRPr>
-                <a:solidFill>
-                  <a:schemeClr val="tx2"/>
-                </a:solidFill>
-              </a:defRPr>
-            </a:lvl4pPr>
-            <a:lvl5pPr eaLnBrk="1" hangingPunct="1">
-              <a:defRPr>
-                <a:solidFill>
-                  <a:schemeClr val="tx2"/>
-                </a:solidFill>
-              </a:defRPr>
-            </a:lvl5pPr>
-            <a:lvl6pPr eaLnBrk="1" hangingPunct="1">
-              <a:defRPr>
-                <a:solidFill>
-                  <a:schemeClr val="tx2"/>
-                </a:solidFill>
-              </a:defRPr>
-            </a:lvl6pPr>
-            <a:lvl7pPr eaLnBrk="1" hangingPunct="1">
-              <a:defRPr>
-                <a:solidFill>
-                  <a:schemeClr val="tx2"/>
-                </a:solidFill>
-              </a:defRPr>
-            </a:lvl7pPr>
-            <a:lvl8pPr eaLnBrk="1" hangingPunct="1">
-              <a:defRPr>
-                <a:solidFill>
-                  <a:schemeClr val="tx2"/>
-                </a:solidFill>
-              </a:defRPr>
-            </a:lvl8pPr>
-            <a:lvl9pPr eaLnBrk="1" hangingPunct="1">
-              <a:defRPr>
-                <a:solidFill>
-                  <a:schemeClr val="tx2"/>
-                </a:solidFill>
-              </a:defRPr>
-            </a:lvl9pPr>
-          </a:lstStyle>
-          <a:p>
-            <a:r>
-              <a:rPr lang="sv-SE" dirty="0" err="1"/>
-              <a:t>One</a:t>
-            </a:r>
-            <a:r>
-              <a:rPr lang="sv-SE" dirty="0"/>
-              <a:t> </a:t>
-            </a:r>
-            <a:r>
-              <a:rPr lang="sv-SE" dirty="0" err="1"/>
-              <a:t>file</a:t>
-            </a:r>
-            <a:r>
-              <a:rPr lang="sv-SE" dirty="0"/>
-              <a:t> </a:t>
-            </a:r>
-            <a:r>
-              <a:rPr lang="mr-IN" dirty="0"/>
-              <a:t>–</a:t>
-            </a:r>
-            <a:r>
-              <a:rPr lang="sv-SE" dirty="0"/>
-              <a:t> Modelica Standard </a:t>
-            </a:r>
-            <a:r>
-              <a:rPr lang="sv-SE" dirty="0" err="1"/>
-              <a:t>Library</a:t>
-            </a:r>
-            <a:endParaRPr lang="en-US" dirty="0"/>
-          </a:p>
-        </p:txBody>
-      </p:sp>
       <p:sp>
         <p:nvSpPr>
           <p:cNvPr id="4" name="textruta 3"/>
@@ -11244,7 +11074,7 @@
         </p:nvSpPr>
         <p:spPr>
           <a:xfrm>
-            <a:off x="4253219" y="4882393"/>
+            <a:off x="3712128" y="4844534"/>
             <a:ext cx="805343" cy="369332"/>
           </a:xfrm>
           <a:prstGeom prst="rect">
@@ -11258,6 +11088,7 @@
           </a:bodyPr>
           <a:lstStyle/>
           <a:p>
+            <a:pPr algn="ctr"/>
             <a:r>
               <a:rPr lang="en-US" dirty="0"/>
               <a:t>File</a:t>
@@ -11267,7 +11098,110 @@
       </p:sp>
       <p:sp>
         <p:nvSpPr>
-          <p:cNvPr id="5" name="textruta 4"/>
+          <p:cNvPr id="8" name="Rubrik 7">
+            <a:extLst>
+              <a:ext uri="{FF2B5EF4-FFF2-40B4-BE49-F238E27FC236}">
+                <a16:creationId xmlns:a16="http://schemas.microsoft.com/office/drawing/2014/main" id="{90591E3B-0BCC-4AE2-A79A-6526C7AB9075}"/>
+              </a:ext>
+            </a:extLst>
+          </p:cNvPr>
+          <p:cNvSpPr>
+            <a:spLocks noGrp="1"/>
+          </p:cNvSpPr>
+          <p:nvPr>
+            <p:ph type="title"/>
+          </p:nvPr>
+        </p:nvSpPr>
+        <p:spPr/>
+        <p:txBody>
+          <a:bodyPr/>
+          <a:lstStyle/>
+          <a:p>
+            <a:r>
+              <a:rPr lang="sv-SE" dirty="0" err="1"/>
+              <a:t>One</a:t>
+            </a:r>
+            <a:r>
+              <a:rPr lang="sv-SE" dirty="0"/>
+              <a:t> </a:t>
+            </a:r>
+            <a:r>
+              <a:rPr lang="sv-SE" dirty="0" err="1"/>
+              <a:t>file</a:t>
+            </a:r>
+            <a:r>
+              <a:rPr lang="sv-SE" dirty="0"/>
+              <a:t> </a:t>
+            </a:r>
+            <a:r>
+              <a:rPr lang="mr-IN" dirty="0"/>
+              <a:t>–</a:t>
+            </a:r>
+            <a:r>
+              <a:rPr lang="sv-SE" dirty="0"/>
+              <a:t> </a:t>
+            </a:r>
+            <a:r>
+              <a:rPr lang="sv-SE" dirty="0" err="1"/>
+              <a:t>Modelica</a:t>
+            </a:r>
+            <a:r>
+              <a:rPr lang="sv-SE" dirty="0"/>
+              <a:t> Standard </a:t>
+            </a:r>
+            <a:r>
+              <a:rPr lang="sv-SE" dirty="0" err="1"/>
+              <a:t>Library</a:t>
+            </a:r>
+            <a:endParaRPr lang="en-US" dirty="0"/>
+          </a:p>
+        </p:txBody>
+      </p:sp>
+      <p:sp>
+        <p:nvSpPr>
+          <p:cNvPr id="12" name="textruta 11">
+            <a:extLst>
+              <a:ext uri="{FF2B5EF4-FFF2-40B4-BE49-F238E27FC236}">
+                <a16:creationId xmlns:a16="http://schemas.microsoft.com/office/drawing/2014/main" id="{681A318D-BB9A-42B5-BC45-2DCEB6157F73}"/>
+              </a:ext>
+            </a:extLst>
+          </p:cNvPr>
+          <p:cNvSpPr txBox="1"/>
+          <p:nvPr/>
+        </p:nvSpPr>
+        <p:spPr>
+          <a:xfrm rot="16200000">
+            <a:off x="54529" y="2787133"/>
+            <a:ext cx="805343" cy="369332"/>
+          </a:xfrm>
+          <a:prstGeom prst="rect">
+            <a:avLst/>
+          </a:prstGeom>
+          <a:noFill/>
+        </p:spPr>
+        <p:txBody>
+          <a:bodyPr wrap="square" rtlCol="0">
+            <a:spAutoFit/>
+          </a:bodyPr>
+          <a:lstStyle/>
+          <a:p>
+            <a:pPr algn="ctr"/>
+            <a:r>
+              <a:rPr lang="en-US" dirty="0"/>
+              <a:t>Time</a:t>
+            </a:r>
+          </a:p>
+        </p:txBody>
+      </p:sp>
+      <p:sp>
+        <p:nvSpPr>
+          <p:cNvPr id="13" name="textruta 12">
+            <a:extLst>
+              <a:ext uri="{FF2B5EF4-FFF2-40B4-BE49-F238E27FC236}">
+                <a16:creationId xmlns:a16="http://schemas.microsoft.com/office/drawing/2014/main" id="{6334CA5C-70B5-45B7-88FE-02302B16F412}"/>
+              </a:ext>
+            </a:extLst>
+          </p:cNvPr>
           <p:cNvSpPr txBox="1"/>
           <p:nvPr/>
         </p:nvSpPr>
@@ -11297,7 +11231,7 @@
     </p:spTree>
     <p:extLst>
       <p:ext uri="{BB962C8B-B14F-4D97-AF65-F5344CB8AC3E}">
-        <p14:creationId xmlns:p14="http://schemas.microsoft.com/office/powerpoint/2010/main" val="159807194"/>
+        <p14:creationId xmlns:p14="http://schemas.microsoft.com/office/powerpoint/2010/main" val="188084138"/>
       </p:ext>
     </p:extLst>
   </p:cSld>
@@ -11326,10 +11260,10 @@
       </p:grpSpPr>
       <p:pic>
         <p:nvPicPr>
-          <p:cNvPr id="3" name="Graphic 2">
+          <p:cNvPr id="5" name="Bild 4">
             <a:extLst>
               <a:ext uri="{FF2B5EF4-FFF2-40B4-BE49-F238E27FC236}">
-                <a16:creationId xmlns:a16="http://schemas.microsoft.com/office/drawing/2014/main" id="{942C123C-46AA-43B8-AF78-206BFC948B92}"/>
+                <a16:creationId xmlns:a16="http://schemas.microsoft.com/office/drawing/2014/main" id="{06EEBBE3-877C-438C-8522-F552D280D9A6}"/>
               </a:ext>
             </a:extLst>
           </p:cNvPr>
@@ -11352,7 +11286,7 @@
         </p:blipFill>
         <p:spPr>
           <a:xfrm>
-            <a:off x="0" y="1714500"/>
+            <a:off x="76781" y="1627664"/>
             <a:ext cx="9144000" cy="3429000"/>
           </a:xfrm>
           <a:prstGeom prst="rect">
@@ -11443,6 +11377,78 @@
             <a:r>
               <a:rPr lang="en-US" dirty="0"/>
               <a:t>56% time saved in average!</a:t>
+            </a:r>
+          </a:p>
+        </p:txBody>
+      </p:sp>
+      <p:sp>
+        <p:nvSpPr>
+          <p:cNvPr id="7" name="textruta 6">
+            <a:extLst>
+              <a:ext uri="{FF2B5EF4-FFF2-40B4-BE49-F238E27FC236}">
+                <a16:creationId xmlns:a16="http://schemas.microsoft.com/office/drawing/2014/main" id="{268ECE57-E0F1-4D0B-848C-E12B93E1C2FB}"/>
+              </a:ext>
+            </a:extLst>
+          </p:cNvPr>
+          <p:cNvSpPr txBox="1"/>
+          <p:nvPr/>
+        </p:nvSpPr>
+        <p:spPr>
+          <a:xfrm rot="16200000">
+            <a:off x="-301752" y="3157498"/>
+            <a:ext cx="805343" cy="369332"/>
+          </a:xfrm>
+          <a:prstGeom prst="rect">
+            <a:avLst/>
+          </a:prstGeom>
+          <a:noFill/>
+        </p:spPr>
+        <p:txBody>
+          <a:bodyPr wrap="square" rtlCol="0">
+            <a:spAutoFit/>
+          </a:bodyPr>
+          <a:lstStyle/>
+          <a:p>
+            <a:pPr algn="ctr"/>
+            <a:r>
+              <a:rPr lang="en-US" dirty="0"/>
+              <a:t>Time</a:t>
+            </a:r>
+          </a:p>
+        </p:txBody>
+      </p:sp>
+      <p:sp>
+        <p:nvSpPr>
+          <p:cNvPr id="8" name="textruta 7">
+            <a:extLst>
+              <a:ext uri="{FF2B5EF4-FFF2-40B4-BE49-F238E27FC236}">
+                <a16:creationId xmlns:a16="http://schemas.microsoft.com/office/drawing/2014/main" id="{56055C36-0C71-4E3B-AF9B-C30D7C80F6E6}"/>
+              </a:ext>
+            </a:extLst>
+          </p:cNvPr>
+          <p:cNvSpPr txBox="1"/>
+          <p:nvPr/>
+        </p:nvSpPr>
+        <p:spPr>
+          <a:xfrm>
+            <a:off x="4246109" y="4867196"/>
+            <a:ext cx="805343" cy="369332"/>
+          </a:xfrm>
+          <a:prstGeom prst="rect">
+            <a:avLst/>
+          </a:prstGeom>
+          <a:noFill/>
+        </p:spPr>
+        <p:txBody>
+          <a:bodyPr wrap="square" rtlCol="0">
+            <a:spAutoFit/>
+          </a:bodyPr>
+          <a:lstStyle/>
+          <a:p>
+            <a:pPr algn="ctr"/>
+            <a:r>
+              <a:rPr lang="en-US" dirty="0"/>
+              <a:t>File</a:t>
             </a:r>
           </a:p>
         </p:txBody>
@@ -11503,10 +11509,10 @@
       </p:sp>
       <p:graphicFrame>
         <p:nvGraphicFramePr>
-          <p:cNvPr id="8" name="Content Placeholder 7">
+          <p:cNvPr id="5" name="Platshållare för innehåll 4">
             <a:extLst>
               <a:ext uri="{FF2B5EF4-FFF2-40B4-BE49-F238E27FC236}">
-                <a16:creationId xmlns:a16="http://schemas.microsoft.com/office/drawing/2014/main" id="{0792DF27-1A6E-430B-91EC-F3EA8FECCFBF}"/>
+                <a16:creationId xmlns:a16="http://schemas.microsoft.com/office/drawing/2014/main" id="{6B7516B0-5D55-4660-8A47-E0D13917478B}"/>
               </a:ext>
             </a:extLst>
           </p:cNvPr>
@@ -11517,14 +11523,14 @@
             <p:ph idx="1"/>
             <p:extLst>
               <p:ext uri="{D42A27DB-BD31-4B8C-83A1-F6EECF244321}">
-                <p14:modId xmlns:p14="http://schemas.microsoft.com/office/powerpoint/2010/main" val="1063954094"/>
+                <p14:modId xmlns:p14="http://schemas.microsoft.com/office/powerpoint/2010/main" val="2700661168"/>
               </p:ext>
             </p:extLst>
           </p:nvPr>
         </p:nvGraphicFramePr>
         <p:xfrm>
-          <a:off x="358862" y="1545337"/>
-          <a:ext cx="6745777" cy="2468761"/>
+          <a:off x="508001" y="1976826"/>
+          <a:ext cx="6625715" cy="1615440"/>
         </p:xfrm>
         <a:graphic>
           <a:graphicData uri="http://purl.oclc.org/ooxml/drawingml/table">
@@ -11533,55 +11539,54 @@
                 <a:tableStyleId>{5C22544A-7EE6-4342-B048-85BDC9FD1C3A}</a:tableStyleId>
               </a:tblPr>
               <a:tblGrid>
-                <a:gridCol w="570451">
+                <a:gridCol w="600392">
                   <a:extLst>
                     <a:ext uri="{9D8B030D-6E8A-4147-A177-3AD203B41FA5}">
-                      <a16:colId xmlns:a16="http://schemas.microsoft.com/office/drawing/2014/main" val="3357824638"/>
+                      <a16:colId xmlns:a16="http://schemas.microsoft.com/office/drawing/2014/main" val="2380877091"/>
                     </a:ext>
                   </a:extLst>
                 </a:gridCol>
-                <a:gridCol w="1241694">
+                <a:gridCol w="1298892">
                   <a:extLst>
                     <a:ext uri="{9D8B030D-6E8A-4147-A177-3AD203B41FA5}">
-                      <a16:colId xmlns:a16="http://schemas.microsoft.com/office/drawing/2014/main" val="3775381281"/>
+                      <a16:colId xmlns:a16="http://schemas.microsoft.com/office/drawing/2014/main" val="3312499084"/>
                     </a:ext>
                   </a:extLst>
                 </a:gridCol>
-                <a:gridCol w="1735249">
+                <a:gridCol w="1697046">
                   <a:extLst>
                     <a:ext uri="{9D8B030D-6E8A-4147-A177-3AD203B41FA5}">
-                      <a16:colId xmlns:a16="http://schemas.microsoft.com/office/drawing/2014/main" val="285771243"/>
+                      <a16:colId xmlns:a16="http://schemas.microsoft.com/office/drawing/2014/main" val="243948882"/>
                     </a:ext>
                   </a:extLst>
                 </a:gridCol>
-                <a:gridCol w="1941181">
+                <a:gridCol w="1842760">
                   <a:extLst>
                     <a:ext uri="{9D8B030D-6E8A-4147-A177-3AD203B41FA5}">
-                      <a16:colId xmlns:a16="http://schemas.microsoft.com/office/drawing/2014/main" val="4252488866"/>
+                      <a16:colId xmlns:a16="http://schemas.microsoft.com/office/drawing/2014/main" val="2095664833"/>
                     </a:ext>
                   </a:extLst>
                 </a:gridCol>
-                <a:gridCol w="1257202">
+                <a:gridCol w="1186625">
                   <a:extLst>
                     <a:ext uri="{9D8B030D-6E8A-4147-A177-3AD203B41FA5}">
-                      <a16:colId xmlns:a16="http://schemas.microsoft.com/office/drawing/2014/main" val="3716565522"/>
+                      <a16:colId xmlns:a16="http://schemas.microsoft.com/office/drawing/2014/main" val="83727786"/>
                     </a:ext>
                   </a:extLst>
                 </a:gridCol>
               </a:tblGrid>
-              <a:tr h="606954">
+              <a:tr h="370840">
                 <a:tc>
                   <a:txBody>
                     <a:bodyPr/>
                     <a:lstStyle/>
                     <a:p>
+                      <a:pPr algn="ctr"/>
                       <a:endParaRPr lang="en-US" dirty="0"/>
                     </a:p>
                   </a:txBody>
-                  <a:tcPr marL="86964" marR="86964">
-                    <a:solidFill>
-                      <a:schemeClr val="bg1"/>
-                    </a:solidFill>
+                  <a:tcPr anchor="ctr">
+                    <a:noFill/>
                   </a:tcPr>
                 </a:tc>
                 <a:tc>
@@ -11646,12 +11651,12 @@
                 </a:tc>
                 <a:extLst>
                   <a:ext uri="{0D108BD9-81ED-4DB2-BD59-A6C34878D82A}">
-                    <a16:rowId xmlns:a16="http://schemas.microsoft.com/office/drawing/2014/main" val="91006374"/>
+                    <a16:rowId xmlns:a16="http://schemas.microsoft.com/office/drawing/2014/main" val="309460690"/>
                   </a:ext>
                 </a:extLst>
               </a:tr>
-              <a:tr h="312440">
-                <a:tc rowSpan="2">
+              <a:tr h="370840">
+                <a:tc>
                   <a:txBody>
                     <a:bodyPr/>
                     <a:lstStyle/>
@@ -11664,7 +11669,7 @@
                       <a:endParaRPr lang="en-US" dirty="0"/>
                     </a:p>
                   </a:txBody>
-                  <a:tcPr marL="86964" marR="86964" anchor="ctr"/>
+                  <a:tcPr anchor="ctr"/>
                 </a:tc>
                 <a:tc>
                   <a:txBody>
@@ -11674,14 +11679,18 @@
                       <a:pPr algn="ctr"/>
                       <a:r>
                         <a:rPr lang="sv-SE" dirty="0"/>
-                        <a:t>552 files</a:t>
+                        <a:t>552 </a:t>
+                      </a:r>
+                      <a:r>
+                        <a:rPr lang="sv-SE" dirty="0" err="1"/>
+                        <a:t>files</a:t>
                       </a:r>
                       <a:endParaRPr lang="en-US" dirty="0"/>
                     </a:p>
                   </a:txBody>
-                  <a:tcPr marL="86964" marR="86964" anchor="ctr"/>
+                  <a:tcPr anchor="ctr"/>
                 </a:tc>
-                <a:tc rowSpan="2">
+                <a:tc>
                   <a:txBody>
                     <a:bodyPr/>
                     <a:lstStyle/>
@@ -11694,9 +11703,9 @@
                       <a:endParaRPr lang="en-US" dirty="0"/>
                     </a:p>
                   </a:txBody>
-                  <a:tcPr marL="86964" marR="86964" anchor="ctr"/>
+                  <a:tcPr anchor="ctr"/>
                 </a:tc>
-                <a:tc rowSpan="2">
+                <a:tc>
                   <a:txBody>
                     <a:bodyPr/>
                     <a:lstStyle/>
@@ -11709,7 +11718,7 @@
                       <a:endParaRPr lang="en-US" dirty="0"/>
                     </a:p>
                   </a:txBody>
-                  <a:tcPr marL="86964" marR="86964" anchor="ctr"/>
+                  <a:tcPr anchor="ctr"/>
                 </a:tc>
                 <a:tc>
                   <a:txBody>
@@ -11724,83 +11733,16 @@
                       <a:endParaRPr lang="en-US" dirty="0"/>
                     </a:p>
                   </a:txBody>
-                  <a:tcPr marL="86964" marR="86964" anchor="ctr"/>
+                  <a:tcPr anchor="ctr"/>
                 </a:tc>
                 <a:extLst>
                   <a:ext uri="{0D108BD9-81ED-4DB2-BD59-A6C34878D82A}">
-                    <a16:rowId xmlns:a16="http://schemas.microsoft.com/office/drawing/2014/main" val="2877646935"/>
+                    <a16:rowId xmlns:a16="http://schemas.microsoft.com/office/drawing/2014/main" val="577157108"/>
                   </a:ext>
                 </a:extLst>
               </a:tr>
-              <a:tr h="312440">
-                <a:tc vMerge="1">
-                  <a:txBody>
-                    <a:bodyPr/>
-                    <a:lstStyle/>
-                    <a:p>
-                      <a:endParaRPr lang="en-US"/>
-                    </a:p>
-                  </a:txBody>
-                  <a:tcPr/>
-                </a:tc>
-                <a:tc>
-                  <a:txBody>
-                    <a:bodyPr/>
-                    <a:lstStyle/>
-                    <a:p>
-                      <a:pPr algn="ctr"/>
-                      <a:endParaRPr lang="en-US" dirty="0"/>
-                    </a:p>
-                  </a:txBody>
-                  <a:tcPr marL="86964" marR="86964" anchor="ctr">
-                    <a:solidFill>
-                      <a:srgbClr val="D2ECF9"/>
-                    </a:solidFill>
-                  </a:tcPr>
-                </a:tc>
-                <a:tc vMerge="1">
-                  <a:txBody>
-                    <a:bodyPr/>
-                    <a:lstStyle/>
-                    <a:p>
-                      <a:endParaRPr lang="en-US"/>
-                    </a:p>
-                  </a:txBody>
-                  <a:tcPr/>
-                </a:tc>
-                <a:tc vMerge="1">
-                  <a:txBody>
-                    <a:bodyPr/>
-                    <a:lstStyle/>
-                    <a:p>
-                      <a:endParaRPr lang="en-US"/>
-                    </a:p>
-                  </a:txBody>
-                  <a:tcPr/>
-                </a:tc>
-                <a:tc>
-                  <a:txBody>
-                    <a:bodyPr/>
-                    <a:lstStyle/>
-                    <a:p>
-                      <a:pPr algn="ctr"/>
-                      <a:endParaRPr lang="en-US" dirty="0"/>
-                    </a:p>
-                  </a:txBody>
-                  <a:tcPr marL="86964" marR="86964" anchor="ctr">
-                    <a:solidFill>
-                      <a:srgbClr val="D2ECF9"/>
-                    </a:solidFill>
-                  </a:tcPr>
-                </a:tc>
-                <a:extLst>
-                  <a:ext uri="{0D108BD9-81ED-4DB2-BD59-A6C34878D82A}">
-                    <a16:rowId xmlns:a16="http://schemas.microsoft.com/office/drawing/2014/main" val="683020858"/>
-                  </a:ext>
-                </a:extLst>
-              </a:tr>
-              <a:tr h="354090">
-                <a:tc rowSpan="3">
+              <a:tr h="370840">
+                <a:tc rowSpan="2">
                   <a:txBody>
                     <a:bodyPr/>
                     <a:lstStyle/>
@@ -11813,7 +11755,11 @@
                       <a:endParaRPr lang="en-US" dirty="0"/>
                     </a:p>
                   </a:txBody>
-                  <a:tcPr marL="86964" marR="86964" anchor="ctr"/>
+                  <a:tcPr anchor="ctr">
+                    <a:solidFill>
+                      <a:srgbClr val="D2ECF9"/>
+                    </a:solidFill>
+                  </a:tcPr>
                 </a:tc>
                 <a:tc>
                   <a:txBody>
@@ -11823,18 +11769,22 @@
                       <a:pPr algn="ctr"/>
                       <a:r>
                         <a:rPr lang="sv-SE" dirty="0"/>
-                        <a:t>197 files</a:t>
+                        <a:t>197 </a:t>
+                      </a:r>
+                      <a:r>
+                        <a:rPr lang="sv-SE" dirty="0" err="1"/>
+                        <a:t>files</a:t>
                       </a:r>
                       <a:endParaRPr lang="en-US" dirty="0"/>
                     </a:p>
                   </a:txBody>
-                  <a:tcPr marL="86964" marR="86964" anchor="ctr">
+                  <a:tcPr anchor="ctr">
                     <a:solidFill>
                       <a:srgbClr val="D2ECF9"/>
                     </a:solidFill>
                   </a:tcPr>
                 </a:tc>
-                <a:tc rowSpan="3">
+                <a:tc rowSpan="2">
                   <a:txBody>
                     <a:bodyPr/>
                     <a:lstStyle/>
@@ -11847,9 +11797,13 @@
                       <a:endParaRPr lang="en-US" dirty="0"/>
                     </a:p>
                   </a:txBody>
-                  <a:tcPr marL="86964" marR="86964" anchor="ctr"/>
+                  <a:tcPr anchor="ctr">
+                    <a:solidFill>
+                      <a:srgbClr val="D2ECF9"/>
+                    </a:solidFill>
+                  </a:tcPr>
                 </a:tc>
-                <a:tc rowSpan="3">
+                <a:tc rowSpan="2">
                   <a:txBody>
                     <a:bodyPr/>
                     <a:lstStyle/>
@@ -11862,30 +11816,18 @@
                       <a:endParaRPr lang="en-US" dirty="0"/>
                     </a:p>
                   </a:txBody>
-                  <a:tcPr marL="86964" marR="86964" anchor="ctr"/>
+                  <a:tcPr anchor="ctr">
+                    <a:solidFill>
+                      <a:srgbClr val="D2ECF9"/>
+                    </a:solidFill>
+                  </a:tcPr>
                 </a:tc>
                 <a:tc>
                   <a:txBody>
                     <a:bodyPr/>
                     <a:lstStyle/>
                     <a:p>
-                      <a:pPr marL="0" marR="0" lvl="0" indent="0" algn="ctr" defTabSz="342900" rtl="0" eaLnBrk="1" fontAlgn="auto" latinLnBrk="0" hangingPunct="1">
-                        <a:lnSpc>
-                          <a:spcPct val="100%"/>
-                        </a:lnSpc>
-                        <a:spcBef>
-                          <a:spcPts val="0"/>
-                        </a:spcBef>
-                        <a:spcAft>
-                          <a:spcPts val="0"/>
-                        </a:spcAft>
-                        <a:buClrTx/>
-                        <a:buSzTx/>
-                        <a:buFontTx/>
-                        <a:buNone/>
-                        <a:tabLst/>
-                        <a:defRPr/>
-                      </a:pPr>
+                      <a:pPr algn="ctr"/>
                       <a:r>
                         <a:rPr lang="sv-SE" dirty="0"/>
                         <a:t>88%</a:t>
@@ -11893,21 +11835,25 @@
                       <a:endParaRPr lang="en-US" dirty="0"/>
                     </a:p>
                   </a:txBody>
-                  <a:tcPr marL="86964" marR="86964" anchor="ctr"/>
+                  <a:tcPr anchor="ctr">
+                    <a:solidFill>
+                      <a:srgbClr val="D2ECF9"/>
+                    </a:solidFill>
+                  </a:tcPr>
                 </a:tc>
                 <a:extLst>
                   <a:ext uri="{0D108BD9-81ED-4DB2-BD59-A6C34878D82A}">
-                    <a16:rowId xmlns:a16="http://schemas.microsoft.com/office/drawing/2014/main" val="700906320"/>
+                    <a16:rowId xmlns:a16="http://schemas.microsoft.com/office/drawing/2014/main" val="1071222548"/>
                   </a:ext>
                 </a:extLst>
               </a:tr>
-              <a:tr h="354091">
+              <a:tr h="370840">
                 <a:tc vMerge="1">
                   <a:txBody>
                     <a:bodyPr/>
                     <a:lstStyle/>
                     <a:p>
-                      <a:endParaRPr lang="en-US"/>
+                      <a:endParaRPr lang="en-US" dirty="0"/>
                     </a:p>
                   </a:txBody>
                   <a:tcPr/>
@@ -11917,27 +11863,19 @@
                     <a:bodyPr/>
                     <a:lstStyle/>
                     <a:p>
-                      <a:pPr marL="0" marR="0" lvl="0" indent="0" algn="ctr" defTabSz="342900" rtl="0" eaLnBrk="1" fontAlgn="auto" latinLnBrk="0" hangingPunct="1">
-                        <a:lnSpc>
-                          <a:spcPct val="100%"/>
-                        </a:lnSpc>
-                        <a:spcBef>
-                          <a:spcPts val="0"/>
-                        </a:spcBef>
-                        <a:spcAft>
-                          <a:spcPts val="0"/>
-                        </a:spcAft>
-                        <a:buClrTx/>
-                        <a:buSzTx/>
-                        <a:buFontTx/>
-                        <a:buNone/>
-                        <a:tabLst/>
-                        <a:defRPr/>
-                      </a:pPr>
+                      <a:pPr algn="ctr"/>
+                      <a:r>
+                        <a:rPr lang="sv-SE" dirty="0"/>
+                        <a:t>4341 </a:t>
+                      </a:r>
+                      <a:r>
+                        <a:rPr lang="sv-SE" dirty="0" err="1"/>
+                        <a:t>commits</a:t>
+                      </a:r>
                       <a:endParaRPr lang="en-US" dirty="0"/>
                     </a:p>
                   </a:txBody>
-                  <a:tcPr marL="86964" marR="86964" anchor="ctr">
+                  <a:tcPr anchor="ctr">
                     <a:solidFill>
                       <a:srgbClr val="D2ECF9"/>
                     </a:solidFill>
@@ -11948,7 +11886,7 @@
                     <a:bodyPr/>
                     <a:lstStyle/>
                     <a:p>
-                      <a:endParaRPr lang="en-US"/>
+                      <a:endParaRPr lang="en-US" dirty="0"/>
                     </a:p>
                   </a:txBody>
                   <a:tcPr/>
@@ -11958,7 +11896,7 @@
                     <a:bodyPr/>
                     <a:lstStyle/>
                     <a:p>
-                      <a:endParaRPr lang="en-US"/>
+                      <a:endParaRPr lang="en-US" dirty="0"/>
                     </a:p>
                   </a:txBody>
                   <a:tcPr/>
@@ -11968,27 +11906,15 @@
                     <a:bodyPr/>
                     <a:lstStyle/>
                     <a:p>
-                      <a:pPr marL="0" marR="0" lvl="0" indent="0" algn="ctr" defTabSz="342900" rtl="0" eaLnBrk="1" fontAlgn="auto" latinLnBrk="0" hangingPunct="1">
-                        <a:lnSpc>
-                          <a:spcPct val="100%"/>
-                        </a:lnSpc>
-                        <a:spcBef>
-                          <a:spcPts val="0"/>
-                        </a:spcBef>
-                        <a:spcAft>
-                          <a:spcPts val="0"/>
-                        </a:spcAft>
-                        <a:buClrTx/>
-                        <a:buSzTx/>
-                        <a:buFontTx/>
-                        <a:buNone/>
-                        <a:tabLst/>
-                        <a:defRPr/>
-                      </a:pPr>
+                      <a:pPr algn="ctr"/>
+                      <a:r>
+                        <a:rPr lang="sv-SE" dirty="0"/>
+                        <a:t>56%</a:t>
+                      </a:r>
                       <a:endParaRPr lang="en-US" dirty="0"/>
                     </a:p>
                   </a:txBody>
-                  <a:tcPr marL="86964" marR="86964" anchor="ctr">
+                  <a:tcPr anchor="ctr">
                     <a:solidFill>
                       <a:srgbClr val="D2ECF9"/>
                     </a:solidFill>
@@ -11996,110 +11922,7 @@
                 </a:tc>
                 <a:extLst>
                   <a:ext uri="{0D108BD9-81ED-4DB2-BD59-A6C34878D82A}">
-                    <a16:rowId xmlns:a16="http://schemas.microsoft.com/office/drawing/2014/main" val="1917669738"/>
-                  </a:ext>
-                </a:extLst>
-              </a:tr>
-              <a:tr h="528746">
-                <a:tc vMerge="1">
-                  <a:txBody>
-                    <a:bodyPr/>
-                    <a:lstStyle/>
-                    <a:p>
-                      <a:endParaRPr lang="en-US"/>
-                    </a:p>
-                  </a:txBody>
-                  <a:tcPr/>
-                </a:tc>
-                <a:tc>
-                  <a:txBody>
-                    <a:bodyPr/>
-                    <a:lstStyle/>
-                    <a:p>
-                      <a:pPr marL="0" marR="0" lvl="0" indent="0" algn="ctr" defTabSz="342900" rtl="0" eaLnBrk="1" fontAlgn="auto" latinLnBrk="0" hangingPunct="1">
-                        <a:lnSpc>
-                          <a:spcPct val="100%"/>
-                        </a:lnSpc>
-                        <a:spcBef>
-                          <a:spcPts val="0"/>
-                        </a:spcBef>
-                        <a:spcAft>
-                          <a:spcPts val="0"/>
-                        </a:spcAft>
-                        <a:buClrTx/>
-                        <a:buSzTx/>
-                        <a:buFontTx/>
-                        <a:buNone/>
-                        <a:tabLst/>
-                        <a:defRPr/>
-                      </a:pPr>
-                      <a:r>
-                        <a:rPr lang="sv-SE" dirty="0"/>
-                        <a:t>4341 commits</a:t>
-                      </a:r>
-                      <a:endParaRPr lang="en-US" dirty="0"/>
-                    </a:p>
-                  </a:txBody>
-                  <a:tcPr marL="86964" marR="86964" anchor="ctr">
-                    <a:solidFill>
-                      <a:srgbClr val="D2ECF9"/>
-                    </a:solidFill>
-                  </a:tcPr>
-                </a:tc>
-                <a:tc vMerge="1">
-                  <a:txBody>
-                    <a:bodyPr/>
-                    <a:lstStyle/>
-                    <a:p>
-                      <a:endParaRPr lang="en-US"/>
-                    </a:p>
-                  </a:txBody>
-                  <a:tcPr/>
-                </a:tc>
-                <a:tc vMerge="1">
-                  <a:txBody>
-                    <a:bodyPr/>
-                    <a:lstStyle/>
-                    <a:p>
-                      <a:endParaRPr lang="en-US"/>
-                    </a:p>
-                  </a:txBody>
-                  <a:tcPr/>
-                </a:tc>
-                <a:tc>
-                  <a:txBody>
-                    <a:bodyPr/>
-                    <a:lstStyle/>
-                    <a:p>
-                      <a:pPr marL="0" marR="0" lvl="0" indent="0" algn="ctr" defTabSz="342900" rtl="0" eaLnBrk="1" fontAlgn="auto" latinLnBrk="0" hangingPunct="1">
-                        <a:lnSpc>
-                          <a:spcPct val="100%"/>
-                        </a:lnSpc>
-                        <a:spcBef>
-                          <a:spcPts val="0"/>
-                        </a:spcBef>
-                        <a:spcAft>
-                          <a:spcPts val="0"/>
-                        </a:spcAft>
-                        <a:buClrTx/>
-                        <a:buSzTx/>
-                        <a:buFontTx/>
-                        <a:buNone/>
-                        <a:tabLst/>
-                        <a:defRPr/>
-                      </a:pPr>
-                      <a:r>
-                        <a:rPr lang="sv-SE" dirty="0"/>
-                        <a:t>56%</a:t>
-                      </a:r>
-                      <a:endParaRPr lang="en-US" dirty="0"/>
-                    </a:p>
-                  </a:txBody>
-                  <a:tcPr marL="86964" marR="86964" anchor="ctr"/>
-                </a:tc>
-                <a:extLst>
-                  <a:ext uri="{0D108BD9-81ED-4DB2-BD59-A6C34878D82A}">
-                    <a16:rowId xmlns:a16="http://schemas.microsoft.com/office/drawing/2014/main" val="3177039057"/>
+                    <a16:rowId xmlns:a16="http://schemas.microsoft.com/office/drawing/2014/main" val="3627833140"/>
                   </a:ext>
                 </a:extLst>
               </a:tr>
@@ -12206,14 +12029,6 @@
             <a:pPr marL="285750" indent="-285750"/>
             <a:r>
               <a:rPr lang="sv-SE" dirty="0" err="1"/>
-              <a:t>Implemented</a:t>
-            </a:r>
-            <a:endParaRPr lang="sv-SE" dirty="0"/>
-          </a:p>
-          <a:p>
-            <a:pPr marL="285750" indent="-285750"/>
-            <a:r>
-              <a:rPr lang="sv-SE" dirty="0" err="1"/>
               <a:t>Dependency</a:t>
             </a:r>
             <a:r>
@@ -12223,6 +12038,30 @@
             <a:r>
               <a:rPr lang="sv-SE" dirty="0" err="1"/>
               <a:t>rules</a:t>
+            </a:r>
+            <a:endParaRPr lang="sv-SE" dirty="0"/>
+          </a:p>
+          <a:p>
+            <a:pPr marL="285750" indent="-285750"/>
+            <a:r>
+              <a:rPr lang="sv-SE" dirty="0" err="1"/>
+              <a:t>Implemented</a:t>
+            </a:r>
+            <a:endParaRPr lang="sv-SE" dirty="0"/>
+          </a:p>
+          <a:p>
+            <a:pPr marL="285750" indent="-285750"/>
+            <a:r>
+              <a:rPr lang="sv-SE" dirty="0" err="1"/>
+              <a:t>Time</a:t>
+            </a:r>
+            <a:r>
+              <a:rPr lang="sv-SE" dirty="0"/>
+              <a:t> </a:t>
+            </a:r>
+            <a:r>
+              <a:rPr lang="sv-SE" dirty="0" err="1"/>
+              <a:t>savings</a:t>
             </a:r>
             <a:endParaRPr lang="sv-SE" dirty="0"/>
           </a:p>
@@ -15877,8 +15716,8 @@
         </p:nvSpPr>
         <p:spPr>
           <a:xfrm>
-            <a:off x="506809" y="2040234"/>
-            <a:ext cx="3139217" cy="2478088"/>
+            <a:off x="2019300" y="2040234"/>
+            <a:ext cx="1626726" cy="2478088"/>
           </a:xfrm>
         </p:spPr>
         <p:txBody>
@@ -16000,31 +15839,41 @@
           </a:p>
         </p:txBody>
       </p:sp>
-      <p:sp>
-        <p:nvSpPr>
-          <p:cNvPr id="6" name="Platshållare för innehåll 5">
+      <p:pic>
+        <p:nvPicPr>
+          <p:cNvPr id="7" name="Platshållare för innehåll 6">
             <a:extLst>
               <a:ext uri="{FF2B5EF4-FFF2-40B4-BE49-F238E27FC236}">
-                <a16:creationId xmlns:a16="http://schemas.microsoft.com/office/drawing/2014/main" id="{BBBAC0DF-7F0B-47CA-B457-0DB6C5DFB2BB}"/>
+                <a16:creationId xmlns:a16="http://schemas.microsoft.com/office/drawing/2014/main" id="{768CA1F3-C5FC-4426-92F9-710A891777B9}"/>
               </a:ext>
             </a:extLst>
           </p:cNvPr>
-          <p:cNvSpPr>
-            <a:spLocks noGrp="1"/>
-          </p:cNvSpPr>
+          <p:cNvPicPr>
+            <a:picLocks noGrp="1" noChangeAspect="1"/>
+          </p:cNvPicPr>
           <p:nvPr>
             <p:ph sz="quarter" idx="4"/>
           </p:nvPr>
-        </p:nvSpPr>
-        <p:spPr/>
-        <p:txBody>
-          <a:bodyPr/>
-          <a:lstStyle/>
-          <a:p>
-            <a:endParaRPr lang="en-US"/>
-          </a:p>
-        </p:txBody>
-      </p:sp>
+        </p:nvPicPr>
+        <p:blipFill>
+          <a:blip r:embed="rId3">
+            <a:extLst>
+              <a:ext uri="{96DAC541-7B7A-43D3-8B79-37D633B846F1}">
+                <asvg:svgBlip xmlns:asvg="http://schemas.microsoft.com/office/drawing/2016/SVG/main" r:embed="rId4"/>
+              </a:ext>
+            </a:extLst>
+          </a:blip>
+          <a:stretch>
+            <a:fillRect/>
+          </a:stretch>
+        </p:blipFill>
+        <p:spPr>
+          <a:xfrm>
+            <a:off x="3731751" y="2040234"/>
+            <a:ext cx="1000125" cy="1666875"/>
+          </a:xfrm>
+        </p:spPr>
+      </p:pic>
     </p:spTree>
     <p:extLst>
       <p:ext uri="{BB962C8B-B14F-4D97-AF65-F5344CB8AC3E}">

--- a/Exjobbspresentation.pptx
+++ b/Exjobbspresentation.pptx
@@ -3275,7 +3275,7 @@
             <a:fld id="{B61BEF0D-F0BB-DE4B-95CE-6DB70DBA9567}" type="datetimeFigureOut">
               <a:rPr lang="en-US" smtClean="0"/>
               <a:pPr/>
-              <a:t>17/08/23</a:t>
+              <a:t>17/08/24</a:t>
             </a:fld>
             <a:endParaRPr lang="en-US" dirty="0"/>
           </a:p>
@@ -3550,7 +3550,7 @@
             <a:fld id="{B61BEF0D-F0BB-DE4B-95CE-6DB70DBA9567}" type="datetimeFigureOut">
               <a:rPr lang="en-US" smtClean="0"/>
               <a:pPr/>
-              <a:t>17/08/23</a:t>
+              <a:t>17/08/24</a:t>
             </a:fld>
             <a:endParaRPr lang="en-US" dirty="0"/>
           </a:p>
@@ -3888,7 +3888,7 @@
             <a:fld id="{B61BEF0D-F0BB-DE4B-95CE-6DB70DBA9567}" type="datetimeFigureOut">
               <a:rPr lang="en-US" smtClean="0"/>
               <a:pPr/>
-              <a:t>17/08/23</a:t>
+              <a:t>17/08/24</a:t>
             </a:fld>
             <a:endParaRPr lang="en-US" dirty="0"/>
           </a:p>
@@ -4245,7 +4245,7 @@
             <a:fld id="{B61BEF0D-F0BB-DE4B-95CE-6DB70DBA9567}" type="datetimeFigureOut">
               <a:rPr lang="en-US" smtClean="0"/>
               <a:pPr/>
-              <a:t>17/08/23</a:t>
+              <a:t>17/08/24</a:t>
             </a:fld>
             <a:endParaRPr lang="en-US" dirty="0"/>
           </a:p>
@@ -4583,7 +4583,7 @@
             <a:fld id="{B61BEF0D-F0BB-DE4B-95CE-6DB70DBA9567}" type="datetimeFigureOut">
               <a:rPr lang="en-US" smtClean="0"/>
               <a:pPr/>
-              <a:t>17/08/23</a:t>
+              <a:t>17/08/24</a:t>
             </a:fld>
             <a:endParaRPr lang="en-US" dirty="0"/>
           </a:p>
@@ -5000,7 +5000,7 @@
             <a:fld id="{B61BEF0D-F0BB-DE4B-95CE-6DB70DBA9567}" type="datetimeFigureOut">
               <a:rPr lang="en-US" smtClean="0"/>
               <a:pPr/>
-              <a:t>17/08/23</a:t>
+              <a:t>17/08/24</a:t>
             </a:fld>
             <a:endParaRPr lang="en-US" dirty="0"/>
           </a:p>
@@ -5193,7 +5193,7 @@
           <a:p>
             <a:fld id="{55C6B4A9-1611-4792-9094-5F34BCA07E0B}" type="datetimeFigureOut">
               <a:rPr lang="en-US" smtClean="0"/>
-              <a:t>17/08/23</a:t>
+              <a:t>17/08/24</a:t>
             </a:fld>
             <a:endParaRPr lang="en-US" dirty="0"/>
           </a:p>
@@ -5397,7 +5397,7 @@
             <a:fld id="{B61BEF0D-F0BB-DE4B-95CE-6DB70DBA9567}" type="datetimeFigureOut">
               <a:rPr lang="en-US" smtClean="0"/>
               <a:pPr/>
-              <a:t>17/08/23</a:t>
+              <a:t>17/08/24</a:t>
             </a:fld>
             <a:endParaRPr lang="en-US" dirty="0"/>
           </a:p>
@@ -6154,7 +6154,7 @@
             <a:fld id="{B61BEF0D-F0BB-DE4B-95CE-6DB70DBA9567}" type="datetimeFigureOut">
               <a:rPr lang="en-US" smtClean="0"/>
               <a:pPr/>
-              <a:t>17/08/23</a:t>
+              <a:t>17/08/24</a:t>
             </a:fld>
             <a:endParaRPr lang="en-US" dirty="0"/>
           </a:p>
@@ -6425,7 +6425,7 @@
             <a:fld id="{B61BEF0D-F0BB-DE4B-95CE-6DB70DBA9567}" type="datetimeFigureOut">
               <a:rPr lang="en-US" smtClean="0"/>
               <a:pPr/>
-              <a:t>17/08/23</a:t>
+              <a:t>17/08/24</a:t>
             </a:fld>
             <a:endParaRPr lang="en-US" dirty="0"/>
           </a:p>
@@ -6680,7 +6680,7 @@
           <a:p>
             <a:fld id="{EB712588-04B1-427B-82EE-E8DB90309F08}" type="datetimeFigureOut">
               <a:rPr lang="en-US" smtClean="0"/>
-              <a:t>17/08/23</a:t>
+              <a:t>17/08/24</a:t>
             </a:fld>
             <a:endParaRPr lang="en-US" dirty="0"/>
           </a:p>
@@ -7078,7 +7078,7 @@
             <a:fld id="{B61BEF0D-F0BB-DE4B-95CE-6DB70DBA9567}" type="datetimeFigureOut">
               <a:rPr lang="en-US" smtClean="0"/>
               <a:pPr/>
-              <a:t>17/08/23</a:t>
+              <a:t>17/08/24</a:t>
             </a:fld>
             <a:endParaRPr lang="en-US" dirty="0"/>
           </a:p>
@@ -7225,7 +7225,7 @@
             <a:fld id="{B61BEF0D-F0BB-DE4B-95CE-6DB70DBA9567}" type="datetimeFigureOut">
               <a:rPr lang="en-US" smtClean="0"/>
               <a:pPr/>
-              <a:t>17/08/23</a:t>
+              <a:t>17/08/24</a:t>
             </a:fld>
             <a:endParaRPr lang="en-US" dirty="0"/>
           </a:p>
@@ -7344,7 +7344,7 @@
             <a:fld id="{B61BEF0D-F0BB-DE4B-95CE-6DB70DBA9567}" type="datetimeFigureOut">
               <a:rPr lang="en-US" smtClean="0"/>
               <a:pPr/>
-              <a:t>17/08/23</a:t>
+              <a:t>17/08/24</a:t>
             </a:fld>
             <a:endParaRPr lang="en-US" dirty="0"/>
           </a:p>
@@ -7622,7 +7622,7 @@
           <a:p>
             <a:fld id="{42A54C80-263E-416B-A8E0-580EDEADCBDC}" type="datetimeFigureOut">
               <a:rPr lang="en-US" smtClean="0"/>
-              <a:t>17/08/23</a:t>
+              <a:t>17/08/24</a:t>
             </a:fld>
             <a:endParaRPr lang="en-US" dirty="0"/>
           </a:p>
@@ -7973,7 +7973,7 @@
             <a:fld id="{B61BEF0D-F0BB-DE4B-95CE-6DB70DBA9567}" type="datetimeFigureOut">
               <a:rPr lang="en-US" smtClean="0"/>
               <a:pPr/>
-              <a:t>17/08/23</a:t>
+              <a:t>17/08/24</a:t>
             </a:fld>
             <a:endParaRPr lang="en-US" dirty="0"/>
           </a:p>
@@ -8677,7 +8677,7 @@
             <a:fld id="{B61BEF0D-F0BB-DE4B-95CE-6DB70DBA9567}" type="datetimeFigureOut">
               <a:rPr lang="en-US" smtClean="0"/>
               <a:pPr/>
-              <a:t>17/08/23</a:t>
+              <a:t>17/08/24</a:t>
             </a:fld>
             <a:endParaRPr lang="en-US" dirty="0"/>
           </a:p>
@@ -15552,15 +15552,6 @@
             </a:r>
           </a:p>
           <a:p>
-            <a:pPr marL="0" lvl="0" indent="0">
-              <a:buNone/>
-            </a:pPr>
-            <a:r>
-              <a:rPr lang="en-US" dirty="0"/>
-              <a:t>Due to limitations in the compilation stage the solution is implemented in.</a:t>
-            </a:r>
-          </a:p>
-          <a:p>
             <a:pPr marL="342900" lvl="0" indent="-342900">
               <a:buFont typeface="+mj-lt"/>
               <a:buAutoNum type="arabicPeriod" startAt="3"/>
@@ -15589,6 +15580,28 @@
               <a:rPr lang="en-US" dirty="0"/>
               <a:t>Exception to Rule 4: Rule 4 is not applicable to import statements.</a:t>
             </a:r>
+          </a:p>
+          <a:p>
+            <a:pPr marL="342900" lvl="0" indent="-342900">
+              <a:buFont typeface="+mj-lt"/>
+              <a:buAutoNum type="arabicPeriod" startAt="3"/>
+            </a:pPr>
+            <a:endParaRPr lang="sv-SE" dirty="0"/>
+          </a:p>
+          <a:p>
+            <a:pPr marL="0" indent="0">
+              <a:buNone/>
+            </a:pPr>
+            <a:r>
+              <a:rPr lang="en-US"/>
+              <a:t>Rule 4 and 5 are needed due to limitations in the compilation stage the solution is implemented in.</a:t>
+            </a:r>
+          </a:p>
+          <a:p>
+            <a:pPr marL="0" lvl="0" indent="0">
+              <a:buNone/>
+            </a:pPr>
+            <a:endParaRPr lang="en-US" dirty="0"/>
           </a:p>
           <a:p>
             <a:pPr marL="342900" lvl="0" indent="-342900">

--- a/Exjobbspresentation.pptx
+++ b/Exjobbspresentation.pptx
@@ -3275,7 +3275,7 @@
             <a:fld id="{B61BEF0D-F0BB-DE4B-95CE-6DB70DBA9567}" type="datetimeFigureOut">
               <a:rPr lang="en-US" smtClean="0"/>
               <a:pPr/>
-              <a:t>17/08/24</a:t>
+              <a:t>2017-08-24</a:t>
             </a:fld>
             <a:endParaRPr lang="en-US" dirty="0"/>
           </a:p>
@@ -3550,7 +3550,7 @@
             <a:fld id="{B61BEF0D-F0BB-DE4B-95CE-6DB70DBA9567}" type="datetimeFigureOut">
               <a:rPr lang="en-US" smtClean="0"/>
               <a:pPr/>
-              <a:t>17/08/24</a:t>
+              <a:t>2017-08-24</a:t>
             </a:fld>
             <a:endParaRPr lang="en-US" dirty="0"/>
           </a:p>
@@ -3888,7 +3888,7 @@
             <a:fld id="{B61BEF0D-F0BB-DE4B-95CE-6DB70DBA9567}" type="datetimeFigureOut">
               <a:rPr lang="en-US" smtClean="0"/>
               <a:pPr/>
-              <a:t>17/08/24</a:t>
+              <a:t>2017-08-24</a:t>
             </a:fld>
             <a:endParaRPr lang="en-US" dirty="0"/>
           </a:p>
@@ -4245,7 +4245,7 @@
             <a:fld id="{B61BEF0D-F0BB-DE4B-95CE-6DB70DBA9567}" type="datetimeFigureOut">
               <a:rPr lang="en-US" smtClean="0"/>
               <a:pPr/>
-              <a:t>17/08/24</a:t>
+              <a:t>2017-08-24</a:t>
             </a:fld>
             <a:endParaRPr lang="en-US" dirty="0"/>
           </a:p>
@@ -4583,7 +4583,7 @@
             <a:fld id="{B61BEF0D-F0BB-DE4B-95CE-6DB70DBA9567}" type="datetimeFigureOut">
               <a:rPr lang="en-US" smtClean="0"/>
               <a:pPr/>
-              <a:t>17/08/24</a:t>
+              <a:t>2017-08-24</a:t>
             </a:fld>
             <a:endParaRPr lang="en-US" dirty="0"/>
           </a:p>
@@ -5000,7 +5000,7 @@
             <a:fld id="{B61BEF0D-F0BB-DE4B-95CE-6DB70DBA9567}" type="datetimeFigureOut">
               <a:rPr lang="en-US" smtClean="0"/>
               <a:pPr/>
-              <a:t>17/08/24</a:t>
+              <a:t>2017-08-24</a:t>
             </a:fld>
             <a:endParaRPr lang="en-US" dirty="0"/>
           </a:p>
@@ -5193,7 +5193,7 @@
           <a:p>
             <a:fld id="{55C6B4A9-1611-4792-9094-5F34BCA07E0B}" type="datetimeFigureOut">
               <a:rPr lang="en-US" smtClean="0"/>
-              <a:t>17/08/24</a:t>
+              <a:t>2017-08-24</a:t>
             </a:fld>
             <a:endParaRPr lang="en-US" dirty="0"/>
           </a:p>
@@ -5397,7 +5397,7 @@
             <a:fld id="{B61BEF0D-F0BB-DE4B-95CE-6DB70DBA9567}" type="datetimeFigureOut">
               <a:rPr lang="en-US" smtClean="0"/>
               <a:pPr/>
-              <a:t>17/08/24</a:t>
+              <a:t>2017-08-24</a:t>
             </a:fld>
             <a:endParaRPr lang="en-US" dirty="0"/>
           </a:p>
@@ -6154,7 +6154,7 @@
             <a:fld id="{B61BEF0D-F0BB-DE4B-95CE-6DB70DBA9567}" type="datetimeFigureOut">
               <a:rPr lang="en-US" smtClean="0"/>
               <a:pPr/>
-              <a:t>17/08/24</a:t>
+              <a:t>2017-08-24</a:t>
             </a:fld>
             <a:endParaRPr lang="en-US" dirty="0"/>
           </a:p>
@@ -6425,7 +6425,7 @@
             <a:fld id="{B61BEF0D-F0BB-DE4B-95CE-6DB70DBA9567}" type="datetimeFigureOut">
               <a:rPr lang="en-US" smtClean="0"/>
               <a:pPr/>
-              <a:t>17/08/24</a:t>
+              <a:t>2017-08-24</a:t>
             </a:fld>
             <a:endParaRPr lang="en-US" dirty="0"/>
           </a:p>
@@ -6680,7 +6680,7 @@
           <a:p>
             <a:fld id="{EB712588-04B1-427B-82EE-E8DB90309F08}" type="datetimeFigureOut">
               <a:rPr lang="en-US" smtClean="0"/>
-              <a:t>17/08/24</a:t>
+              <a:t>2017-08-24</a:t>
             </a:fld>
             <a:endParaRPr lang="en-US" dirty="0"/>
           </a:p>
@@ -7078,7 +7078,7 @@
             <a:fld id="{B61BEF0D-F0BB-DE4B-95CE-6DB70DBA9567}" type="datetimeFigureOut">
               <a:rPr lang="en-US" smtClean="0"/>
               <a:pPr/>
-              <a:t>17/08/24</a:t>
+              <a:t>2017-08-24</a:t>
             </a:fld>
             <a:endParaRPr lang="en-US" dirty="0"/>
           </a:p>
@@ -7225,7 +7225,7 @@
             <a:fld id="{B61BEF0D-F0BB-DE4B-95CE-6DB70DBA9567}" type="datetimeFigureOut">
               <a:rPr lang="en-US" smtClean="0"/>
               <a:pPr/>
-              <a:t>17/08/24</a:t>
+              <a:t>2017-08-24</a:t>
             </a:fld>
             <a:endParaRPr lang="en-US" dirty="0"/>
           </a:p>
@@ -7344,7 +7344,7 @@
             <a:fld id="{B61BEF0D-F0BB-DE4B-95CE-6DB70DBA9567}" type="datetimeFigureOut">
               <a:rPr lang="en-US" smtClean="0"/>
               <a:pPr/>
-              <a:t>17/08/24</a:t>
+              <a:t>2017-08-24</a:t>
             </a:fld>
             <a:endParaRPr lang="en-US" dirty="0"/>
           </a:p>
@@ -7622,7 +7622,7 @@
           <a:p>
             <a:fld id="{42A54C80-263E-416B-A8E0-580EDEADCBDC}" type="datetimeFigureOut">
               <a:rPr lang="en-US" smtClean="0"/>
-              <a:t>17/08/24</a:t>
+              <a:t>2017-08-24</a:t>
             </a:fld>
             <a:endParaRPr lang="en-US" dirty="0"/>
           </a:p>
@@ -7973,7 +7973,7 @@
             <a:fld id="{B61BEF0D-F0BB-DE4B-95CE-6DB70DBA9567}" type="datetimeFigureOut">
               <a:rPr lang="en-US" smtClean="0"/>
               <a:pPr/>
-              <a:t>17/08/24</a:t>
+              <a:t>2017-08-24</a:t>
             </a:fld>
             <a:endParaRPr lang="en-US" dirty="0"/>
           </a:p>
@@ -8677,7 +8677,7 @@
             <a:fld id="{B61BEF0D-F0BB-DE4B-95CE-6DB70DBA9567}" type="datetimeFigureOut">
               <a:rPr lang="en-US" smtClean="0"/>
               <a:pPr/>
-              <a:t>17/08/24</a:t>
+              <a:t>2017-08-24</a:t>
             </a:fld>
             <a:endParaRPr lang="en-US" dirty="0"/>
           </a:p>
@@ -10301,7 +10301,7 @@
                 <a:latin typeface="Courier New" panose="02070309020205020404" pitchFamily="49" charset="0"/>
                 <a:cs typeface="Courier New" panose="02070309020205020404" pitchFamily="49" charset="0"/>
               </a:rPr>
-              <a:t> B;</a:t>
+              <a:t> M;</a:t>
             </a:r>
           </a:p>
           <a:p>
@@ -11431,8 +11431,8 @@
         </p:nvSpPr>
         <p:spPr>
           <a:xfrm>
-            <a:off x="4246109" y="4867196"/>
-            <a:ext cx="805343" cy="369332"/>
+            <a:off x="4084294" y="4871998"/>
+            <a:ext cx="1128973" cy="369332"/>
           </a:xfrm>
           <a:prstGeom prst="rect">
             <a:avLst/>
@@ -11447,9 +11447,14 @@
           <a:p>
             <a:pPr algn="ctr"/>
             <a:r>
-              <a:rPr lang="en-US" dirty="0"/>
-              <a:t>File</a:t>
-            </a:r>
+              <a:rPr lang="sv-SE" dirty="0"/>
+              <a:t>C</a:t>
+            </a:r>
+            <a:r>
+              <a:rPr lang="en-US" dirty="0" err="1"/>
+              <a:t>ommit</a:t>
+            </a:r>
+            <a:endParaRPr lang="en-US" dirty="0"/>
           </a:p>
         </p:txBody>
       </p:sp>

--- a/Exjobbspresentation.pptx
+++ b/Exjobbspresentation.pptx
@@ -9482,28 +9482,35 @@
               <a:buNone/>
             </a:pPr>
             <a:r>
+              <a:rPr lang="da-DK" sz="1400">
+                <a:latin typeface="Courier New" panose="02070309020205020404" pitchFamily="49" charset="0"/>
+                <a:cs typeface="Courier New" panose="02070309020205020404" pitchFamily="49" charset="0"/>
+              </a:rPr>
+              <a:t>  </a:t>
+            </a:r>
+            <a:r>
+              <a:rPr lang="da-DK" sz="1400" b="1">
+                <a:solidFill>
+                  <a:srgbClr val="0000FF"/>
+                </a:solidFill>
+                <a:latin typeface="Courier New" panose="02070309020205020404" pitchFamily="49" charset="0"/>
+                <a:cs typeface="Courier New" panose="02070309020205020404" pitchFamily="49" charset="0"/>
+              </a:rPr>
+              <a:t>package</a:t>
+            </a:r>
+            <a:r>
+              <a:rPr lang="da-DK" sz="1400">
+                <a:latin typeface="Courier New" panose="02070309020205020404" pitchFamily="49" charset="0"/>
+                <a:cs typeface="Courier New" panose="02070309020205020404" pitchFamily="49" charset="0"/>
+              </a:rPr>
+              <a:t> </a:t>
+            </a:r>
+            <a:r>
               <a:rPr lang="da-DK" sz="1400" dirty="0">
                 <a:latin typeface="Courier New" panose="02070309020205020404" pitchFamily="49" charset="0"/>
                 <a:cs typeface="Courier New" panose="02070309020205020404" pitchFamily="49" charset="0"/>
               </a:rPr>
-              <a:t>  </a:t>
-            </a:r>
-            <a:r>
-              <a:rPr lang="da-DK" sz="1400" b="1" dirty="0">
-                <a:solidFill>
-                  <a:srgbClr val="0000FF"/>
-                </a:solidFill>
-                <a:latin typeface="Courier New" panose="02070309020205020404" pitchFamily="49" charset="0"/>
-                <a:cs typeface="Courier New" panose="02070309020205020404" pitchFamily="49" charset="0"/>
-              </a:rPr>
-              <a:t>model</a:t>
-            </a:r>
-            <a:r>
-              <a:rPr lang="da-DK" sz="1400" dirty="0">
-                <a:latin typeface="Courier New" panose="02070309020205020404" pitchFamily="49" charset="0"/>
-                <a:cs typeface="Courier New" panose="02070309020205020404" pitchFamily="49" charset="0"/>
-              </a:rPr>
-              <a:t> M1</a:t>
+              <a:t>M1</a:t>
             </a:r>
           </a:p>
           <a:p>
@@ -9873,7 +9880,7 @@
                 <a:latin typeface="Courier New" panose="02070309020205020404" pitchFamily="49" charset="0"/>
                 <a:cs typeface="Courier New" panose="02070309020205020404" pitchFamily="49" charset="0"/>
               </a:rPr>
-              <a:t>model</a:t>
+              <a:t>package</a:t>
             </a:r>
             <a:r>
               <a:rPr lang="da-DK" sz="1400" dirty="0">
